--- a/LOGO/LOGO.pptx
+++ b/LOGO/LOGO.pptx
@@ -12,6 +12,7 @@
     <p:sldId id="259" r:id="rId6"/>
     <p:sldId id="260" r:id="rId7"/>
     <p:sldId id="262" r:id="rId8"/>
+    <p:sldId id="263" r:id="rId9"/>
   </p:sldIdLst>
   <p:sldSz cx="12192000" cy="6858000"/>
   <p:notesSz cx="6858000" cy="9144000"/>
@@ -267,7 +268,7 @@
           <a:p>
             <a:fld id="{65E0C4A3-87A7-E446-9182-09EE0C8F89BC}" type="datetimeFigureOut">
               <a:rPr lang="en-CN" smtClean="0"/>
-              <a:t>2025/9/19</a:t>
+              <a:t>2025/9/20</a:t>
             </a:fld>
             <a:endParaRPr lang="en-CN"/>
           </a:p>
@@ -467,7 +468,7 @@
           <a:p>
             <a:fld id="{65E0C4A3-87A7-E446-9182-09EE0C8F89BC}" type="datetimeFigureOut">
               <a:rPr lang="en-CN" smtClean="0"/>
-              <a:t>2025/9/19</a:t>
+              <a:t>2025/9/20</a:t>
             </a:fld>
             <a:endParaRPr lang="en-CN"/>
           </a:p>
@@ -677,7 +678,7 @@
           <a:p>
             <a:fld id="{65E0C4A3-87A7-E446-9182-09EE0C8F89BC}" type="datetimeFigureOut">
               <a:rPr lang="en-CN" smtClean="0"/>
-              <a:t>2025/9/19</a:t>
+              <a:t>2025/9/20</a:t>
             </a:fld>
             <a:endParaRPr lang="en-CN"/>
           </a:p>
@@ -877,7 +878,7 @@
           <a:p>
             <a:fld id="{65E0C4A3-87A7-E446-9182-09EE0C8F89BC}" type="datetimeFigureOut">
               <a:rPr lang="en-CN" smtClean="0"/>
-              <a:t>2025/9/19</a:t>
+              <a:t>2025/9/20</a:t>
             </a:fld>
             <a:endParaRPr lang="en-CN"/>
           </a:p>
@@ -1153,7 +1154,7 @@
           <a:p>
             <a:fld id="{65E0C4A3-87A7-E446-9182-09EE0C8F89BC}" type="datetimeFigureOut">
               <a:rPr lang="en-CN" smtClean="0"/>
-              <a:t>2025/9/19</a:t>
+              <a:t>2025/9/20</a:t>
             </a:fld>
             <a:endParaRPr lang="en-CN"/>
           </a:p>
@@ -1421,7 +1422,7 @@
           <a:p>
             <a:fld id="{65E0C4A3-87A7-E446-9182-09EE0C8F89BC}" type="datetimeFigureOut">
               <a:rPr lang="en-CN" smtClean="0"/>
-              <a:t>2025/9/19</a:t>
+              <a:t>2025/9/20</a:t>
             </a:fld>
             <a:endParaRPr lang="en-CN"/>
           </a:p>
@@ -1836,7 +1837,7 @@
           <a:p>
             <a:fld id="{65E0C4A3-87A7-E446-9182-09EE0C8F89BC}" type="datetimeFigureOut">
               <a:rPr lang="en-CN" smtClean="0"/>
-              <a:t>2025/9/19</a:t>
+              <a:t>2025/9/20</a:t>
             </a:fld>
             <a:endParaRPr lang="en-CN"/>
           </a:p>
@@ -1978,7 +1979,7 @@
           <a:p>
             <a:fld id="{65E0C4A3-87A7-E446-9182-09EE0C8F89BC}" type="datetimeFigureOut">
               <a:rPr lang="en-CN" smtClean="0"/>
-              <a:t>2025/9/19</a:t>
+              <a:t>2025/9/20</a:t>
             </a:fld>
             <a:endParaRPr lang="en-CN"/>
           </a:p>
@@ -2091,7 +2092,7 @@
           <a:p>
             <a:fld id="{65E0C4A3-87A7-E446-9182-09EE0C8F89BC}" type="datetimeFigureOut">
               <a:rPr lang="en-CN" smtClean="0"/>
-              <a:t>2025/9/19</a:t>
+              <a:t>2025/9/20</a:t>
             </a:fld>
             <a:endParaRPr lang="en-CN"/>
           </a:p>
@@ -2404,7 +2405,7 @@
           <a:p>
             <a:fld id="{65E0C4A3-87A7-E446-9182-09EE0C8F89BC}" type="datetimeFigureOut">
               <a:rPr lang="en-CN" smtClean="0"/>
-              <a:t>2025/9/19</a:t>
+              <a:t>2025/9/20</a:t>
             </a:fld>
             <a:endParaRPr lang="en-CN"/>
           </a:p>
@@ -2693,7 +2694,7 @@
           <a:p>
             <a:fld id="{65E0C4A3-87A7-E446-9182-09EE0C8F89BC}" type="datetimeFigureOut">
               <a:rPr lang="en-CN" smtClean="0"/>
-              <a:t>2025/9/19</a:t>
+              <a:t>2025/9/20</a:t>
             </a:fld>
             <a:endParaRPr lang="en-CN"/>
           </a:p>
@@ -2936,7 +2937,7 @@
           <a:p>
             <a:fld id="{65E0C4A3-87A7-E446-9182-09EE0C8F89BC}" type="datetimeFigureOut">
               <a:rPr lang="en-CN" smtClean="0"/>
-              <a:t>2025/9/19</a:t>
+              <a:t>2025/9/20</a:t>
             </a:fld>
             <a:endParaRPr lang="en-CN"/>
           </a:p>
@@ -7148,6 +7149,893 @@
 </p:sld>
 </file>
 
+<file path=ppt/slides/slide8.xml><?xml version="1.0" encoding="utf-8"?>
+<p:sld xmlns:a="http://schemas.openxmlformats.org/drawingml/2006/main" xmlns:r="http://schemas.openxmlformats.org/officeDocument/2006/relationships" xmlns:p="http://schemas.openxmlformats.org/presentationml/2006/main">
+  <p:cSld>
+    <p:bg>
+      <p:bgPr>
+        <a:gradFill>
+          <a:gsLst>
+            <a:gs pos="0">
+              <a:schemeClr val="accent1">
+                <a:lumMod val="5000"/>
+                <a:lumOff val="95000"/>
+              </a:schemeClr>
+            </a:gs>
+            <a:gs pos="74000">
+              <a:schemeClr val="accent1">
+                <a:lumMod val="45000"/>
+                <a:lumOff val="55000"/>
+              </a:schemeClr>
+            </a:gs>
+            <a:gs pos="83000">
+              <a:schemeClr val="accent1">
+                <a:lumMod val="45000"/>
+                <a:lumOff val="55000"/>
+              </a:schemeClr>
+            </a:gs>
+            <a:gs pos="100000">
+              <a:schemeClr val="accent1">
+                <a:lumMod val="30000"/>
+                <a:lumOff val="70000"/>
+              </a:schemeClr>
+            </a:gs>
+          </a:gsLst>
+          <a:path path="rect">
+            <a:fillToRect l="100000" t="100000"/>
+          </a:path>
+        </a:gradFill>
+        <a:effectLst/>
+      </p:bgPr>
+    </p:bg>
+    <p:spTree>
+      <p:nvGrpSpPr>
+        <p:cNvPr id="1" name="">
+          <a:extLst>
+            <a:ext uri="{FF2B5EF4-FFF2-40B4-BE49-F238E27FC236}">
+              <a16:creationId xmlns:a16="http://schemas.microsoft.com/office/drawing/2014/main" id="{C68DF2C6-4D64-0A9D-CA81-EBAE7566EFC7}"/>
+            </a:ext>
+          </a:extLst>
+        </p:cNvPr>
+        <p:cNvGrpSpPr/>
+        <p:nvPr/>
+      </p:nvGrpSpPr>
+      <p:grpSpPr>
+        <a:xfrm>
+          <a:off x="0" y="0"/>
+          <a:ext cx="0" cy="0"/>
+          <a:chOff x="0" y="0"/>
+          <a:chExt cx="0" cy="0"/>
+        </a:xfrm>
+      </p:grpSpPr>
+      <p:grpSp>
+        <p:nvGrpSpPr>
+          <p:cNvPr id="5" name="Group 4">
+            <a:extLst>
+              <a:ext uri="{FF2B5EF4-FFF2-40B4-BE49-F238E27FC236}">
+                <a16:creationId xmlns:a16="http://schemas.microsoft.com/office/drawing/2014/main" id="{4B41443C-9F46-268C-9AD6-130710956B5D}"/>
+              </a:ext>
+            </a:extLst>
+          </p:cNvPr>
+          <p:cNvGrpSpPr/>
+          <p:nvPr/>
+        </p:nvGrpSpPr>
+        <p:grpSpPr>
+          <a:xfrm>
+            <a:off x="528215" y="324258"/>
+            <a:ext cx="3686400" cy="3686400"/>
+            <a:chOff x="4970819" y="1635473"/>
+            <a:chExt cx="3600000" cy="3600000"/>
+          </a:xfrm>
+        </p:grpSpPr>
+        <p:sp>
+          <p:nvSpPr>
+            <p:cNvPr id="2" name="Rounded Rectangle 1">
+              <a:extLst>
+                <a:ext uri="{FF2B5EF4-FFF2-40B4-BE49-F238E27FC236}">
+                  <a16:creationId xmlns:a16="http://schemas.microsoft.com/office/drawing/2014/main" id="{FB81AD4F-6FE3-9EB8-AD7C-6BE0DD60C30D}"/>
+                </a:ext>
+              </a:extLst>
+            </p:cNvPr>
+            <p:cNvSpPr/>
+            <p:nvPr/>
+          </p:nvSpPr>
+          <p:spPr>
+            <a:xfrm>
+              <a:off x="4970819" y="1635473"/>
+              <a:ext cx="3600000" cy="3600000"/>
+            </a:xfrm>
+            <a:prstGeom prst="roundRect">
+              <a:avLst>
+                <a:gd name="adj" fmla="val 13588"/>
+              </a:avLst>
+            </a:prstGeom>
+            <a:solidFill>
+              <a:schemeClr val="bg1"/>
+            </a:solidFill>
+            <a:ln>
+              <a:noFill/>
+            </a:ln>
+          </p:spPr>
+          <p:style>
+            <a:lnRef idx="2">
+              <a:schemeClr val="accent1">
+                <a:shade val="15000"/>
+              </a:schemeClr>
+            </a:lnRef>
+            <a:fillRef idx="1">
+              <a:schemeClr val="accent1"/>
+            </a:fillRef>
+            <a:effectRef idx="0">
+              <a:schemeClr val="accent1"/>
+            </a:effectRef>
+            <a:fontRef idx="minor">
+              <a:schemeClr val="lt1"/>
+            </a:fontRef>
+          </p:style>
+          <p:txBody>
+            <a:bodyPr rtlCol="0" anchor="ctr"/>
+            <a:lstStyle/>
+            <a:p>
+              <a:pPr algn="ctr"/>
+              <a:endParaRPr lang="en-CN"/>
+            </a:p>
+          </p:txBody>
+        </p:sp>
+        <p:grpSp>
+          <p:nvGrpSpPr>
+            <p:cNvPr id="30" name="Group 29">
+              <a:extLst>
+                <a:ext uri="{FF2B5EF4-FFF2-40B4-BE49-F238E27FC236}">
+                  <a16:creationId xmlns:a16="http://schemas.microsoft.com/office/drawing/2014/main" id="{25962D09-62E2-8508-3BB2-F96A2E6C3D35}"/>
+                </a:ext>
+              </a:extLst>
+            </p:cNvPr>
+            <p:cNvGrpSpPr/>
+            <p:nvPr/>
+          </p:nvGrpSpPr>
+          <p:grpSpPr>
+            <a:xfrm>
+              <a:off x="5420819" y="2085473"/>
+              <a:ext cx="2700000" cy="2700000"/>
+              <a:chOff x="5628118" y="2104874"/>
+              <a:chExt cx="2774246" cy="2611513"/>
+            </a:xfrm>
+          </p:grpSpPr>
+          <p:sp>
+            <p:nvSpPr>
+              <p:cNvPr id="24" name="Freeform 23">
+                <a:extLst>
+                  <a:ext uri="{FF2B5EF4-FFF2-40B4-BE49-F238E27FC236}">
+                    <a16:creationId xmlns:a16="http://schemas.microsoft.com/office/drawing/2014/main" id="{1B3DF387-AC84-7E2E-5C6C-636834AA5578}"/>
+                  </a:ext>
+                </a:extLst>
+              </p:cNvPr>
+              <p:cNvSpPr/>
+              <p:nvPr/>
+            </p:nvSpPr>
+            <p:spPr>
+              <a:xfrm rot="16200000" flipH="1">
+                <a:off x="5662115" y="3526385"/>
+                <a:ext cx="1156005" cy="1224000"/>
+              </a:xfrm>
+              <a:custGeom>
+                <a:avLst/>
+                <a:gdLst>
+                  <a:gd name="connsiteX0" fmla="*/ 0 w 1156005"/>
+                  <a:gd name="connsiteY0" fmla="*/ 612000 h 1224000"/>
+                  <a:gd name="connsiteX1" fmla="*/ 0 w 1156005"/>
+                  <a:gd name="connsiteY1" fmla="*/ 1224000 h 1224000"/>
+                  <a:gd name="connsiteX2" fmla="*/ 1156005 w 1156005"/>
+                  <a:gd name="connsiteY2" fmla="*/ 1224000 h 1224000"/>
+                  <a:gd name="connsiteX3" fmla="*/ 1156005 w 1156005"/>
+                  <a:gd name="connsiteY3" fmla="*/ 0 h 1224000"/>
+                  <a:gd name="connsiteX4" fmla="*/ 612000 w 1156005"/>
+                  <a:gd name="connsiteY4" fmla="*/ 0 h 1224000"/>
+                  <a:gd name="connsiteX5" fmla="*/ 0 w 1156005"/>
+                  <a:gd name="connsiteY5" fmla="*/ 612000 h 1224000"/>
+                </a:gdLst>
+                <a:ahLst/>
+                <a:cxnLst>
+                  <a:cxn ang="0">
+                    <a:pos x="connsiteX0" y="connsiteY0"/>
+                  </a:cxn>
+                  <a:cxn ang="0">
+                    <a:pos x="connsiteX1" y="connsiteY1"/>
+                  </a:cxn>
+                  <a:cxn ang="0">
+                    <a:pos x="connsiteX2" y="connsiteY2"/>
+                  </a:cxn>
+                  <a:cxn ang="0">
+                    <a:pos x="connsiteX3" y="connsiteY3"/>
+                  </a:cxn>
+                  <a:cxn ang="0">
+                    <a:pos x="connsiteX4" y="connsiteY4"/>
+                  </a:cxn>
+                  <a:cxn ang="0">
+                    <a:pos x="connsiteX5" y="connsiteY5"/>
+                  </a:cxn>
+                </a:cxnLst>
+                <a:rect l="l" t="t" r="r" b="b"/>
+                <a:pathLst>
+                  <a:path w="1156005" h="1224000">
+                    <a:moveTo>
+                      <a:pt x="0" y="612000"/>
+                    </a:moveTo>
+                    <a:lnTo>
+                      <a:pt x="0" y="1224000"/>
+                    </a:lnTo>
+                    <a:lnTo>
+                      <a:pt x="1156005" y="1224000"/>
+                    </a:lnTo>
+                    <a:lnTo>
+                      <a:pt x="1156005" y="0"/>
+                    </a:lnTo>
+                    <a:lnTo>
+                      <a:pt x="612000" y="0"/>
+                    </a:lnTo>
+                    <a:cubicBezTo>
+                      <a:pt x="274002" y="0"/>
+                      <a:pt x="0" y="274002"/>
+                      <a:pt x="0" y="612000"/>
+                    </a:cubicBezTo>
+                    <a:close/>
+                  </a:path>
+                </a:pathLst>
+              </a:custGeom>
+              <a:solidFill>
+                <a:srgbClr val="3A4BC0"/>
+              </a:solidFill>
+              <a:ln>
+                <a:noFill/>
+              </a:ln>
+            </p:spPr>
+            <p:style>
+              <a:lnRef idx="2">
+                <a:schemeClr val="accent1">
+                  <a:shade val="15000"/>
+                </a:schemeClr>
+              </a:lnRef>
+              <a:fillRef idx="1">
+                <a:schemeClr val="accent1"/>
+              </a:fillRef>
+              <a:effectRef idx="0">
+                <a:schemeClr val="accent1"/>
+              </a:effectRef>
+              <a:fontRef idx="minor">
+                <a:schemeClr val="lt1"/>
+              </a:fontRef>
+            </p:style>
+            <p:txBody>
+              <a:bodyPr wrap="square" rtlCol="0" anchor="ctr">
+                <a:noAutofit/>
+              </a:bodyPr>
+              <a:lstStyle/>
+              <a:p>
+                <a:pPr algn="ctr"/>
+                <a:endParaRPr lang="en-CN" dirty="0"/>
+              </a:p>
+            </p:txBody>
+          </p:sp>
+          <p:sp>
+            <p:nvSpPr>
+              <p:cNvPr id="25" name="Freeform 24">
+                <a:extLst>
+                  <a:ext uri="{FF2B5EF4-FFF2-40B4-BE49-F238E27FC236}">
+                    <a16:creationId xmlns:a16="http://schemas.microsoft.com/office/drawing/2014/main" id="{6E9A5529-FA76-9E96-3273-308024084DA9}"/>
+                  </a:ext>
+                </a:extLst>
+              </p:cNvPr>
+              <p:cNvSpPr/>
+              <p:nvPr/>
+            </p:nvSpPr>
+            <p:spPr>
+              <a:xfrm rot="16200000" flipH="1">
+                <a:off x="6422470" y="2817000"/>
+                <a:ext cx="1156005" cy="1224000"/>
+              </a:xfrm>
+              <a:custGeom>
+                <a:avLst/>
+                <a:gdLst>
+                  <a:gd name="connsiteX0" fmla="*/ 0 w 1156005"/>
+                  <a:gd name="connsiteY0" fmla="*/ 612000 h 1224000"/>
+                  <a:gd name="connsiteX1" fmla="*/ 0 w 1156005"/>
+                  <a:gd name="connsiteY1" fmla="*/ 1224000 h 1224000"/>
+                  <a:gd name="connsiteX2" fmla="*/ 1156005 w 1156005"/>
+                  <a:gd name="connsiteY2" fmla="*/ 1224000 h 1224000"/>
+                  <a:gd name="connsiteX3" fmla="*/ 1156005 w 1156005"/>
+                  <a:gd name="connsiteY3" fmla="*/ 0 h 1224000"/>
+                  <a:gd name="connsiteX4" fmla="*/ 612000 w 1156005"/>
+                  <a:gd name="connsiteY4" fmla="*/ 0 h 1224000"/>
+                  <a:gd name="connsiteX5" fmla="*/ 0 w 1156005"/>
+                  <a:gd name="connsiteY5" fmla="*/ 612000 h 1224000"/>
+                </a:gdLst>
+                <a:ahLst/>
+                <a:cxnLst>
+                  <a:cxn ang="0">
+                    <a:pos x="connsiteX0" y="connsiteY0"/>
+                  </a:cxn>
+                  <a:cxn ang="0">
+                    <a:pos x="connsiteX1" y="connsiteY1"/>
+                  </a:cxn>
+                  <a:cxn ang="0">
+                    <a:pos x="connsiteX2" y="connsiteY2"/>
+                  </a:cxn>
+                  <a:cxn ang="0">
+                    <a:pos x="connsiteX3" y="connsiteY3"/>
+                  </a:cxn>
+                  <a:cxn ang="0">
+                    <a:pos x="connsiteX4" y="connsiteY4"/>
+                  </a:cxn>
+                  <a:cxn ang="0">
+                    <a:pos x="connsiteX5" y="connsiteY5"/>
+                  </a:cxn>
+                </a:cxnLst>
+                <a:rect l="l" t="t" r="r" b="b"/>
+                <a:pathLst>
+                  <a:path w="1156005" h="1224000">
+                    <a:moveTo>
+                      <a:pt x="0" y="612000"/>
+                    </a:moveTo>
+                    <a:lnTo>
+                      <a:pt x="0" y="1224000"/>
+                    </a:lnTo>
+                    <a:lnTo>
+                      <a:pt x="1156005" y="1224000"/>
+                    </a:lnTo>
+                    <a:lnTo>
+                      <a:pt x="1156005" y="0"/>
+                    </a:lnTo>
+                    <a:lnTo>
+                      <a:pt x="612000" y="0"/>
+                    </a:lnTo>
+                    <a:cubicBezTo>
+                      <a:pt x="274002" y="0"/>
+                      <a:pt x="0" y="274002"/>
+                      <a:pt x="0" y="612000"/>
+                    </a:cubicBezTo>
+                    <a:close/>
+                  </a:path>
+                </a:pathLst>
+              </a:custGeom>
+              <a:solidFill>
+                <a:srgbClr val="5EC7FE">
+                  <a:alpha val="80000"/>
+                </a:srgbClr>
+              </a:solidFill>
+              <a:ln>
+                <a:noFill/>
+              </a:ln>
+            </p:spPr>
+            <p:style>
+              <a:lnRef idx="2">
+                <a:schemeClr val="accent1">
+                  <a:shade val="15000"/>
+                </a:schemeClr>
+              </a:lnRef>
+              <a:fillRef idx="1">
+                <a:schemeClr val="accent1"/>
+              </a:fillRef>
+              <a:effectRef idx="0">
+                <a:schemeClr val="accent1"/>
+              </a:effectRef>
+              <a:fontRef idx="minor">
+                <a:schemeClr val="lt1"/>
+              </a:fontRef>
+            </p:style>
+            <p:txBody>
+              <a:bodyPr wrap="square" rtlCol="0" anchor="ctr">
+                <a:noAutofit/>
+              </a:bodyPr>
+              <a:lstStyle/>
+              <a:p>
+                <a:pPr algn="ctr"/>
+                <a:endParaRPr lang="en-CN" dirty="0"/>
+              </a:p>
+            </p:txBody>
+          </p:sp>
+          <p:sp>
+            <p:nvSpPr>
+              <p:cNvPr id="26" name="Freeform 25">
+                <a:extLst>
+                  <a:ext uri="{FF2B5EF4-FFF2-40B4-BE49-F238E27FC236}">
+                    <a16:creationId xmlns:a16="http://schemas.microsoft.com/office/drawing/2014/main" id="{B8822CD2-58E0-69D2-8D8E-15F9795DA474}"/>
+                  </a:ext>
+                </a:extLst>
+              </p:cNvPr>
+              <p:cNvSpPr/>
+              <p:nvPr/>
+            </p:nvSpPr>
+            <p:spPr>
+              <a:xfrm rot="16200000" flipH="1">
+                <a:off x="7212361" y="2070877"/>
+                <a:ext cx="1156005" cy="1224000"/>
+              </a:xfrm>
+              <a:custGeom>
+                <a:avLst/>
+                <a:gdLst>
+                  <a:gd name="connsiteX0" fmla="*/ 0 w 1156005"/>
+                  <a:gd name="connsiteY0" fmla="*/ 612000 h 1224000"/>
+                  <a:gd name="connsiteX1" fmla="*/ 0 w 1156005"/>
+                  <a:gd name="connsiteY1" fmla="*/ 1224000 h 1224000"/>
+                  <a:gd name="connsiteX2" fmla="*/ 1156005 w 1156005"/>
+                  <a:gd name="connsiteY2" fmla="*/ 1224000 h 1224000"/>
+                  <a:gd name="connsiteX3" fmla="*/ 1156005 w 1156005"/>
+                  <a:gd name="connsiteY3" fmla="*/ 0 h 1224000"/>
+                  <a:gd name="connsiteX4" fmla="*/ 612000 w 1156005"/>
+                  <a:gd name="connsiteY4" fmla="*/ 0 h 1224000"/>
+                  <a:gd name="connsiteX5" fmla="*/ 0 w 1156005"/>
+                  <a:gd name="connsiteY5" fmla="*/ 612000 h 1224000"/>
+                </a:gdLst>
+                <a:ahLst/>
+                <a:cxnLst>
+                  <a:cxn ang="0">
+                    <a:pos x="connsiteX0" y="connsiteY0"/>
+                  </a:cxn>
+                  <a:cxn ang="0">
+                    <a:pos x="connsiteX1" y="connsiteY1"/>
+                  </a:cxn>
+                  <a:cxn ang="0">
+                    <a:pos x="connsiteX2" y="connsiteY2"/>
+                  </a:cxn>
+                  <a:cxn ang="0">
+                    <a:pos x="connsiteX3" y="connsiteY3"/>
+                  </a:cxn>
+                  <a:cxn ang="0">
+                    <a:pos x="connsiteX4" y="connsiteY4"/>
+                  </a:cxn>
+                  <a:cxn ang="0">
+                    <a:pos x="connsiteX5" y="connsiteY5"/>
+                  </a:cxn>
+                </a:cxnLst>
+                <a:rect l="l" t="t" r="r" b="b"/>
+                <a:pathLst>
+                  <a:path w="1156005" h="1224000">
+                    <a:moveTo>
+                      <a:pt x="0" y="612000"/>
+                    </a:moveTo>
+                    <a:lnTo>
+                      <a:pt x="0" y="1224000"/>
+                    </a:lnTo>
+                    <a:lnTo>
+                      <a:pt x="1156005" y="1224000"/>
+                    </a:lnTo>
+                    <a:lnTo>
+                      <a:pt x="1156005" y="0"/>
+                    </a:lnTo>
+                    <a:lnTo>
+                      <a:pt x="612000" y="0"/>
+                    </a:lnTo>
+                    <a:cubicBezTo>
+                      <a:pt x="274002" y="0"/>
+                      <a:pt x="0" y="274002"/>
+                      <a:pt x="0" y="612000"/>
+                    </a:cubicBezTo>
+                    <a:close/>
+                  </a:path>
+                </a:pathLst>
+              </a:custGeom>
+              <a:solidFill>
+                <a:schemeClr val="accent6">
+                  <a:lumMod val="60000"/>
+                  <a:lumOff val="40000"/>
+                  <a:alpha val="80000"/>
+                </a:schemeClr>
+              </a:solidFill>
+              <a:ln>
+                <a:noFill/>
+              </a:ln>
+            </p:spPr>
+            <p:style>
+              <a:lnRef idx="2">
+                <a:schemeClr val="accent1">
+                  <a:shade val="15000"/>
+                </a:schemeClr>
+              </a:lnRef>
+              <a:fillRef idx="1">
+                <a:schemeClr val="accent1"/>
+              </a:fillRef>
+              <a:effectRef idx="0">
+                <a:schemeClr val="accent1"/>
+              </a:effectRef>
+              <a:fontRef idx="minor">
+                <a:schemeClr val="lt1"/>
+              </a:fontRef>
+            </p:style>
+            <p:txBody>
+              <a:bodyPr rtlCol="0" anchor="ctr"/>
+              <a:lstStyle/>
+              <a:p>
+                <a:pPr algn="ctr"/>
+                <a:endParaRPr lang="en-CN" dirty="0"/>
+              </a:p>
+            </p:txBody>
+          </p:sp>
+        </p:grpSp>
+      </p:grpSp>
+      <p:grpSp>
+        <p:nvGrpSpPr>
+          <p:cNvPr id="9" name="Group 8">
+            <a:extLst>
+              <a:ext uri="{FF2B5EF4-FFF2-40B4-BE49-F238E27FC236}">
+                <a16:creationId xmlns:a16="http://schemas.microsoft.com/office/drawing/2014/main" id="{E1116181-8130-D254-BF9D-BE1FB722C996}"/>
+              </a:ext>
+            </a:extLst>
+          </p:cNvPr>
+          <p:cNvGrpSpPr/>
+          <p:nvPr/>
+        </p:nvGrpSpPr>
+        <p:grpSpPr>
+          <a:xfrm>
+            <a:off x="4763151" y="378258"/>
+            <a:ext cx="324000" cy="324000"/>
+            <a:chOff x="5628118" y="2104874"/>
+            <a:chExt cx="2774246" cy="2611513"/>
+          </a:xfrm>
+        </p:grpSpPr>
+        <p:sp>
+          <p:nvSpPr>
+            <p:cNvPr id="13" name="Freeform 12">
+              <a:extLst>
+                <a:ext uri="{FF2B5EF4-FFF2-40B4-BE49-F238E27FC236}">
+                  <a16:creationId xmlns:a16="http://schemas.microsoft.com/office/drawing/2014/main" id="{17DFECDD-CEDF-B5E2-B5E7-99BE31959E99}"/>
+                </a:ext>
+              </a:extLst>
+            </p:cNvPr>
+            <p:cNvSpPr/>
+            <p:nvPr/>
+          </p:nvSpPr>
+          <p:spPr>
+            <a:xfrm rot="16200000" flipH="1">
+              <a:off x="5662115" y="3526385"/>
+              <a:ext cx="1156005" cy="1224000"/>
+            </a:xfrm>
+            <a:custGeom>
+              <a:avLst/>
+              <a:gdLst>
+                <a:gd name="connsiteX0" fmla="*/ 0 w 1156005"/>
+                <a:gd name="connsiteY0" fmla="*/ 612000 h 1224000"/>
+                <a:gd name="connsiteX1" fmla="*/ 0 w 1156005"/>
+                <a:gd name="connsiteY1" fmla="*/ 1224000 h 1224000"/>
+                <a:gd name="connsiteX2" fmla="*/ 1156005 w 1156005"/>
+                <a:gd name="connsiteY2" fmla="*/ 1224000 h 1224000"/>
+                <a:gd name="connsiteX3" fmla="*/ 1156005 w 1156005"/>
+                <a:gd name="connsiteY3" fmla="*/ 0 h 1224000"/>
+                <a:gd name="connsiteX4" fmla="*/ 612000 w 1156005"/>
+                <a:gd name="connsiteY4" fmla="*/ 0 h 1224000"/>
+                <a:gd name="connsiteX5" fmla="*/ 0 w 1156005"/>
+                <a:gd name="connsiteY5" fmla="*/ 612000 h 1224000"/>
+              </a:gdLst>
+              <a:ahLst/>
+              <a:cxnLst>
+                <a:cxn ang="0">
+                  <a:pos x="connsiteX0" y="connsiteY0"/>
+                </a:cxn>
+                <a:cxn ang="0">
+                  <a:pos x="connsiteX1" y="connsiteY1"/>
+                </a:cxn>
+                <a:cxn ang="0">
+                  <a:pos x="connsiteX2" y="connsiteY2"/>
+                </a:cxn>
+                <a:cxn ang="0">
+                  <a:pos x="connsiteX3" y="connsiteY3"/>
+                </a:cxn>
+                <a:cxn ang="0">
+                  <a:pos x="connsiteX4" y="connsiteY4"/>
+                </a:cxn>
+                <a:cxn ang="0">
+                  <a:pos x="connsiteX5" y="connsiteY5"/>
+                </a:cxn>
+              </a:cxnLst>
+              <a:rect l="l" t="t" r="r" b="b"/>
+              <a:pathLst>
+                <a:path w="1156005" h="1224000">
+                  <a:moveTo>
+                    <a:pt x="0" y="612000"/>
+                  </a:moveTo>
+                  <a:lnTo>
+                    <a:pt x="0" y="1224000"/>
+                  </a:lnTo>
+                  <a:lnTo>
+                    <a:pt x="1156005" y="1224000"/>
+                  </a:lnTo>
+                  <a:lnTo>
+                    <a:pt x="1156005" y="0"/>
+                  </a:lnTo>
+                  <a:lnTo>
+                    <a:pt x="612000" y="0"/>
+                  </a:lnTo>
+                  <a:cubicBezTo>
+                    <a:pt x="274002" y="0"/>
+                    <a:pt x="0" y="274002"/>
+                    <a:pt x="0" y="612000"/>
+                  </a:cubicBezTo>
+                  <a:close/>
+                </a:path>
+              </a:pathLst>
+            </a:custGeom>
+            <a:solidFill>
+              <a:srgbClr val="3A4BC0"/>
+            </a:solidFill>
+            <a:ln>
+              <a:noFill/>
+            </a:ln>
+          </p:spPr>
+          <p:style>
+            <a:lnRef idx="2">
+              <a:schemeClr val="accent1">
+                <a:shade val="15000"/>
+              </a:schemeClr>
+            </a:lnRef>
+            <a:fillRef idx="1">
+              <a:schemeClr val="accent1"/>
+            </a:fillRef>
+            <a:effectRef idx="0">
+              <a:schemeClr val="accent1"/>
+            </a:effectRef>
+            <a:fontRef idx="minor">
+              <a:schemeClr val="lt1"/>
+            </a:fontRef>
+          </p:style>
+          <p:txBody>
+            <a:bodyPr wrap="square" rtlCol="0" anchor="ctr">
+              <a:noAutofit/>
+            </a:bodyPr>
+            <a:lstStyle/>
+            <a:p>
+              <a:pPr algn="ctr"/>
+              <a:endParaRPr lang="en-CN" dirty="0"/>
+            </a:p>
+          </p:txBody>
+        </p:sp>
+        <p:sp>
+          <p:nvSpPr>
+            <p:cNvPr id="14" name="Freeform 13">
+              <a:extLst>
+                <a:ext uri="{FF2B5EF4-FFF2-40B4-BE49-F238E27FC236}">
+                  <a16:creationId xmlns:a16="http://schemas.microsoft.com/office/drawing/2014/main" id="{32B4C527-27B5-C330-BC5C-226588389AB0}"/>
+                </a:ext>
+              </a:extLst>
+            </p:cNvPr>
+            <p:cNvSpPr/>
+            <p:nvPr/>
+          </p:nvSpPr>
+          <p:spPr>
+            <a:xfrm rot="16200000" flipH="1">
+              <a:off x="6422470" y="2817000"/>
+              <a:ext cx="1156005" cy="1224000"/>
+            </a:xfrm>
+            <a:custGeom>
+              <a:avLst/>
+              <a:gdLst>
+                <a:gd name="connsiteX0" fmla="*/ 0 w 1156005"/>
+                <a:gd name="connsiteY0" fmla="*/ 612000 h 1224000"/>
+                <a:gd name="connsiteX1" fmla="*/ 0 w 1156005"/>
+                <a:gd name="connsiteY1" fmla="*/ 1224000 h 1224000"/>
+                <a:gd name="connsiteX2" fmla="*/ 1156005 w 1156005"/>
+                <a:gd name="connsiteY2" fmla="*/ 1224000 h 1224000"/>
+                <a:gd name="connsiteX3" fmla="*/ 1156005 w 1156005"/>
+                <a:gd name="connsiteY3" fmla="*/ 0 h 1224000"/>
+                <a:gd name="connsiteX4" fmla="*/ 612000 w 1156005"/>
+                <a:gd name="connsiteY4" fmla="*/ 0 h 1224000"/>
+                <a:gd name="connsiteX5" fmla="*/ 0 w 1156005"/>
+                <a:gd name="connsiteY5" fmla="*/ 612000 h 1224000"/>
+              </a:gdLst>
+              <a:ahLst/>
+              <a:cxnLst>
+                <a:cxn ang="0">
+                  <a:pos x="connsiteX0" y="connsiteY0"/>
+                </a:cxn>
+                <a:cxn ang="0">
+                  <a:pos x="connsiteX1" y="connsiteY1"/>
+                </a:cxn>
+                <a:cxn ang="0">
+                  <a:pos x="connsiteX2" y="connsiteY2"/>
+                </a:cxn>
+                <a:cxn ang="0">
+                  <a:pos x="connsiteX3" y="connsiteY3"/>
+                </a:cxn>
+                <a:cxn ang="0">
+                  <a:pos x="connsiteX4" y="connsiteY4"/>
+                </a:cxn>
+                <a:cxn ang="0">
+                  <a:pos x="connsiteX5" y="connsiteY5"/>
+                </a:cxn>
+              </a:cxnLst>
+              <a:rect l="l" t="t" r="r" b="b"/>
+              <a:pathLst>
+                <a:path w="1156005" h="1224000">
+                  <a:moveTo>
+                    <a:pt x="0" y="612000"/>
+                  </a:moveTo>
+                  <a:lnTo>
+                    <a:pt x="0" y="1224000"/>
+                  </a:lnTo>
+                  <a:lnTo>
+                    <a:pt x="1156005" y="1224000"/>
+                  </a:lnTo>
+                  <a:lnTo>
+                    <a:pt x="1156005" y="0"/>
+                  </a:lnTo>
+                  <a:lnTo>
+                    <a:pt x="612000" y="0"/>
+                  </a:lnTo>
+                  <a:cubicBezTo>
+                    <a:pt x="274002" y="0"/>
+                    <a:pt x="0" y="274002"/>
+                    <a:pt x="0" y="612000"/>
+                  </a:cubicBezTo>
+                  <a:close/>
+                </a:path>
+              </a:pathLst>
+            </a:custGeom>
+            <a:solidFill>
+              <a:srgbClr val="5EC7FE">
+                <a:alpha val="80000"/>
+              </a:srgbClr>
+            </a:solidFill>
+            <a:ln>
+              <a:noFill/>
+            </a:ln>
+          </p:spPr>
+          <p:style>
+            <a:lnRef idx="2">
+              <a:schemeClr val="accent1">
+                <a:shade val="15000"/>
+              </a:schemeClr>
+            </a:lnRef>
+            <a:fillRef idx="1">
+              <a:schemeClr val="accent1"/>
+            </a:fillRef>
+            <a:effectRef idx="0">
+              <a:schemeClr val="accent1"/>
+            </a:effectRef>
+            <a:fontRef idx="minor">
+              <a:schemeClr val="lt1"/>
+            </a:fontRef>
+          </p:style>
+          <p:txBody>
+            <a:bodyPr wrap="square" rtlCol="0" anchor="ctr">
+              <a:noAutofit/>
+            </a:bodyPr>
+            <a:lstStyle/>
+            <a:p>
+              <a:pPr algn="ctr"/>
+              <a:endParaRPr lang="en-CN" dirty="0"/>
+            </a:p>
+          </p:txBody>
+        </p:sp>
+        <p:sp>
+          <p:nvSpPr>
+            <p:cNvPr id="16" name="Freeform 15">
+              <a:extLst>
+                <a:ext uri="{FF2B5EF4-FFF2-40B4-BE49-F238E27FC236}">
+                  <a16:creationId xmlns:a16="http://schemas.microsoft.com/office/drawing/2014/main" id="{D6000649-8BA0-4F2E-1B8B-D90884C53BE8}"/>
+                </a:ext>
+              </a:extLst>
+            </p:cNvPr>
+            <p:cNvSpPr/>
+            <p:nvPr/>
+          </p:nvSpPr>
+          <p:spPr>
+            <a:xfrm rot="16200000" flipH="1">
+              <a:off x="7212361" y="2070877"/>
+              <a:ext cx="1156005" cy="1224000"/>
+            </a:xfrm>
+            <a:custGeom>
+              <a:avLst/>
+              <a:gdLst>
+                <a:gd name="connsiteX0" fmla="*/ 0 w 1156005"/>
+                <a:gd name="connsiteY0" fmla="*/ 612000 h 1224000"/>
+                <a:gd name="connsiteX1" fmla="*/ 0 w 1156005"/>
+                <a:gd name="connsiteY1" fmla="*/ 1224000 h 1224000"/>
+                <a:gd name="connsiteX2" fmla="*/ 1156005 w 1156005"/>
+                <a:gd name="connsiteY2" fmla="*/ 1224000 h 1224000"/>
+                <a:gd name="connsiteX3" fmla="*/ 1156005 w 1156005"/>
+                <a:gd name="connsiteY3" fmla="*/ 0 h 1224000"/>
+                <a:gd name="connsiteX4" fmla="*/ 612000 w 1156005"/>
+                <a:gd name="connsiteY4" fmla="*/ 0 h 1224000"/>
+                <a:gd name="connsiteX5" fmla="*/ 0 w 1156005"/>
+                <a:gd name="connsiteY5" fmla="*/ 612000 h 1224000"/>
+              </a:gdLst>
+              <a:ahLst/>
+              <a:cxnLst>
+                <a:cxn ang="0">
+                  <a:pos x="connsiteX0" y="connsiteY0"/>
+                </a:cxn>
+                <a:cxn ang="0">
+                  <a:pos x="connsiteX1" y="connsiteY1"/>
+                </a:cxn>
+                <a:cxn ang="0">
+                  <a:pos x="connsiteX2" y="connsiteY2"/>
+                </a:cxn>
+                <a:cxn ang="0">
+                  <a:pos x="connsiteX3" y="connsiteY3"/>
+                </a:cxn>
+                <a:cxn ang="0">
+                  <a:pos x="connsiteX4" y="connsiteY4"/>
+                </a:cxn>
+                <a:cxn ang="0">
+                  <a:pos x="connsiteX5" y="connsiteY5"/>
+                </a:cxn>
+              </a:cxnLst>
+              <a:rect l="l" t="t" r="r" b="b"/>
+              <a:pathLst>
+                <a:path w="1156005" h="1224000">
+                  <a:moveTo>
+                    <a:pt x="0" y="612000"/>
+                  </a:moveTo>
+                  <a:lnTo>
+                    <a:pt x="0" y="1224000"/>
+                  </a:lnTo>
+                  <a:lnTo>
+                    <a:pt x="1156005" y="1224000"/>
+                  </a:lnTo>
+                  <a:lnTo>
+                    <a:pt x="1156005" y="0"/>
+                  </a:lnTo>
+                  <a:lnTo>
+                    <a:pt x="612000" y="0"/>
+                  </a:lnTo>
+                  <a:cubicBezTo>
+                    <a:pt x="274002" y="0"/>
+                    <a:pt x="0" y="274002"/>
+                    <a:pt x="0" y="612000"/>
+                  </a:cubicBezTo>
+                  <a:close/>
+                </a:path>
+              </a:pathLst>
+            </a:custGeom>
+            <a:solidFill>
+              <a:schemeClr val="accent6">
+                <a:lumMod val="60000"/>
+                <a:lumOff val="40000"/>
+                <a:alpha val="80000"/>
+              </a:schemeClr>
+            </a:solidFill>
+            <a:ln>
+              <a:noFill/>
+            </a:ln>
+          </p:spPr>
+          <p:style>
+            <a:lnRef idx="2">
+              <a:schemeClr val="accent1">
+                <a:shade val="15000"/>
+              </a:schemeClr>
+            </a:lnRef>
+            <a:fillRef idx="1">
+              <a:schemeClr val="accent1"/>
+            </a:fillRef>
+            <a:effectRef idx="0">
+              <a:schemeClr val="accent1"/>
+            </a:effectRef>
+            <a:fontRef idx="minor">
+              <a:schemeClr val="lt1"/>
+            </a:fontRef>
+          </p:style>
+          <p:txBody>
+            <a:bodyPr rtlCol="0" anchor="ctr"/>
+            <a:lstStyle/>
+            <a:p>
+              <a:pPr algn="ctr"/>
+              <a:endParaRPr lang="en-CN" dirty="0"/>
+            </a:p>
+          </p:txBody>
+        </p:sp>
+      </p:grpSp>
+    </p:spTree>
+    <p:extLst>
+      <p:ext uri="{BB962C8B-B14F-4D97-AF65-F5344CB8AC3E}">
+        <p14:creationId xmlns:p14="http://schemas.microsoft.com/office/powerpoint/2010/main" val="973813684"/>
+      </p:ext>
+    </p:extLst>
+  </p:cSld>
+  <p:clrMapOvr>
+    <a:masterClrMapping/>
+  </p:clrMapOvr>
+</p:sld>
+</file>
+
 <file path=ppt/theme/theme1.xml><?xml version="1.0" encoding="utf-8"?>
 <a:theme xmlns:a="http://schemas.openxmlformats.org/drawingml/2006/main" name="Office Theme">
   <a:themeElements>

--- a/LOGO/LOGO.pptx
+++ b/LOGO/LOGO.pptx
@@ -11,8 +11,10 @@
     <p:sldId id="258" r:id="rId5"/>
     <p:sldId id="259" r:id="rId6"/>
     <p:sldId id="260" r:id="rId7"/>
-    <p:sldId id="262" r:id="rId8"/>
-    <p:sldId id="263" r:id="rId9"/>
+    <p:sldId id="265" r:id="rId8"/>
+    <p:sldId id="262" r:id="rId9"/>
+    <p:sldId id="263" r:id="rId10"/>
+    <p:sldId id="264" r:id="rId11"/>
   </p:sldIdLst>
   <p:sldSz cx="12192000" cy="6858000"/>
   <p:notesSz cx="6858000" cy="9144000"/>
@@ -268,7 +270,7 @@
           <a:p>
             <a:fld id="{65E0C4A3-87A7-E446-9182-09EE0C8F89BC}" type="datetimeFigureOut">
               <a:rPr lang="en-CN" smtClean="0"/>
-              <a:t>2025/9/20</a:t>
+              <a:t>2025/10/3</a:t>
             </a:fld>
             <a:endParaRPr lang="en-CN"/>
           </a:p>
@@ -468,7 +470,7 @@
           <a:p>
             <a:fld id="{65E0C4A3-87A7-E446-9182-09EE0C8F89BC}" type="datetimeFigureOut">
               <a:rPr lang="en-CN" smtClean="0"/>
-              <a:t>2025/9/20</a:t>
+              <a:t>2025/10/3</a:t>
             </a:fld>
             <a:endParaRPr lang="en-CN"/>
           </a:p>
@@ -678,7 +680,7 @@
           <a:p>
             <a:fld id="{65E0C4A3-87A7-E446-9182-09EE0C8F89BC}" type="datetimeFigureOut">
               <a:rPr lang="en-CN" smtClean="0"/>
-              <a:t>2025/9/20</a:t>
+              <a:t>2025/10/3</a:t>
             </a:fld>
             <a:endParaRPr lang="en-CN"/>
           </a:p>
@@ -878,7 +880,7 @@
           <a:p>
             <a:fld id="{65E0C4A3-87A7-E446-9182-09EE0C8F89BC}" type="datetimeFigureOut">
               <a:rPr lang="en-CN" smtClean="0"/>
-              <a:t>2025/9/20</a:t>
+              <a:t>2025/10/3</a:t>
             </a:fld>
             <a:endParaRPr lang="en-CN"/>
           </a:p>
@@ -1154,7 +1156,7 @@
           <a:p>
             <a:fld id="{65E0C4A3-87A7-E446-9182-09EE0C8F89BC}" type="datetimeFigureOut">
               <a:rPr lang="en-CN" smtClean="0"/>
-              <a:t>2025/9/20</a:t>
+              <a:t>2025/10/3</a:t>
             </a:fld>
             <a:endParaRPr lang="en-CN"/>
           </a:p>
@@ -1422,7 +1424,7 @@
           <a:p>
             <a:fld id="{65E0C4A3-87A7-E446-9182-09EE0C8F89BC}" type="datetimeFigureOut">
               <a:rPr lang="en-CN" smtClean="0"/>
-              <a:t>2025/9/20</a:t>
+              <a:t>2025/10/3</a:t>
             </a:fld>
             <a:endParaRPr lang="en-CN"/>
           </a:p>
@@ -1837,7 +1839,7 @@
           <a:p>
             <a:fld id="{65E0C4A3-87A7-E446-9182-09EE0C8F89BC}" type="datetimeFigureOut">
               <a:rPr lang="en-CN" smtClean="0"/>
-              <a:t>2025/9/20</a:t>
+              <a:t>2025/10/3</a:t>
             </a:fld>
             <a:endParaRPr lang="en-CN"/>
           </a:p>
@@ -1979,7 +1981,7 @@
           <a:p>
             <a:fld id="{65E0C4A3-87A7-E446-9182-09EE0C8F89BC}" type="datetimeFigureOut">
               <a:rPr lang="en-CN" smtClean="0"/>
-              <a:t>2025/9/20</a:t>
+              <a:t>2025/10/3</a:t>
             </a:fld>
             <a:endParaRPr lang="en-CN"/>
           </a:p>
@@ -2092,7 +2094,7 @@
           <a:p>
             <a:fld id="{65E0C4A3-87A7-E446-9182-09EE0C8F89BC}" type="datetimeFigureOut">
               <a:rPr lang="en-CN" smtClean="0"/>
-              <a:t>2025/9/20</a:t>
+              <a:t>2025/10/3</a:t>
             </a:fld>
             <a:endParaRPr lang="en-CN"/>
           </a:p>
@@ -2405,7 +2407,7 @@
           <a:p>
             <a:fld id="{65E0C4A3-87A7-E446-9182-09EE0C8F89BC}" type="datetimeFigureOut">
               <a:rPr lang="en-CN" smtClean="0"/>
-              <a:t>2025/9/20</a:t>
+              <a:t>2025/10/3</a:t>
             </a:fld>
             <a:endParaRPr lang="en-CN"/>
           </a:p>
@@ -2694,7 +2696,7 @@
           <a:p>
             <a:fld id="{65E0C4A3-87A7-E446-9182-09EE0C8F89BC}" type="datetimeFigureOut">
               <a:rPr lang="en-CN" smtClean="0"/>
-              <a:t>2025/9/20</a:t>
+              <a:t>2025/10/3</a:t>
             </a:fld>
             <a:endParaRPr lang="en-CN"/>
           </a:p>
@@ -2937,7 +2939,7 @@
           <a:p>
             <a:fld id="{65E0C4A3-87A7-E446-9182-09EE0C8F89BC}" type="datetimeFigureOut">
               <a:rPr lang="en-CN" smtClean="0"/>
-              <a:t>2025/9/20</a:t>
+              <a:t>2025/10/3</a:t>
             </a:fld>
             <a:endParaRPr lang="en-CN"/>
           </a:p>
@@ -3771,6 +3773,5169 @@
     <p:extLst>
       <p:ext uri="{BB962C8B-B14F-4D97-AF65-F5344CB8AC3E}">
         <p14:creationId xmlns:p14="http://schemas.microsoft.com/office/powerpoint/2010/main" val="1438500009"/>
+      </p:ext>
+    </p:extLst>
+  </p:cSld>
+  <p:clrMapOvr>
+    <a:masterClrMapping/>
+  </p:clrMapOvr>
+</p:sld>
+</file>
+
+<file path=ppt/slides/slide10.xml><?xml version="1.0" encoding="utf-8"?>
+<p:sld xmlns:a="http://schemas.openxmlformats.org/drawingml/2006/main" xmlns:r="http://schemas.openxmlformats.org/officeDocument/2006/relationships" xmlns:p="http://schemas.openxmlformats.org/presentationml/2006/main">
+  <p:cSld>
+    <p:bg>
+      <p:bgPr>
+        <a:gradFill>
+          <a:gsLst>
+            <a:gs pos="0">
+              <a:schemeClr val="accent1">
+                <a:lumMod val="5000"/>
+                <a:lumOff val="95000"/>
+              </a:schemeClr>
+            </a:gs>
+            <a:gs pos="74000">
+              <a:schemeClr val="accent1">
+                <a:lumMod val="45000"/>
+                <a:lumOff val="55000"/>
+              </a:schemeClr>
+            </a:gs>
+            <a:gs pos="83000">
+              <a:schemeClr val="accent1">
+                <a:lumMod val="45000"/>
+                <a:lumOff val="55000"/>
+              </a:schemeClr>
+            </a:gs>
+            <a:gs pos="100000">
+              <a:schemeClr val="accent1">
+                <a:lumMod val="30000"/>
+                <a:lumOff val="70000"/>
+              </a:schemeClr>
+            </a:gs>
+          </a:gsLst>
+          <a:path path="rect">
+            <a:fillToRect l="100000" t="100000"/>
+          </a:path>
+        </a:gradFill>
+        <a:effectLst/>
+      </p:bgPr>
+    </p:bg>
+    <p:spTree>
+      <p:nvGrpSpPr>
+        <p:cNvPr id="1" name="">
+          <a:extLst>
+            <a:ext uri="{FF2B5EF4-FFF2-40B4-BE49-F238E27FC236}">
+              <a16:creationId xmlns:a16="http://schemas.microsoft.com/office/drawing/2014/main" id="{53670DD5-48AC-C1B7-B57B-29CE7F8E64A2}"/>
+            </a:ext>
+          </a:extLst>
+        </p:cNvPr>
+        <p:cNvGrpSpPr/>
+        <p:nvPr/>
+      </p:nvGrpSpPr>
+      <p:grpSpPr>
+        <a:xfrm>
+          <a:off x="0" y="0"/>
+          <a:ext cx="0" cy="0"/>
+          <a:chOff x="0" y="0"/>
+          <a:chExt cx="0" cy="0"/>
+        </a:xfrm>
+      </p:grpSpPr>
+      <p:sp>
+        <p:nvSpPr>
+          <p:cNvPr id="2" name="Rounded Rectangle 1">
+            <a:extLst>
+              <a:ext uri="{FF2B5EF4-FFF2-40B4-BE49-F238E27FC236}">
+                <a16:creationId xmlns:a16="http://schemas.microsoft.com/office/drawing/2014/main" id="{23ECD68C-CDD4-F55F-F674-98AE12F02BCA}"/>
+              </a:ext>
+            </a:extLst>
+          </p:cNvPr>
+          <p:cNvSpPr/>
+          <p:nvPr/>
+        </p:nvSpPr>
+        <p:spPr>
+          <a:xfrm>
+            <a:off x="628425" y="404614"/>
+            <a:ext cx="3686400" cy="3686400"/>
+          </a:xfrm>
+          <a:prstGeom prst="roundRect">
+            <a:avLst>
+              <a:gd name="adj" fmla="val 13588"/>
+            </a:avLst>
+          </a:prstGeom>
+          <a:solidFill>
+            <a:schemeClr val="bg1"/>
+          </a:solidFill>
+          <a:ln>
+            <a:noFill/>
+          </a:ln>
+        </p:spPr>
+        <p:style>
+          <a:lnRef idx="2">
+            <a:schemeClr val="accent1">
+              <a:shade val="15000"/>
+            </a:schemeClr>
+          </a:lnRef>
+          <a:fillRef idx="1">
+            <a:schemeClr val="accent1"/>
+          </a:fillRef>
+          <a:effectRef idx="0">
+            <a:schemeClr val="accent1"/>
+          </a:effectRef>
+          <a:fontRef idx="minor">
+            <a:schemeClr val="lt1"/>
+          </a:fontRef>
+        </p:style>
+        <p:txBody>
+          <a:bodyPr rtlCol="0" anchor="ctr"/>
+          <a:lstStyle/>
+          <a:p>
+            <a:pPr algn="ctr"/>
+            <a:endParaRPr lang="en-CN"/>
+          </a:p>
+        </p:txBody>
+      </p:sp>
+      <p:grpSp>
+        <p:nvGrpSpPr>
+          <p:cNvPr id="9" name="Group 8">
+            <a:extLst>
+              <a:ext uri="{FF2B5EF4-FFF2-40B4-BE49-F238E27FC236}">
+                <a16:creationId xmlns:a16="http://schemas.microsoft.com/office/drawing/2014/main" id="{E2691BDF-439F-EB5C-CEBA-1FC8A4B7B4C7}"/>
+              </a:ext>
+            </a:extLst>
+          </p:cNvPr>
+          <p:cNvGrpSpPr/>
+          <p:nvPr/>
+        </p:nvGrpSpPr>
+        <p:grpSpPr>
+          <a:xfrm>
+            <a:off x="5686177" y="478928"/>
+            <a:ext cx="324000" cy="324000"/>
+            <a:chOff x="5628118" y="2104874"/>
+            <a:chExt cx="2774246" cy="2611513"/>
+          </a:xfrm>
+        </p:grpSpPr>
+        <p:sp>
+          <p:nvSpPr>
+            <p:cNvPr id="13" name="Freeform 12">
+              <a:extLst>
+                <a:ext uri="{FF2B5EF4-FFF2-40B4-BE49-F238E27FC236}">
+                  <a16:creationId xmlns:a16="http://schemas.microsoft.com/office/drawing/2014/main" id="{C0E72718-A7FF-26EC-D497-70DED19648ED}"/>
+                </a:ext>
+              </a:extLst>
+            </p:cNvPr>
+            <p:cNvSpPr/>
+            <p:nvPr/>
+          </p:nvSpPr>
+          <p:spPr>
+            <a:xfrm rot="16200000" flipH="1">
+              <a:off x="5662115" y="3526385"/>
+              <a:ext cx="1156005" cy="1224000"/>
+            </a:xfrm>
+            <a:custGeom>
+              <a:avLst/>
+              <a:gdLst>
+                <a:gd name="connsiteX0" fmla="*/ 0 w 1156005"/>
+                <a:gd name="connsiteY0" fmla="*/ 612000 h 1224000"/>
+                <a:gd name="connsiteX1" fmla="*/ 0 w 1156005"/>
+                <a:gd name="connsiteY1" fmla="*/ 1224000 h 1224000"/>
+                <a:gd name="connsiteX2" fmla="*/ 1156005 w 1156005"/>
+                <a:gd name="connsiteY2" fmla="*/ 1224000 h 1224000"/>
+                <a:gd name="connsiteX3" fmla="*/ 1156005 w 1156005"/>
+                <a:gd name="connsiteY3" fmla="*/ 0 h 1224000"/>
+                <a:gd name="connsiteX4" fmla="*/ 612000 w 1156005"/>
+                <a:gd name="connsiteY4" fmla="*/ 0 h 1224000"/>
+                <a:gd name="connsiteX5" fmla="*/ 0 w 1156005"/>
+                <a:gd name="connsiteY5" fmla="*/ 612000 h 1224000"/>
+              </a:gdLst>
+              <a:ahLst/>
+              <a:cxnLst>
+                <a:cxn ang="0">
+                  <a:pos x="connsiteX0" y="connsiteY0"/>
+                </a:cxn>
+                <a:cxn ang="0">
+                  <a:pos x="connsiteX1" y="connsiteY1"/>
+                </a:cxn>
+                <a:cxn ang="0">
+                  <a:pos x="connsiteX2" y="connsiteY2"/>
+                </a:cxn>
+                <a:cxn ang="0">
+                  <a:pos x="connsiteX3" y="connsiteY3"/>
+                </a:cxn>
+                <a:cxn ang="0">
+                  <a:pos x="connsiteX4" y="connsiteY4"/>
+                </a:cxn>
+                <a:cxn ang="0">
+                  <a:pos x="connsiteX5" y="connsiteY5"/>
+                </a:cxn>
+              </a:cxnLst>
+              <a:rect l="l" t="t" r="r" b="b"/>
+              <a:pathLst>
+                <a:path w="1156005" h="1224000">
+                  <a:moveTo>
+                    <a:pt x="0" y="612000"/>
+                  </a:moveTo>
+                  <a:lnTo>
+                    <a:pt x="0" y="1224000"/>
+                  </a:lnTo>
+                  <a:lnTo>
+                    <a:pt x="1156005" y="1224000"/>
+                  </a:lnTo>
+                  <a:lnTo>
+                    <a:pt x="1156005" y="0"/>
+                  </a:lnTo>
+                  <a:lnTo>
+                    <a:pt x="612000" y="0"/>
+                  </a:lnTo>
+                  <a:cubicBezTo>
+                    <a:pt x="274002" y="0"/>
+                    <a:pt x="0" y="274002"/>
+                    <a:pt x="0" y="612000"/>
+                  </a:cubicBezTo>
+                  <a:close/>
+                </a:path>
+              </a:pathLst>
+            </a:custGeom>
+            <a:solidFill>
+              <a:srgbClr val="3A4BC0"/>
+            </a:solidFill>
+            <a:ln>
+              <a:noFill/>
+            </a:ln>
+          </p:spPr>
+          <p:style>
+            <a:lnRef idx="2">
+              <a:schemeClr val="accent1">
+                <a:shade val="15000"/>
+              </a:schemeClr>
+            </a:lnRef>
+            <a:fillRef idx="1">
+              <a:schemeClr val="accent1"/>
+            </a:fillRef>
+            <a:effectRef idx="0">
+              <a:schemeClr val="accent1"/>
+            </a:effectRef>
+            <a:fontRef idx="minor">
+              <a:schemeClr val="lt1"/>
+            </a:fontRef>
+          </p:style>
+          <p:txBody>
+            <a:bodyPr wrap="square" rtlCol="0" anchor="ctr">
+              <a:noAutofit/>
+            </a:bodyPr>
+            <a:lstStyle/>
+            <a:p>
+              <a:pPr algn="ctr"/>
+              <a:endParaRPr lang="en-CN" dirty="0"/>
+            </a:p>
+          </p:txBody>
+        </p:sp>
+        <p:sp>
+          <p:nvSpPr>
+            <p:cNvPr id="14" name="Freeform 13">
+              <a:extLst>
+                <a:ext uri="{FF2B5EF4-FFF2-40B4-BE49-F238E27FC236}">
+                  <a16:creationId xmlns:a16="http://schemas.microsoft.com/office/drawing/2014/main" id="{53DEFB49-C806-D6D9-26D5-24392B9FF9B5}"/>
+                </a:ext>
+              </a:extLst>
+            </p:cNvPr>
+            <p:cNvSpPr/>
+            <p:nvPr/>
+          </p:nvSpPr>
+          <p:spPr>
+            <a:xfrm rot="16200000" flipH="1">
+              <a:off x="6422470" y="2817000"/>
+              <a:ext cx="1156005" cy="1224000"/>
+            </a:xfrm>
+            <a:custGeom>
+              <a:avLst/>
+              <a:gdLst>
+                <a:gd name="connsiteX0" fmla="*/ 0 w 1156005"/>
+                <a:gd name="connsiteY0" fmla="*/ 612000 h 1224000"/>
+                <a:gd name="connsiteX1" fmla="*/ 0 w 1156005"/>
+                <a:gd name="connsiteY1" fmla="*/ 1224000 h 1224000"/>
+                <a:gd name="connsiteX2" fmla="*/ 1156005 w 1156005"/>
+                <a:gd name="connsiteY2" fmla="*/ 1224000 h 1224000"/>
+                <a:gd name="connsiteX3" fmla="*/ 1156005 w 1156005"/>
+                <a:gd name="connsiteY3" fmla="*/ 0 h 1224000"/>
+                <a:gd name="connsiteX4" fmla="*/ 612000 w 1156005"/>
+                <a:gd name="connsiteY4" fmla="*/ 0 h 1224000"/>
+                <a:gd name="connsiteX5" fmla="*/ 0 w 1156005"/>
+                <a:gd name="connsiteY5" fmla="*/ 612000 h 1224000"/>
+              </a:gdLst>
+              <a:ahLst/>
+              <a:cxnLst>
+                <a:cxn ang="0">
+                  <a:pos x="connsiteX0" y="connsiteY0"/>
+                </a:cxn>
+                <a:cxn ang="0">
+                  <a:pos x="connsiteX1" y="connsiteY1"/>
+                </a:cxn>
+                <a:cxn ang="0">
+                  <a:pos x="connsiteX2" y="connsiteY2"/>
+                </a:cxn>
+                <a:cxn ang="0">
+                  <a:pos x="connsiteX3" y="connsiteY3"/>
+                </a:cxn>
+                <a:cxn ang="0">
+                  <a:pos x="connsiteX4" y="connsiteY4"/>
+                </a:cxn>
+                <a:cxn ang="0">
+                  <a:pos x="connsiteX5" y="connsiteY5"/>
+                </a:cxn>
+              </a:cxnLst>
+              <a:rect l="l" t="t" r="r" b="b"/>
+              <a:pathLst>
+                <a:path w="1156005" h="1224000">
+                  <a:moveTo>
+                    <a:pt x="0" y="612000"/>
+                  </a:moveTo>
+                  <a:lnTo>
+                    <a:pt x="0" y="1224000"/>
+                  </a:lnTo>
+                  <a:lnTo>
+                    <a:pt x="1156005" y="1224000"/>
+                  </a:lnTo>
+                  <a:lnTo>
+                    <a:pt x="1156005" y="0"/>
+                  </a:lnTo>
+                  <a:lnTo>
+                    <a:pt x="612000" y="0"/>
+                  </a:lnTo>
+                  <a:cubicBezTo>
+                    <a:pt x="274002" y="0"/>
+                    <a:pt x="0" y="274002"/>
+                    <a:pt x="0" y="612000"/>
+                  </a:cubicBezTo>
+                  <a:close/>
+                </a:path>
+              </a:pathLst>
+            </a:custGeom>
+            <a:solidFill>
+              <a:srgbClr val="5EC7FE">
+                <a:alpha val="80000"/>
+              </a:srgbClr>
+            </a:solidFill>
+            <a:ln>
+              <a:noFill/>
+            </a:ln>
+          </p:spPr>
+          <p:style>
+            <a:lnRef idx="2">
+              <a:schemeClr val="accent1">
+                <a:shade val="15000"/>
+              </a:schemeClr>
+            </a:lnRef>
+            <a:fillRef idx="1">
+              <a:schemeClr val="accent1"/>
+            </a:fillRef>
+            <a:effectRef idx="0">
+              <a:schemeClr val="accent1"/>
+            </a:effectRef>
+            <a:fontRef idx="minor">
+              <a:schemeClr val="lt1"/>
+            </a:fontRef>
+          </p:style>
+          <p:txBody>
+            <a:bodyPr wrap="square" rtlCol="0" anchor="ctr">
+              <a:noAutofit/>
+            </a:bodyPr>
+            <a:lstStyle/>
+            <a:p>
+              <a:pPr algn="ctr"/>
+              <a:endParaRPr lang="en-CN" dirty="0"/>
+            </a:p>
+          </p:txBody>
+        </p:sp>
+        <p:sp>
+          <p:nvSpPr>
+            <p:cNvPr id="16" name="Freeform 15">
+              <a:extLst>
+                <a:ext uri="{FF2B5EF4-FFF2-40B4-BE49-F238E27FC236}">
+                  <a16:creationId xmlns:a16="http://schemas.microsoft.com/office/drawing/2014/main" id="{42D51251-11CB-CC6B-B7AF-6CE723A685DC}"/>
+                </a:ext>
+              </a:extLst>
+            </p:cNvPr>
+            <p:cNvSpPr/>
+            <p:nvPr/>
+          </p:nvSpPr>
+          <p:spPr>
+            <a:xfrm rot="16200000" flipH="1">
+              <a:off x="7212361" y="2070877"/>
+              <a:ext cx="1156005" cy="1224000"/>
+            </a:xfrm>
+            <a:custGeom>
+              <a:avLst/>
+              <a:gdLst>
+                <a:gd name="connsiteX0" fmla="*/ 0 w 1156005"/>
+                <a:gd name="connsiteY0" fmla="*/ 612000 h 1224000"/>
+                <a:gd name="connsiteX1" fmla="*/ 0 w 1156005"/>
+                <a:gd name="connsiteY1" fmla="*/ 1224000 h 1224000"/>
+                <a:gd name="connsiteX2" fmla="*/ 1156005 w 1156005"/>
+                <a:gd name="connsiteY2" fmla="*/ 1224000 h 1224000"/>
+                <a:gd name="connsiteX3" fmla="*/ 1156005 w 1156005"/>
+                <a:gd name="connsiteY3" fmla="*/ 0 h 1224000"/>
+                <a:gd name="connsiteX4" fmla="*/ 612000 w 1156005"/>
+                <a:gd name="connsiteY4" fmla="*/ 0 h 1224000"/>
+                <a:gd name="connsiteX5" fmla="*/ 0 w 1156005"/>
+                <a:gd name="connsiteY5" fmla="*/ 612000 h 1224000"/>
+              </a:gdLst>
+              <a:ahLst/>
+              <a:cxnLst>
+                <a:cxn ang="0">
+                  <a:pos x="connsiteX0" y="connsiteY0"/>
+                </a:cxn>
+                <a:cxn ang="0">
+                  <a:pos x="connsiteX1" y="connsiteY1"/>
+                </a:cxn>
+                <a:cxn ang="0">
+                  <a:pos x="connsiteX2" y="connsiteY2"/>
+                </a:cxn>
+                <a:cxn ang="0">
+                  <a:pos x="connsiteX3" y="connsiteY3"/>
+                </a:cxn>
+                <a:cxn ang="0">
+                  <a:pos x="connsiteX4" y="connsiteY4"/>
+                </a:cxn>
+                <a:cxn ang="0">
+                  <a:pos x="connsiteX5" y="connsiteY5"/>
+                </a:cxn>
+              </a:cxnLst>
+              <a:rect l="l" t="t" r="r" b="b"/>
+              <a:pathLst>
+                <a:path w="1156005" h="1224000">
+                  <a:moveTo>
+                    <a:pt x="0" y="612000"/>
+                  </a:moveTo>
+                  <a:lnTo>
+                    <a:pt x="0" y="1224000"/>
+                  </a:lnTo>
+                  <a:lnTo>
+                    <a:pt x="1156005" y="1224000"/>
+                  </a:lnTo>
+                  <a:lnTo>
+                    <a:pt x="1156005" y="0"/>
+                  </a:lnTo>
+                  <a:lnTo>
+                    <a:pt x="612000" y="0"/>
+                  </a:lnTo>
+                  <a:cubicBezTo>
+                    <a:pt x="274002" y="0"/>
+                    <a:pt x="0" y="274002"/>
+                    <a:pt x="0" y="612000"/>
+                  </a:cubicBezTo>
+                  <a:close/>
+                </a:path>
+              </a:pathLst>
+            </a:custGeom>
+            <a:solidFill>
+              <a:schemeClr val="accent6">
+                <a:lumMod val="60000"/>
+                <a:lumOff val="40000"/>
+                <a:alpha val="80000"/>
+              </a:schemeClr>
+            </a:solidFill>
+            <a:ln>
+              <a:noFill/>
+            </a:ln>
+          </p:spPr>
+          <p:style>
+            <a:lnRef idx="2">
+              <a:schemeClr val="accent1">
+                <a:shade val="15000"/>
+              </a:schemeClr>
+            </a:lnRef>
+            <a:fillRef idx="1">
+              <a:schemeClr val="accent1"/>
+            </a:fillRef>
+            <a:effectRef idx="0">
+              <a:schemeClr val="accent1"/>
+            </a:effectRef>
+            <a:fontRef idx="minor">
+              <a:schemeClr val="lt1"/>
+            </a:fontRef>
+          </p:style>
+          <p:txBody>
+            <a:bodyPr rtlCol="0" anchor="ctr"/>
+            <a:lstStyle/>
+            <a:p>
+              <a:pPr algn="ctr"/>
+              <a:endParaRPr lang="en-CN" dirty="0"/>
+            </a:p>
+          </p:txBody>
+        </p:sp>
+      </p:grpSp>
+      <p:sp>
+        <p:nvSpPr>
+          <p:cNvPr id="6" name="Round Diagonal Corner Rectangle 5">
+            <a:extLst>
+              <a:ext uri="{FF2B5EF4-FFF2-40B4-BE49-F238E27FC236}">
+                <a16:creationId xmlns:a16="http://schemas.microsoft.com/office/drawing/2014/main" id="{9138585F-CC2C-FBEE-F927-94BCD515CECA}"/>
+              </a:ext>
+            </a:extLst>
+          </p:cNvPr>
+          <p:cNvSpPr/>
+          <p:nvPr/>
+        </p:nvSpPr>
+        <p:spPr>
+          <a:xfrm rot="13500000">
+            <a:off x="6023892" y="1678216"/>
+            <a:ext cx="1800000" cy="1800000"/>
+          </a:xfrm>
+          <a:prstGeom prst="round2DiagRect">
+            <a:avLst>
+              <a:gd name="adj1" fmla="val 50000"/>
+              <a:gd name="adj2" fmla="val 0"/>
+            </a:avLst>
+          </a:prstGeom>
+          <a:solidFill>
+            <a:schemeClr val="accent6">
+              <a:lumMod val="60000"/>
+              <a:lumOff val="40000"/>
+              <a:alpha val="70000"/>
+            </a:schemeClr>
+          </a:solidFill>
+          <a:ln>
+            <a:noFill/>
+          </a:ln>
+        </p:spPr>
+        <p:style>
+          <a:lnRef idx="2">
+            <a:schemeClr val="accent1">
+              <a:shade val="15000"/>
+            </a:schemeClr>
+          </a:lnRef>
+          <a:fillRef idx="1">
+            <a:schemeClr val="accent1"/>
+          </a:fillRef>
+          <a:effectRef idx="0">
+            <a:schemeClr val="accent1"/>
+          </a:effectRef>
+          <a:fontRef idx="minor">
+            <a:schemeClr val="lt1"/>
+          </a:fontRef>
+        </p:style>
+        <p:txBody>
+          <a:bodyPr rtlCol="0" anchor="ctr"/>
+          <a:lstStyle/>
+          <a:p>
+            <a:pPr algn="ctr"/>
+            <a:endParaRPr lang="en-CN" dirty="0"/>
+          </a:p>
+        </p:txBody>
+      </p:sp>
+      <p:sp>
+        <p:nvSpPr>
+          <p:cNvPr id="35" name="Rectangle 34">
+            <a:extLst>
+              <a:ext uri="{FF2B5EF4-FFF2-40B4-BE49-F238E27FC236}">
+                <a16:creationId xmlns:a16="http://schemas.microsoft.com/office/drawing/2014/main" id="{01624428-029A-1D79-0DFF-7EC177E489D3}"/>
+              </a:ext>
+            </a:extLst>
+          </p:cNvPr>
+          <p:cNvSpPr/>
+          <p:nvPr/>
+        </p:nvSpPr>
+        <p:spPr>
+          <a:xfrm>
+            <a:off x="4314825" y="2843213"/>
+            <a:ext cx="1028700" cy="552526"/>
+          </a:xfrm>
+          <a:prstGeom prst="rect">
+            <a:avLst/>
+          </a:prstGeom>
+          <a:solidFill>
+            <a:srgbClr val="9C57CB"/>
+          </a:solidFill>
+        </p:spPr>
+        <p:style>
+          <a:lnRef idx="2">
+            <a:schemeClr val="accent1">
+              <a:shade val="15000"/>
+            </a:schemeClr>
+          </a:lnRef>
+          <a:fillRef idx="1">
+            <a:schemeClr val="accent1"/>
+          </a:fillRef>
+          <a:effectRef idx="0">
+            <a:schemeClr val="accent1"/>
+          </a:effectRef>
+          <a:fontRef idx="minor">
+            <a:schemeClr val="lt1"/>
+          </a:fontRef>
+        </p:style>
+        <p:txBody>
+          <a:bodyPr rtlCol="0" anchor="ctr"/>
+          <a:lstStyle/>
+          <a:p>
+            <a:pPr algn="ctr"/>
+            <a:endParaRPr lang="en-CN"/>
+          </a:p>
+        </p:txBody>
+      </p:sp>
+      <p:sp>
+        <p:nvSpPr>
+          <p:cNvPr id="36" name="Rounded Rectangle 35">
+            <a:extLst>
+              <a:ext uri="{FF2B5EF4-FFF2-40B4-BE49-F238E27FC236}">
+                <a16:creationId xmlns:a16="http://schemas.microsoft.com/office/drawing/2014/main" id="{ED1A675E-7E6E-6B9E-0B4A-BD33B45A8808}"/>
+              </a:ext>
+            </a:extLst>
+          </p:cNvPr>
+          <p:cNvSpPr/>
+          <p:nvPr/>
+        </p:nvSpPr>
+        <p:spPr>
+          <a:xfrm>
+            <a:off x="3873865" y="4681520"/>
+            <a:ext cx="1800000" cy="1800000"/>
+          </a:xfrm>
+          <a:prstGeom prst="roundRect">
+            <a:avLst/>
+          </a:prstGeom>
+          <a:solidFill>
+            <a:srgbClr val="9C57CB"/>
+          </a:solidFill>
+          <a:ln w="34925">
+            <a:solidFill>
+              <a:srgbClr val="FFFFFF"/>
+            </a:solidFill>
+          </a:ln>
+          <a:effectLst>
+            <a:outerShdw blurRad="317500" dir="2700000" algn="ctr">
+              <a:srgbClr val="000000">
+                <a:alpha val="43000"/>
+              </a:srgbClr>
+            </a:outerShdw>
+          </a:effectLst>
+          <a:scene3d>
+            <a:camera prst="perspectiveFront" fov="2700000">
+              <a:rot lat="19086000" lon="19067999" rev="3108000"/>
+            </a:camera>
+            <a:lightRig rig="threePt" dir="t">
+              <a:rot lat="0" lon="0" rev="0"/>
+            </a:lightRig>
+          </a:scene3d>
+          <a:sp3d extrusionH="38100" prstMaterial="clear">
+            <a:bevelT w="260350" h="50800" prst="softRound"/>
+            <a:bevelB prst="softRound"/>
+          </a:sp3d>
+        </p:spPr>
+        <p:style>
+          <a:lnRef idx="2">
+            <a:schemeClr val="accent1">
+              <a:shade val="15000"/>
+            </a:schemeClr>
+          </a:lnRef>
+          <a:fillRef idx="1">
+            <a:schemeClr val="accent1"/>
+          </a:fillRef>
+          <a:effectRef idx="0">
+            <a:schemeClr val="accent1"/>
+          </a:effectRef>
+          <a:fontRef idx="minor">
+            <a:schemeClr val="lt1"/>
+          </a:fontRef>
+        </p:style>
+        <p:txBody>
+          <a:bodyPr rtlCol="0" anchor="ctr"/>
+          <a:lstStyle/>
+          <a:p>
+            <a:pPr algn="ctr"/>
+            <a:endParaRPr lang="en-CN"/>
+          </a:p>
+        </p:txBody>
+      </p:sp>
+      <p:grpSp>
+        <p:nvGrpSpPr>
+          <p:cNvPr id="41" name="Group 40">
+            <a:extLst>
+              <a:ext uri="{FF2B5EF4-FFF2-40B4-BE49-F238E27FC236}">
+                <a16:creationId xmlns:a16="http://schemas.microsoft.com/office/drawing/2014/main" id="{C76369CA-7445-D7A9-2F3C-B8F84366A92B}"/>
+              </a:ext>
+            </a:extLst>
+          </p:cNvPr>
+          <p:cNvGrpSpPr/>
+          <p:nvPr/>
+        </p:nvGrpSpPr>
+        <p:grpSpPr>
+          <a:xfrm>
+            <a:off x="1644193" y="4831033"/>
+            <a:ext cx="1080000" cy="1080000"/>
+            <a:chOff x="11022182" y="2617067"/>
+            <a:chExt cx="320217" cy="305029"/>
+          </a:xfrm>
+        </p:grpSpPr>
+        <p:sp>
+          <p:nvSpPr>
+            <p:cNvPr id="39" name="Freeform 139">
+              <a:extLst>
+                <a:ext uri="{FF2B5EF4-FFF2-40B4-BE49-F238E27FC236}">
+                  <a16:creationId xmlns:a16="http://schemas.microsoft.com/office/drawing/2014/main" id="{13A58250-D3D7-F2F6-F93F-94574A8DCE5D}"/>
+                </a:ext>
+              </a:extLst>
+            </p:cNvPr>
+            <p:cNvSpPr>
+              <a:spLocks/>
+            </p:cNvSpPr>
+            <p:nvPr/>
+          </p:nvSpPr>
+          <p:spPr bwMode="auto">
+            <a:xfrm>
+              <a:off x="11247473" y="2761355"/>
+              <a:ext cx="62019" cy="136693"/>
+            </a:xfrm>
+            <a:custGeom>
+              <a:avLst/>
+              <a:gdLst>
+                <a:gd name="T0" fmla="*/ 37 w 38"/>
+                <a:gd name="T1" fmla="*/ 44 h 85"/>
+                <a:gd name="T2" fmla="*/ 26 w 38"/>
+                <a:gd name="T3" fmla="*/ 2 h 85"/>
+                <a:gd name="T4" fmla="*/ 20 w 38"/>
+                <a:gd name="T5" fmla="*/ 1 h 85"/>
+                <a:gd name="T6" fmla="*/ 1 w 38"/>
+                <a:gd name="T7" fmla="*/ 41 h 85"/>
+                <a:gd name="T8" fmla="*/ 16 w 38"/>
+                <a:gd name="T9" fmla="*/ 85 h 85"/>
+                <a:gd name="T10" fmla="*/ 22 w 38"/>
+                <a:gd name="T11" fmla="*/ 84 h 85"/>
+                <a:gd name="T12" fmla="*/ 37 w 38"/>
+                <a:gd name="T13" fmla="*/ 44 h 85"/>
+              </a:gdLst>
+              <a:ahLst/>
+              <a:cxnLst>
+                <a:cxn ang="0">
+                  <a:pos x="T0" y="T1"/>
+                </a:cxn>
+                <a:cxn ang="0">
+                  <a:pos x="T2" y="T3"/>
+                </a:cxn>
+                <a:cxn ang="0">
+                  <a:pos x="T4" y="T5"/>
+                </a:cxn>
+                <a:cxn ang="0">
+                  <a:pos x="T6" y="T7"/>
+                </a:cxn>
+                <a:cxn ang="0">
+                  <a:pos x="T8" y="T9"/>
+                </a:cxn>
+                <a:cxn ang="0">
+                  <a:pos x="T10" y="T11"/>
+                </a:cxn>
+                <a:cxn ang="0">
+                  <a:pos x="T12" y="T13"/>
+                </a:cxn>
+              </a:cxnLst>
+              <a:rect l="0" t="0" r="r" b="b"/>
+              <a:pathLst>
+                <a:path w="38" h="85">
+                  <a:moveTo>
+                    <a:pt x="37" y="44"/>
+                  </a:moveTo>
+                  <a:cubicBezTo>
+                    <a:pt x="38" y="23"/>
+                    <a:pt x="35" y="6"/>
+                    <a:pt x="26" y="2"/>
+                  </a:cubicBezTo>
+                  <a:cubicBezTo>
+                    <a:pt x="25" y="2"/>
+                    <a:pt x="22" y="1"/>
+                    <a:pt x="20" y="1"/>
+                  </a:cubicBezTo>
+                  <a:cubicBezTo>
+                    <a:pt x="5" y="0"/>
+                    <a:pt x="2" y="18"/>
+                    <a:pt x="1" y="41"/>
+                  </a:cubicBezTo>
+                  <a:cubicBezTo>
+                    <a:pt x="0" y="65"/>
+                    <a:pt x="1" y="83"/>
+                    <a:pt x="16" y="85"/>
+                  </a:cubicBezTo>
+                  <a:cubicBezTo>
+                    <a:pt x="18" y="85"/>
+                    <a:pt x="21" y="84"/>
+                    <a:pt x="22" y="84"/>
+                  </a:cubicBezTo>
+                  <a:cubicBezTo>
+                    <a:pt x="32" y="82"/>
+                    <a:pt x="36" y="65"/>
+                    <a:pt x="37" y="44"/>
+                  </a:cubicBezTo>
+                  <a:close/>
+                </a:path>
+              </a:pathLst>
+            </a:custGeom>
+            <a:solidFill>
+              <a:srgbClr val="424953"/>
+            </a:solidFill>
+            <a:ln>
+              <a:noFill/>
+            </a:ln>
+            <a:extLst>
+              <a:ext uri="{91240B29-F687-4F45-9708-019B960494DF}">
+                <a14:hiddenLine xmlns:a14="http://schemas.microsoft.com/office/drawing/2010/main" w="9525">
+                  <a:solidFill>
+                    <a:srgbClr val="000000"/>
+                  </a:solidFill>
+                  <a:round/>
+                  <a:headEnd/>
+                  <a:tailEnd/>
+                </a14:hiddenLine>
+              </a:ext>
+            </a:extLst>
+          </p:spPr>
+          <p:txBody>
+            <a:bodyPr vert="horz" wrap="square" lIns="91440" tIns="45720" rIns="91440" bIns="45720" numCol="1" anchor="t" anchorCtr="0" compatLnSpc="1">
+              <a:prstTxWarp prst="textNoShape">
+                <a:avLst/>
+              </a:prstTxWarp>
+            </a:bodyPr>
+            <a:lstStyle/>
+            <a:p>
+              <a:endParaRPr lang="en-US"/>
+            </a:p>
+          </p:txBody>
+        </p:sp>
+        <p:sp>
+          <p:nvSpPr>
+            <p:cNvPr id="40" name="Freeform 140">
+              <a:extLst>
+                <a:ext uri="{FF2B5EF4-FFF2-40B4-BE49-F238E27FC236}">
+                  <a16:creationId xmlns:a16="http://schemas.microsoft.com/office/drawing/2014/main" id="{DDAB0600-B258-FA3D-C48C-ECE3EDB634CF}"/>
+                </a:ext>
+              </a:extLst>
+            </p:cNvPr>
+            <p:cNvSpPr>
+              <a:spLocks/>
+            </p:cNvSpPr>
+            <p:nvPr/>
+          </p:nvSpPr>
+          <p:spPr bwMode="auto">
+            <a:xfrm>
+              <a:off x="11022182" y="2617067"/>
+              <a:ext cx="320217" cy="305029"/>
+            </a:xfrm>
+            <a:custGeom>
+              <a:avLst/>
+              <a:gdLst>
+                <a:gd name="T0" fmla="*/ 189 w 200"/>
+                <a:gd name="T1" fmla="*/ 95 h 190"/>
+                <a:gd name="T2" fmla="*/ 184 w 200"/>
+                <a:gd name="T3" fmla="*/ 86 h 190"/>
+                <a:gd name="T4" fmla="*/ 184 w 200"/>
+                <a:gd name="T5" fmla="*/ 82 h 190"/>
+                <a:gd name="T6" fmla="*/ 183 w 200"/>
+                <a:gd name="T7" fmla="*/ 80 h 190"/>
+                <a:gd name="T8" fmla="*/ 168 w 200"/>
+                <a:gd name="T9" fmla="*/ 45 h 190"/>
+                <a:gd name="T10" fmla="*/ 166 w 200"/>
+                <a:gd name="T11" fmla="*/ 42 h 190"/>
+                <a:gd name="T12" fmla="*/ 170 w 200"/>
+                <a:gd name="T13" fmla="*/ 33 h 190"/>
+                <a:gd name="T14" fmla="*/ 99 w 200"/>
+                <a:gd name="T15" fmla="*/ 0 h 190"/>
+                <a:gd name="T16" fmla="*/ 29 w 200"/>
+                <a:gd name="T17" fmla="*/ 32 h 190"/>
+                <a:gd name="T18" fmla="*/ 33 w 200"/>
+                <a:gd name="T19" fmla="*/ 41 h 190"/>
+                <a:gd name="T20" fmla="*/ 30 w 200"/>
+                <a:gd name="T21" fmla="*/ 45 h 190"/>
+                <a:gd name="T22" fmla="*/ 15 w 200"/>
+                <a:gd name="T23" fmla="*/ 80 h 190"/>
+                <a:gd name="T24" fmla="*/ 14 w 200"/>
+                <a:gd name="T25" fmla="*/ 82 h 190"/>
+                <a:gd name="T26" fmla="*/ 15 w 200"/>
+                <a:gd name="T27" fmla="*/ 86 h 190"/>
+                <a:gd name="T28" fmla="*/ 8 w 200"/>
+                <a:gd name="T29" fmla="*/ 97 h 190"/>
+                <a:gd name="T30" fmla="*/ 4 w 200"/>
+                <a:gd name="T31" fmla="*/ 158 h 190"/>
+                <a:gd name="T32" fmla="*/ 20 w 200"/>
+                <a:gd name="T33" fmla="*/ 183 h 190"/>
+                <a:gd name="T34" fmla="*/ 40 w 200"/>
+                <a:gd name="T35" fmla="*/ 187 h 190"/>
+                <a:gd name="T36" fmla="*/ 43 w 200"/>
+                <a:gd name="T37" fmla="*/ 177 h 190"/>
+                <a:gd name="T38" fmla="*/ 47 w 200"/>
+                <a:gd name="T39" fmla="*/ 177 h 190"/>
+                <a:gd name="T40" fmla="*/ 59 w 200"/>
+                <a:gd name="T41" fmla="*/ 133 h 190"/>
+                <a:gd name="T42" fmla="*/ 38 w 200"/>
+                <a:gd name="T43" fmla="*/ 94 h 190"/>
+                <a:gd name="T44" fmla="*/ 32 w 200"/>
+                <a:gd name="T45" fmla="*/ 96 h 190"/>
+                <a:gd name="T46" fmla="*/ 23 w 200"/>
+                <a:gd name="T47" fmla="*/ 138 h 190"/>
+                <a:gd name="T48" fmla="*/ 40 w 200"/>
+                <a:gd name="T49" fmla="*/ 177 h 190"/>
+                <a:gd name="T50" fmla="*/ 41 w 200"/>
+                <a:gd name="T51" fmla="*/ 177 h 190"/>
+                <a:gd name="T52" fmla="*/ 36 w 200"/>
+                <a:gd name="T53" fmla="*/ 176 h 190"/>
+                <a:gd name="T54" fmla="*/ 19 w 200"/>
+                <a:gd name="T55" fmla="*/ 138 h 190"/>
+                <a:gd name="T56" fmla="*/ 25 w 200"/>
+                <a:gd name="T57" fmla="*/ 97 h 190"/>
+                <a:gd name="T58" fmla="*/ 20 w 200"/>
+                <a:gd name="T59" fmla="*/ 85 h 190"/>
+                <a:gd name="T60" fmla="*/ 20 w 200"/>
+                <a:gd name="T61" fmla="*/ 84 h 190"/>
+                <a:gd name="T62" fmla="*/ 35 w 200"/>
+                <a:gd name="T63" fmla="*/ 48 h 190"/>
+                <a:gd name="T64" fmla="*/ 39 w 200"/>
+                <a:gd name="T65" fmla="*/ 41 h 190"/>
+                <a:gd name="T66" fmla="*/ 45 w 200"/>
+                <a:gd name="T67" fmla="*/ 39 h 190"/>
+                <a:gd name="T68" fmla="*/ 99 w 200"/>
+                <a:gd name="T69" fmla="*/ 21 h 190"/>
+                <a:gd name="T70" fmla="*/ 155 w 200"/>
+                <a:gd name="T71" fmla="*/ 40 h 190"/>
+                <a:gd name="T72" fmla="*/ 159 w 200"/>
+                <a:gd name="T73" fmla="*/ 42 h 190"/>
+                <a:gd name="T74" fmla="*/ 163 w 200"/>
+                <a:gd name="T75" fmla="*/ 48 h 190"/>
+                <a:gd name="T76" fmla="*/ 178 w 200"/>
+                <a:gd name="T77" fmla="*/ 83 h 190"/>
+                <a:gd name="T78" fmla="*/ 172 w 200"/>
+                <a:gd name="T79" fmla="*/ 93 h 190"/>
+                <a:gd name="T80" fmla="*/ 181 w 200"/>
+                <a:gd name="T81" fmla="*/ 136 h 190"/>
+                <a:gd name="T82" fmla="*/ 164 w 200"/>
+                <a:gd name="T83" fmla="*/ 174 h 190"/>
+                <a:gd name="T84" fmla="*/ 159 w 200"/>
+                <a:gd name="T85" fmla="*/ 175 h 190"/>
+                <a:gd name="T86" fmla="*/ 160 w 200"/>
+                <a:gd name="T87" fmla="*/ 174 h 190"/>
+                <a:gd name="T88" fmla="*/ 159 w 200"/>
+                <a:gd name="T89" fmla="*/ 175 h 190"/>
+                <a:gd name="T90" fmla="*/ 159 w 200"/>
+                <a:gd name="T91" fmla="*/ 175 h 190"/>
+                <a:gd name="T92" fmla="*/ 159 w 200"/>
+                <a:gd name="T93" fmla="*/ 175 h 190"/>
+                <a:gd name="T94" fmla="*/ 162 w 200"/>
+                <a:gd name="T95" fmla="*/ 187 h 190"/>
+                <a:gd name="T96" fmla="*/ 183 w 200"/>
+                <a:gd name="T97" fmla="*/ 182 h 190"/>
+                <a:gd name="T98" fmla="*/ 197 w 200"/>
+                <a:gd name="T99" fmla="*/ 155 h 190"/>
+                <a:gd name="T100" fmla="*/ 189 w 200"/>
+                <a:gd name="T101" fmla="*/ 95 h 190"/>
+              </a:gdLst>
+              <a:ahLst/>
+              <a:cxnLst>
+                <a:cxn ang="0">
+                  <a:pos x="T0" y="T1"/>
+                </a:cxn>
+                <a:cxn ang="0">
+                  <a:pos x="T2" y="T3"/>
+                </a:cxn>
+                <a:cxn ang="0">
+                  <a:pos x="T4" y="T5"/>
+                </a:cxn>
+                <a:cxn ang="0">
+                  <a:pos x="T6" y="T7"/>
+                </a:cxn>
+                <a:cxn ang="0">
+                  <a:pos x="T8" y="T9"/>
+                </a:cxn>
+                <a:cxn ang="0">
+                  <a:pos x="T10" y="T11"/>
+                </a:cxn>
+                <a:cxn ang="0">
+                  <a:pos x="T12" y="T13"/>
+                </a:cxn>
+                <a:cxn ang="0">
+                  <a:pos x="T14" y="T15"/>
+                </a:cxn>
+                <a:cxn ang="0">
+                  <a:pos x="T16" y="T17"/>
+                </a:cxn>
+                <a:cxn ang="0">
+                  <a:pos x="T18" y="T19"/>
+                </a:cxn>
+                <a:cxn ang="0">
+                  <a:pos x="T20" y="T21"/>
+                </a:cxn>
+                <a:cxn ang="0">
+                  <a:pos x="T22" y="T23"/>
+                </a:cxn>
+                <a:cxn ang="0">
+                  <a:pos x="T24" y="T25"/>
+                </a:cxn>
+                <a:cxn ang="0">
+                  <a:pos x="T26" y="T27"/>
+                </a:cxn>
+                <a:cxn ang="0">
+                  <a:pos x="T28" y="T29"/>
+                </a:cxn>
+                <a:cxn ang="0">
+                  <a:pos x="T30" y="T31"/>
+                </a:cxn>
+                <a:cxn ang="0">
+                  <a:pos x="T32" y="T33"/>
+                </a:cxn>
+                <a:cxn ang="0">
+                  <a:pos x="T34" y="T35"/>
+                </a:cxn>
+                <a:cxn ang="0">
+                  <a:pos x="T36" y="T37"/>
+                </a:cxn>
+                <a:cxn ang="0">
+                  <a:pos x="T38" y="T39"/>
+                </a:cxn>
+                <a:cxn ang="0">
+                  <a:pos x="T40" y="T41"/>
+                </a:cxn>
+                <a:cxn ang="0">
+                  <a:pos x="T42" y="T43"/>
+                </a:cxn>
+                <a:cxn ang="0">
+                  <a:pos x="T44" y="T45"/>
+                </a:cxn>
+                <a:cxn ang="0">
+                  <a:pos x="T46" y="T47"/>
+                </a:cxn>
+                <a:cxn ang="0">
+                  <a:pos x="T48" y="T49"/>
+                </a:cxn>
+                <a:cxn ang="0">
+                  <a:pos x="T50" y="T51"/>
+                </a:cxn>
+                <a:cxn ang="0">
+                  <a:pos x="T52" y="T53"/>
+                </a:cxn>
+                <a:cxn ang="0">
+                  <a:pos x="T54" y="T55"/>
+                </a:cxn>
+                <a:cxn ang="0">
+                  <a:pos x="T56" y="T57"/>
+                </a:cxn>
+                <a:cxn ang="0">
+                  <a:pos x="T58" y="T59"/>
+                </a:cxn>
+                <a:cxn ang="0">
+                  <a:pos x="T60" y="T61"/>
+                </a:cxn>
+                <a:cxn ang="0">
+                  <a:pos x="T62" y="T63"/>
+                </a:cxn>
+                <a:cxn ang="0">
+                  <a:pos x="T64" y="T65"/>
+                </a:cxn>
+                <a:cxn ang="0">
+                  <a:pos x="T66" y="T67"/>
+                </a:cxn>
+                <a:cxn ang="0">
+                  <a:pos x="T68" y="T69"/>
+                </a:cxn>
+                <a:cxn ang="0">
+                  <a:pos x="T70" y="T71"/>
+                </a:cxn>
+                <a:cxn ang="0">
+                  <a:pos x="T72" y="T73"/>
+                </a:cxn>
+                <a:cxn ang="0">
+                  <a:pos x="T74" y="T75"/>
+                </a:cxn>
+                <a:cxn ang="0">
+                  <a:pos x="T76" y="T77"/>
+                </a:cxn>
+                <a:cxn ang="0">
+                  <a:pos x="T78" y="T79"/>
+                </a:cxn>
+                <a:cxn ang="0">
+                  <a:pos x="T80" y="T81"/>
+                </a:cxn>
+                <a:cxn ang="0">
+                  <a:pos x="T82" y="T83"/>
+                </a:cxn>
+                <a:cxn ang="0">
+                  <a:pos x="T84" y="T85"/>
+                </a:cxn>
+                <a:cxn ang="0">
+                  <a:pos x="T86" y="T87"/>
+                </a:cxn>
+                <a:cxn ang="0">
+                  <a:pos x="T88" y="T89"/>
+                </a:cxn>
+                <a:cxn ang="0">
+                  <a:pos x="T90" y="T91"/>
+                </a:cxn>
+                <a:cxn ang="0">
+                  <a:pos x="T92" y="T93"/>
+                </a:cxn>
+                <a:cxn ang="0">
+                  <a:pos x="T94" y="T95"/>
+                </a:cxn>
+                <a:cxn ang="0">
+                  <a:pos x="T96" y="T97"/>
+                </a:cxn>
+                <a:cxn ang="0">
+                  <a:pos x="T98" y="T99"/>
+                </a:cxn>
+                <a:cxn ang="0">
+                  <a:pos x="T100" y="T101"/>
+                </a:cxn>
+              </a:cxnLst>
+              <a:rect l="0" t="0" r="r" b="b"/>
+              <a:pathLst>
+                <a:path w="200" h="190">
+                  <a:moveTo>
+                    <a:pt x="189" y="95"/>
+                  </a:moveTo>
+                  <a:cubicBezTo>
+                    <a:pt x="187" y="90"/>
+                    <a:pt x="185" y="87"/>
+                    <a:pt x="184" y="86"/>
+                  </a:cubicBezTo>
+                  <a:cubicBezTo>
+                    <a:pt x="184" y="84"/>
+                    <a:pt x="184" y="82"/>
+                    <a:pt x="184" y="82"/>
+                  </a:cubicBezTo>
+                  <a:cubicBezTo>
+                    <a:pt x="184" y="81"/>
+                    <a:pt x="183" y="81"/>
+                    <a:pt x="183" y="80"/>
+                  </a:cubicBezTo>
+                  <a:cubicBezTo>
+                    <a:pt x="181" y="74"/>
+                    <a:pt x="178" y="60"/>
+                    <a:pt x="168" y="45"/>
+                  </a:cubicBezTo>
+                  <a:cubicBezTo>
+                    <a:pt x="168" y="44"/>
+                    <a:pt x="167" y="43"/>
+                    <a:pt x="166" y="42"/>
+                  </a:cubicBezTo>
+                  <a:cubicBezTo>
+                    <a:pt x="170" y="41"/>
+                    <a:pt x="172" y="38"/>
+                    <a:pt x="170" y="33"/>
+                  </a:cubicBezTo>
+                  <a:cubicBezTo>
+                    <a:pt x="153" y="13"/>
+                    <a:pt x="128" y="0"/>
+                    <a:pt x="99" y="0"/>
+                  </a:cubicBezTo>
+                  <a:cubicBezTo>
+                    <a:pt x="71" y="0"/>
+                    <a:pt x="46" y="13"/>
+                    <a:pt x="29" y="32"/>
+                  </a:cubicBezTo>
+                  <a:cubicBezTo>
+                    <a:pt x="27" y="36"/>
+                    <a:pt x="29" y="39"/>
+                    <a:pt x="33" y="41"/>
+                  </a:cubicBezTo>
+                  <a:cubicBezTo>
+                    <a:pt x="32" y="42"/>
+                    <a:pt x="31" y="44"/>
+                    <a:pt x="30" y="45"/>
+                  </a:cubicBezTo>
+                  <a:cubicBezTo>
+                    <a:pt x="21" y="60"/>
+                    <a:pt x="17" y="74"/>
+                    <a:pt x="15" y="80"/>
+                  </a:cubicBezTo>
+                  <a:cubicBezTo>
+                    <a:pt x="15" y="81"/>
+                    <a:pt x="14" y="81"/>
+                    <a:pt x="14" y="82"/>
+                  </a:cubicBezTo>
+                  <a:cubicBezTo>
+                    <a:pt x="14" y="82"/>
+                    <a:pt x="14" y="84"/>
+                    <a:pt x="15" y="86"/>
+                  </a:cubicBezTo>
+                  <a:cubicBezTo>
+                    <a:pt x="13" y="88"/>
+                    <a:pt x="11" y="91"/>
+                    <a:pt x="8" y="97"/>
+                  </a:cubicBezTo>
+                  <a:cubicBezTo>
+                    <a:pt x="0" y="117"/>
+                    <a:pt x="0" y="146"/>
+                    <a:pt x="4" y="158"/>
+                  </a:cubicBezTo>
+                  <a:cubicBezTo>
+                    <a:pt x="7" y="170"/>
+                    <a:pt x="13" y="179"/>
+                    <a:pt x="20" y="183"/>
+                  </a:cubicBezTo>
+                  <a:cubicBezTo>
+                    <a:pt x="30" y="190"/>
+                    <a:pt x="37" y="188"/>
+                    <a:pt x="40" y="187"/>
+                  </a:cubicBezTo>
+                  <a:cubicBezTo>
+                    <a:pt x="43" y="186"/>
+                    <a:pt x="44" y="182"/>
+                    <a:pt x="43" y="177"/>
+                  </a:cubicBezTo>
+                  <a:cubicBezTo>
+                    <a:pt x="44" y="177"/>
+                    <a:pt x="46" y="177"/>
+                    <a:pt x="47" y="177"/>
+                  </a:cubicBezTo>
+                  <a:cubicBezTo>
+                    <a:pt x="62" y="175"/>
+                    <a:pt x="62" y="156"/>
+                    <a:pt x="59" y="133"/>
+                  </a:cubicBezTo>
+                  <a:cubicBezTo>
+                    <a:pt x="57" y="110"/>
+                    <a:pt x="53" y="91"/>
+                    <a:pt x="38" y="94"/>
+                  </a:cubicBezTo>
+                  <a:cubicBezTo>
+                    <a:pt x="36" y="94"/>
+                    <a:pt x="33" y="95"/>
+                    <a:pt x="32" y="96"/>
+                  </a:cubicBezTo>
+                  <a:cubicBezTo>
+                    <a:pt x="23" y="100"/>
+                    <a:pt x="21" y="117"/>
+                    <a:pt x="23" y="138"/>
+                  </a:cubicBezTo>
+                  <a:cubicBezTo>
+                    <a:pt x="25" y="159"/>
+                    <a:pt x="30" y="175"/>
+                    <a:pt x="40" y="177"/>
+                  </a:cubicBezTo>
+                  <a:cubicBezTo>
+                    <a:pt x="40" y="177"/>
+                    <a:pt x="40" y="177"/>
+                    <a:pt x="41" y="177"/>
+                  </a:cubicBezTo>
+                  <a:cubicBezTo>
+                    <a:pt x="39" y="177"/>
+                    <a:pt x="37" y="176"/>
+                    <a:pt x="36" y="176"/>
+                  </a:cubicBezTo>
+                  <a:cubicBezTo>
+                    <a:pt x="26" y="175"/>
+                    <a:pt x="21" y="158"/>
+                    <a:pt x="19" y="138"/>
+                  </a:cubicBezTo>
+                  <a:cubicBezTo>
+                    <a:pt x="17" y="119"/>
+                    <a:pt x="18" y="103"/>
+                    <a:pt x="25" y="97"/>
+                  </a:cubicBezTo>
+                  <a:cubicBezTo>
+                    <a:pt x="24" y="91"/>
+                    <a:pt x="22" y="87"/>
+                    <a:pt x="20" y="85"/>
+                  </a:cubicBezTo>
+                  <a:cubicBezTo>
+                    <a:pt x="20" y="85"/>
+                    <a:pt x="20" y="84"/>
+                    <a:pt x="20" y="84"/>
+                  </a:cubicBezTo>
+                  <a:cubicBezTo>
+                    <a:pt x="21" y="79"/>
+                    <a:pt x="25" y="64"/>
+                    <a:pt x="35" y="48"/>
+                  </a:cubicBezTo>
+                  <a:cubicBezTo>
+                    <a:pt x="36" y="46"/>
+                    <a:pt x="38" y="43"/>
+                    <a:pt x="39" y="41"/>
+                  </a:cubicBezTo>
+                  <a:cubicBezTo>
+                    <a:pt x="41" y="41"/>
+                    <a:pt x="43" y="40"/>
+                    <a:pt x="45" y="39"/>
+                  </a:cubicBezTo>
+                  <a:cubicBezTo>
+                    <a:pt x="60" y="28"/>
+                    <a:pt x="79" y="21"/>
+                    <a:pt x="99" y="21"/>
+                  </a:cubicBezTo>
+                  <a:cubicBezTo>
+                    <a:pt x="120" y="21"/>
+                    <a:pt x="139" y="28"/>
+                    <a:pt x="155" y="40"/>
+                  </a:cubicBezTo>
+                  <a:cubicBezTo>
+                    <a:pt x="156" y="41"/>
+                    <a:pt x="157" y="41"/>
+                    <a:pt x="159" y="42"/>
+                  </a:cubicBezTo>
+                  <a:cubicBezTo>
+                    <a:pt x="160" y="44"/>
+                    <a:pt x="162" y="46"/>
+                    <a:pt x="163" y="48"/>
+                  </a:cubicBezTo>
+                  <a:cubicBezTo>
+                    <a:pt x="172" y="63"/>
+                    <a:pt x="176" y="77"/>
+                    <a:pt x="178" y="83"/>
+                  </a:cubicBezTo>
+                  <a:cubicBezTo>
+                    <a:pt x="175" y="83"/>
+                    <a:pt x="174" y="87"/>
+                    <a:pt x="172" y="93"/>
+                  </a:cubicBezTo>
+                  <a:cubicBezTo>
+                    <a:pt x="182" y="98"/>
+                    <a:pt x="184" y="115"/>
+                    <a:pt x="181" y="136"/>
+                  </a:cubicBezTo>
+                  <a:cubicBezTo>
+                    <a:pt x="179" y="156"/>
+                    <a:pt x="174" y="173"/>
+                    <a:pt x="164" y="174"/>
+                  </a:cubicBezTo>
+                  <a:cubicBezTo>
+                    <a:pt x="164" y="175"/>
+                    <a:pt x="161" y="175"/>
+                    <a:pt x="159" y="175"/>
+                  </a:cubicBezTo>
+                  <a:cubicBezTo>
+                    <a:pt x="160" y="175"/>
+                    <a:pt x="160" y="174"/>
+                    <a:pt x="160" y="174"/>
+                  </a:cubicBezTo>
+                  <a:cubicBezTo>
+                    <a:pt x="160" y="174"/>
+                    <a:pt x="159" y="174"/>
+                    <a:pt x="159" y="175"/>
+                  </a:cubicBezTo>
+                  <a:cubicBezTo>
+                    <a:pt x="159" y="175"/>
+                    <a:pt x="159" y="175"/>
+                    <a:pt x="159" y="175"/>
+                  </a:cubicBezTo>
+                  <a:cubicBezTo>
+                    <a:pt x="159" y="175"/>
+                    <a:pt x="159" y="175"/>
+                    <a:pt x="159" y="175"/>
+                  </a:cubicBezTo>
+                  <a:cubicBezTo>
+                    <a:pt x="158" y="181"/>
+                    <a:pt x="159" y="186"/>
+                    <a:pt x="162" y="187"/>
+                  </a:cubicBezTo>
+                  <a:cubicBezTo>
+                    <a:pt x="165" y="187"/>
+                    <a:pt x="172" y="190"/>
+                    <a:pt x="183" y="182"/>
+                  </a:cubicBezTo>
+                  <a:cubicBezTo>
+                    <a:pt x="188" y="177"/>
+                    <a:pt x="194" y="167"/>
+                    <a:pt x="197" y="155"/>
+                  </a:cubicBezTo>
+                  <a:cubicBezTo>
+                    <a:pt x="200" y="143"/>
+                    <a:pt x="199" y="114"/>
+                    <a:pt x="189" y="95"/>
+                  </a:cubicBezTo>
+                  <a:close/>
+                </a:path>
+              </a:pathLst>
+            </a:custGeom>
+            <a:solidFill>
+              <a:srgbClr val="424953"/>
+            </a:solidFill>
+            <a:ln>
+              <a:noFill/>
+            </a:ln>
+            <a:extLst>
+              <a:ext uri="{91240B29-F687-4F45-9708-019B960494DF}">
+                <a14:hiddenLine xmlns:a14="http://schemas.microsoft.com/office/drawing/2010/main" w="9525">
+                  <a:solidFill>
+                    <a:srgbClr val="000000"/>
+                  </a:solidFill>
+                  <a:round/>
+                  <a:headEnd/>
+                  <a:tailEnd/>
+                </a14:hiddenLine>
+              </a:ext>
+            </a:extLst>
+          </p:spPr>
+          <p:txBody>
+            <a:bodyPr vert="horz" wrap="square" lIns="91440" tIns="45720" rIns="91440" bIns="45720" numCol="1" anchor="t" anchorCtr="0" compatLnSpc="1">
+              <a:prstTxWarp prst="textNoShape">
+                <a:avLst/>
+              </a:prstTxWarp>
+            </a:bodyPr>
+            <a:lstStyle/>
+            <a:p>
+              <a:endParaRPr lang="en-US"/>
+            </a:p>
+          </p:txBody>
+        </p:sp>
+      </p:grpSp>
+      <p:grpSp>
+        <p:nvGrpSpPr>
+          <p:cNvPr id="51" name="Group 50">
+            <a:extLst>
+              <a:ext uri="{FF2B5EF4-FFF2-40B4-BE49-F238E27FC236}">
+                <a16:creationId xmlns:a16="http://schemas.microsoft.com/office/drawing/2014/main" id="{3E6B3F05-6300-6061-F51E-0C27DDCDC860}"/>
+              </a:ext>
+            </a:extLst>
+          </p:cNvPr>
+          <p:cNvGrpSpPr/>
+          <p:nvPr/>
+        </p:nvGrpSpPr>
+        <p:grpSpPr>
+          <a:xfrm>
+            <a:off x="5588000" y="1624823"/>
+            <a:ext cx="1016000" cy="1103313"/>
+            <a:chOff x="9869488" y="2197893"/>
+            <a:chExt cx="1016000" cy="1103313"/>
+          </a:xfrm>
+        </p:grpSpPr>
+        <p:sp>
+          <p:nvSpPr>
+            <p:cNvPr id="42" name="Freeform 400">
+              <a:extLst>
+                <a:ext uri="{FF2B5EF4-FFF2-40B4-BE49-F238E27FC236}">
+                  <a16:creationId xmlns:a16="http://schemas.microsoft.com/office/drawing/2014/main" id="{E1667E03-9D9A-F165-FDE5-7D37FAC871A5}"/>
+                </a:ext>
+              </a:extLst>
+            </p:cNvPr>
+            <p:cNvSpPr>
+              <a:spLocks/>
+            </p:cNvSpPr>
+            <p:nvPr/>
+          </p:nvSpPr>
+          <p:spPr bwMode="auto">
+            <a:xfrm>
+              <a:off x="10312401" y="3032918"/>
+              <a:ext cx="477838" cy="268288"/>
+            </a:xfrm>
+            <a:custGeom>
+              <a:avLst/>
+              <a:gdLst>
+                <a:gd name="T0" fmla="*/ 265 w 286"/>
+                <a:gd name="T1" fmla="*/ 0 h 161"/>
+                <a:gd name="T2" fmla="*/ 100 w 286"/>
+                <a:gd name="T3" fmla="*/ 125 h 161"/>
+                <a:gd name="T4" fmla="*/ 71 w 286"/>
+                <a:gd name="T5" fmla="*/ 101 h 161"/>
+                <a:gd name="T6" fmla="*/ 30 w 286"/>
+                <a:gd name="T7" fmla="*/ 101 h 161"/>
+                <a:gd name="T8" fmla="*/ 0 w 286"/>
+                <a:gd name="T9" fmla="*/ 131 h 161"/>
+                <a:gd name="T10" fmla="*/ 30 w 286"/>
+                <a:gd name="T11" fmla="*/ 161 h 161"/>
+                <a:gd name="T12" fmla="*/ 71 w 286"/>
+                <a:gd name="T13" fmla="*/ 161 h 161"/>
+                <a:gd name="T14" fmla="*/ 100 w 286"/>
+                <a:gd name="T15" fmla="*/ 137 h 161"/>
+                <a:gd name="T16" fmla="*/ 286 w 286"/>
+                <a:gd name="T17" fmla="*/ 0 h 161"/>
+                <a:gd name="T18" fmla="*/ 265 w 286"/>
+                <a:gd name="T19" fmla="*/ 0 h 161"/>
+              </a:gdLst>
+              <a:ahLst/>
+              <a:cxnLst>
+                <a:cxn ang="0">
+                  <a:pos x="T0" y="T1"/>
+                </a:cxn>
+                <a:cxn ang="0">
+                  <a:pos x="T2" y="T3"/>
+                </a:cxn>
+                <a:cxn ang="0">
+                  <a:pos x="T4" y="T5"/>
+                </a:cxn>
+                <a:cxn ang="0">
+                  <a:pos x="T6" y="T7"/>
+                </a:cxn>
+                <a:cxn ang="0">
+                  <a:pos x="T8" y="T9"/>
+                </a:cxn>
+                <a:cxn ang="0">
+                  <a:pos x="T10" y="T11"/>
+                </a:cxn>
+                <a:cxn ang="0">
+                  <a:pos x="T12" y="T13"/>
+                </a:cxn>
+                <a:cxn ang="0">
+                  <a:pos x="T14" y="T15"/>
+                </a:cxn>
+                <a:cxn ang="0">
+                  <a:pos x="T16" y="T17"/>
+                </a:cxn>
+                <a:cxn ang="0">
+                  <a:pos x="T18" y="T19"/>
+                </a:cxn>
+              </a:cxnLst>
+              <a:rect l="0" t="0" r="r" b="b"/>
+              <a:pathLst>
+                <a:path w="286" h="161">
+                  <a:moveTo>
+                    <a:pt x="265" y="0"/>
+                  </a:moveTo>
+                  <a:cubicBezTo>
+                    <a:pt x="265" y="0"/>
+                    <a:pt x="285" y="133"/>
+                    <a:pt x="100" y="125"/>
+                  </a:cubicBezTo>
+                  <a:cubicBezTo>
+                    <a:pt x="97" y="111"/>
+                    <a:pt x="85" y="101"/>
+                    <a:pt x="71" y="101"/>
+                  </a:cubicBezTo>
+                  <a:cubicBezTo>
+                    <a:pt x="30" y="101"/>
+                    <a:pt x="30" y="101"/>
+                    <a:pt x="30" y="101"/>
+                  </a:cubicBezTo>
+                  <a:cubicBezTo>
+                    <a:pt x="14" y="101"/>
+                    <a:pt x="0" y="114"/>
+                    <a:pt x="0" y="131"/>
+                  </a:cubicBezTo>
+                  <a:cubicBezTo>
+                    <a:pt x="0" y="147"/>
+                    <a:pt x="14" y="161"/>
+                    <a:pt x="30" y="161"/>
+                  </a:cubicBezTo>
+                  <a:cubicBezTo>
+                    <a:pt x="71" y="161"/>
+                    <a:pt x="71" y="161"/>
+                    <a:pt x="71" y="161"/>
+                  </a:cubicBezTo>
+                  <a:cubicBezTo>
+                    <a:pt x="85" y="161"/>
+                    <a:pt x="97" y="151"/>
+                    <a:pt x="100" y="137"/>
+                  </a:cubicBezTo>
+                  <a:cubicBezTo>
+                    <a:pt x="149" y="140"/>
+                    <a:pt x="275" y="133"/>
+                    <a:pt x="286" y="0"/>
+                  </a:cubicBezTo>
+                  <a:lnTo>
+                    <a:pt x="265" y="0"/>
+                  </a:lnTo>
+                  <a:close/>
+                </a:path>
+              </a:pathLst>
+            </a:custGeom>
+            <a:solidFill>
+              <a:srgbClr val="232323"/>
+            </a:solidFill>
+            <a:ln>
+              <a:noFill/>
+            </a:ln>
+            <a:extLst>
+              <a:ext uri="{91240B29-F687-4F45-9708-019B960494DF}">
+                <a14:hiddenLine xmlns:a14="http://schemas.microsoft.com/office/drawing/2010/main" w="9525">
+                  <a:solidFill>
+                    <a:srgbClr val="000000"/>
+                  </a:solidFill>
+                  <a:round/>
+                  <a:headEnd/>
+                  <a:tailEnd/>
+                </a14:hiddenLine>
+              </a:ext>
+            </a:extLst>
+          </p:spPr>
+          <p:txBody>
+            <a:bodyPr vert="horz" wrap="square" lIns="91440" tIns="45720" rIns="91440" bIns="45720" numCol="1" anchor="t" anchorCtr="0" compatLnSpc="1">
+              <a:prstTxWarp prst="textNoShape">
+                <a:avLst/>
+              </a:prstTxWarp>
+            </a:bodyPr>
+            <a:lstStyle/>
+            <a:p>
+              <a:endParaRPr lang="en-US"/>
+            </a:p>
+          </p:txBody>
+        </p:sp>
+        <p:sp>
+          <p:nvSpPr>
+            <p:cNvPr id="43" name="Freeform 401">
+              <a:extLst>
+                <a:ext uri="{FF2B5EF4-FFF2-40B4-BE49-F238E27FC236}">
+                  <a16:creationId xmlns:a16="http://schemas.microsoft.com/office/drawing/2014/main" id="{259AD231-8A0D-18BA-B17F-04020D16A8C7}"/>
+                </a:ext>
+              </a:extLst>
+            </p:cNvPr>
+            <p:cNvSpPr>
+              <a:spLocks/>
+            </p:cNvSpPr>
+            <p:nvPr/>
+          </p:nvSpPr>
+          <p:spPr bwMode="auto">
+            <a:xfrm>
+              <a:off x="9932988" y="2197893"/>
+              <a:ext cx="446088" cy="561975"/>
+            </a:xfrm>
+            <a:custGeom>
+              <a:avLst/>
+              <a:gdLst>
+                <a:gd name="T0" fmla="*/ 0 w 266"/>
+                <a:gd name="T1" fmla="*/ 274 h 335"/>
+                <a:gd name="T2" fmla="*/ 7 w 266"/>
+                <a:gd name="T3" fmla="*/ 335 h 335"/>
+                <a:gd name="T4" fmla="*/ 42 w 266"/>
+                <a:gd name="T5" fmla="*/ 335 h 335"/>
+                <a:gd name="T6" fmla="*/ 32 w 266"/>
+                <a:gd name="T7" fmla="*/ 267 h 335"/>
+                <a:gd name="T8" fmla="*/ 127 w 266"/>
+                <a:gd name="T9" fmla="*/ 77 h 335"/>
+                <a:gd name="T10" fmla="*/ 265 w 266"/>
+                <a:gd name="T11" fmla="*/ 49 h 335"/>
+                <a:gd name="T12" fmla="*/ 266 w 266"/>
+                <a:gd name="T13" fmla="*/ 49 h 335"/>
+                <a:gd name="T14" fmla="*/ 266 w 266"/>
+                <a:gd name="T15" fmla="*/ 0 h 335"/>
+                <a:gd name="T16" fmla="*/ 0 w 266"/>
+                <a:gd name="T17" fmla="*/ 274 h 335"/>
+              </a:gdLst>
+              <a:ahLst/>
+              <a:cxnLst>
+                <a:cxn ang="0">
+                  <a:pos x="T0" y="T1"/>
+                </a:cxn>
+                <a:cxn ang="0">
+                  <a:pos x="T2" y="T3"/>
+                </a:cxn>
+                <a:cxn ang="0">
+                  <a:pos x="T4" y="T5"/>
+                </a:cxn>
+                <a:cxn ang="0">
+                  <a:pos x="T6" y="T7"/>
+                </a:cxn>
+                <a:cxn ang="0">
+                  <a:pos x="T8" y="T9"/>
+                </a:cxn>
+                <a:cxn ang="0">
+                  <a:pos x="T10" y="T11"/>
+                </a:cxn>
+                <a:cxn ang="0">
+                  <a:pos x="T12" y="T13"/>
+                </a:cxn>
+                <a:cxn ang="0">
+                  <a:pos x="T14" y="T15"/>
+                </a:cxn>
+                <a:cxn ang="0">
+                  <a:pos x="T16" y="T17"/>
+                </a:cxn>
+              </a:cxnLst>
+              <a:rect l="0" t="0" r="r" b="b"/>
+              <a:pathLst>
+                <a:path w="266" h="335">
+                  <a:moveTo>
+                    <a:pt x="0" y="274"/>
+                  </a:moveTo>
+                  <a:cubicBezTo>
+                    <a:pt x="0" y="295"/>
+                    <a:pt x="3" y="316"/>
+                    <a:pt x="7" y="335"/>
+                  </a:cubicBezTo>
+                  <a:cubicBezTo>
+                    <a:pt x="42" y="335"/>
+                    <a:pt x="42" y="335"/>
+                    <a:pt x="42" y="335"/>
+                  </a:cubicBezTo>
+                  <a:cubicBezTo>
+                    <a:pt x="35" y="314"/>
+                    <a:pt x="32" y="291"/>
+                    <a:pt x="32" y="267"/>
+                  </a:cubicBezTo>
+                  <a:cubicBezTo>
+                    <a:pt x="32" y="189"/>
+                    <a:pt x="70" y="120"/>
+                    <a:pt x="127" y="77"/>
+                  </a:cubicBezTo>
+                  <a:cubicBezTo>
+                    <a:pt x="147" y="63"/>
+                    <a:pt x="206" y="49"/>
+                    <a:pt x="265" y="49"/>
+                  </a:cubicBezTo>
+                  <a:cubicBezTo>
+                    <a:pt x="266" y="49"/>
+                    <a:pt x="266" y="49"/>
+                    <a:pt x="266" y="49"/>
+                  </a:cubicBezTo>
+                  <a:cubicBezTo>
+                    <a:pt x="266" y="0"/>
+                    <a:pt x="266" y="0"/>
+                    <a:pt x="266" y="0"/>
+                  </a:cubicBezTo>
+                  <a:cubicBezTo>
+                    <a:pt x="115" y="0"/>
+                    <a:pt x="0" y="123"/>
+                    <a:pt x="0" y="274"/>
+                  </a:cubicBezTo>
+                  <a:close/>
+                </a:path>
+              </a:pathLst>
+            </a:custGeom>
+            <a:solidFill>
+              <a:srgbClr val="949494"/>
+            </a:solidFill>
+            <a:ln>
+              <a:noFill/>
+            </a:ln>
+            <a:extLst>
+              <a:ext uri="{91240B29-F687-4F45-9708-019B960494DF}">
+                <a14:hiddenLine xmlns:a14="http://schemas.microsoft.com/office/drawing/2010/main" w="9525">
+                  <a:solidFill>
+                    <a:srgbClr val="000000"/>
+                  </a:solidFill>
+                  <a:round/>
+                  <a:headEnd/>
+                  <a:tailEnd/>
+                </a14:hiddenLine>
+              </a:ext>
+            </a:extLst>
+          </p:spPr>
+          <p:txBody>
+            <a:bodyPr vert="horz" wrap="square" lIns="91440" tIns="45720" rIns="91440" bIns="45720" numCol="1" anchor="t" anchorCtr="0" compatLnSpc="1">
+              <a:prstTxWarp prst="textNoShape">
+                <a:avLst/>
+              </a:prstTxWarp>
+            </a:bodyPr>
+            <a:lstStyle/>
+            <a:p>
+              <a:endParaRPr lang="en-US"/>
+            </a:p>
+          </p:txBody>
+        </p:sp>
+        <p:sp>
+          <p:nvSpPr>
+            <p:cNvPr id="44" name="Freeform 402">
+              <a:extLst>
+                <a:ext uri="{FF2B5EF4-FFF2-40B4-BE49-F238E27FC236}">
+                  <a16:creationId xmlns:a16="http://schemas.microsoft.com/office/drawing/2014/main" id="{DC0A7575-2241-DA3C-634D-D177B47D629B}"/>
+                </a:ext>
+              </a:extLst>
+            </p:cNvPr>
+            <p:cNvSpPr>
+              <a:spLocks/>
+            </p:cNvSpPr>
+            <p:nvPr/>
+          </p:nvSpPr>
+          <p:spPr bwMode="auto">
+            <a:xfrm>
+              <a:off x="10379076" y="2197893"/>
+              <a:ext cx="442913" cy="561975"/>
+            </a:xfrm>
+            <a:custGeom>
+              <a:avLst/>
+              <a:gdLst>
+                <a:gd name="T0" fmla="*/ 0 w 265"/>
+                <a:gd name="T1" fmla="*/ 0 h 335"/>
+                <a:gd name="T2" fmla="*/ 0 w 265"/>
+                <a:gd name="T3" fmla="*/ 0 h 335"/>
+                <a:gd name="T4" fmla="*/ 0 w 265"/>
+                <a:gd name="T5" fmla="*/ 49 h 335"/>
+                <a:gd name="T6" fmla="*/ 135 w 265"/>
+                <a:gd name="T7" fmla="*/ 76 h 335"/>
+                <a:gd name="T8" fmla="*/ 233 w 265"/>
+                <a:gd name="T9" fmla="*/ 267 h 335"/>
+                <a:gd name="T10" fmla="*/ 223 w 265"/>
+                <a:gd name="T11" fmla="*/ 335 h 335"/>
+                <a:gd name="T12" fmla="*/ 258 w 265"/>
+                <a:gd name="T13" fmla="*/ 335 h 335"/>
+                <a:gd name="T14" fmla="*/ 265 w 265"/>
+                <a:gd name="T15" fmla="*/ 274 h 335"/>
+                <a:gd name="T16" fmla="*/ 0 w 265"/>
+                <a:gd name="T17" fmla="*/ 0 h 335"/>
+              </a:gdLst>
+              <a:ahLst/>
+              <a:cxnLst>
+                <a:cxn ang="0">
+                  <a:pos x="T0" y="T1"/>
+                </a:cxn>
+                <a:cxn ang="0">
+                  <a:pos x="T2" y="T3"/>
+                </a:cxn>
+                <a:cxn ang="0">
+                  <a:pos x="T4" y="T5"/>
+                </a:cxn>
+                <a:cxn ang="0">
+                  <a:pos x="T6" y="T7"/>
+                </a:cxn>
+                <a:cxn ang="0">
+                  <a:pos x="T8" y="T9"/>
+                </a:cxn>
+                <a:cxn ang="0">
+                  <a:pos x="T10" y="T11"/>
+                </a:cxn>
+                <a:cxn ang="0">
+                  <a:pos x="T12" y="T13"/>
+                </a:cxn>
+                <a:cxn ang="0">
+                  <a:pos x="T14" y="T15"/>
+                </a:cxn>
+                <a:cxn ang="0">
+                  <a:pos x="T16" y="T17"/>
+                </a:cxn>
+              </a:cxnLst>
+              <a:rect l="0" t="0" r="r" b="b"/>
+              <a:pathLst>
+                <a:path w="265" h="335">
+                  <a:moveTo>
+                    <a:pt x="0" y="0"/>
+                  </a:moveTo>
+                  <a:cubicBezTo>
+                    <a:pt x="0" y="0"/>
+                    <a:pt x="0" y="0"/>
+                    <a:pt x="0" y="0"/>
+                  </a:cubicBezTo>
+                  <a:cubicBezTo>
+                    <a:pt x="0" y="49"/>
+                    <a:pt x="0" y="49"/>
+                    <a:pt x="0" y="49"/>
+                  </a:cubicBezTo>
+                  <a:cubicBezTo>
+                    <a:pt x="58" y="48"/>
+                    <a:pt x="116" y="62"/>
+                    <a:pt x="135" y="76"/>
+                  </a:cubicBezTo>
+                  <a:cubicBezTo>
+                    <a:pt x="195" y="118"/>
+                    <a:pt x="233" y="188"/>
+                    <a:pt x="233" y="267"/>
+                  </a:cubicBezTo>
+                  <a:cubicBezTo>
+                    <a:pt x="233" y="291"/>
+                    <a:pt x="230" y="314"/>
+                    <a:pt x="223" y="335"/>
+                  </a:cubicBezTo>
+                  <a:cubicBezTo>
+                    <a:pt x="258" y="335"/>
+                    <a:pt x="258" y="335"/>
+                    <a:pt x="258" y="335"/>
+                  </a:cubicBezTo>
+                  <a:cubicBezTo>
+                    <a:pt x="262" y="316"/>
+                    <a:pt x="265" y="295"/>
+                    <a:pt x="265" y="274"/>
+                  </a:cubicBezTo>
+                  <a:cubicBezTo>
+                    <a:pt x="265" y="123"/>
+                    <a:pt x="150" y="0"/>
+                    <a:pt x="0" y="0"/>
+                  </a:cubicBezTo>
+                  <a:close/>
+                </a:path>
+              </a:pathLst>
+            </a:custGeom>
+            <a:solidFill>
+              <a:srgbClr val="6E6E6E"/>
+            </a:solidFill>
+            <a:ln>
+              <a:noFill/>
+            </a:ln>
+            <a:extLst>
+              <a:ext uri="{91240B29-F687-4F45-9708-019B960494DF}">
+                <a14:hiddenLine xmlns:a14="http://schemas.microsoft.com/office/drawing/2010/main" w="9525">
+                  <a:solidFill>
+                    <a:srgbClr val="000000"/>
+                  </a:solidFill>
+                  <a:round/>
+                  <a:headEnd/>
+                  <a:tailEnd/>
+                </a14:hiddenLine>
+              </a:ext>
+            </a:extLst>
+          </p:spPr>
+          <p:txBody>
+            <a:bodyPr vert="horz" wrap="square" lIns="91440" tIns="45720" rIns="91440" bIns="45720" numCol="1" anchor="t" anchorCtr="0" compatLnSpc="1">
+              <a:prstTxWarp prst="textNoShape">
+                <a:avLst/>
+              </a:prstTxWarp>
+            </a:bodyPr>
+            <a:lstStyle/>
+            <a:p>
+              <a:endParaRPr lang="en-US"/>
+            </a:p>
+          </p:txBody>
+        </p:sp>
+        <p:sp>
+          <p:nvSpPr>
+            <p:cNvPr id="45" name="Freeform 403">
+              <a:extLst>
+                <a:ext uri="{FF2B5EF4-FFF2-40B4-BE49-F238E27FC236}">
+                  <a16:creationId xmlns:a16="http://schemas.microsoft.com/office/drawing/2014/main" id="{83F01A7E-D2D6-AD0F-C7AE-8BA4E8579BBA}"/>
+                </a:ext>
+              </a:extLst>
+            </p:cNvPr>
+            <p:cNvSpPr>
+              <a:spLocks/>
+            </p:cNvSpPr>
+            <p:nvPr/>
+          </p:nvSpPr>
+          <p:spPr bwMode="auto">
+            <a:xfrm>
+              <a:off x="9869488" y="2777330"/>
+              <a:ext cx="161925" cy="247650"/>
+            </a:xfrm>
+            <a:custGeom>
+              <a:avLst/>
+              <a:gdLst>
+                <a:gd name="T0" fmla="*/ 93 w 97"/>
+                <a:gd name="T1" fmla="*/ 70 h 148"/>
+                <a:gd name="T2" fmla="*/ 55 w 97"/>
+                <a:gd name="T3" fmla="*/ 146 h 148"/>
+                <a:gd name="T4" fmla="*/ 4 w 97"/>
+                <a:gd name="T5" fmla="*/ 78 h 148"/>
+                <a:gd name="T6" fmla="*/ 42 w 97"/>
+                <a:gd name="T7" fmla="*/ 3 h 148"/>
+                <a:gd name="T8" fmla="*/ 93 w 97"/>
+                <a:gd name="T9" fmla="*/ 70 h 148"/>
+              </a:gdLst>
+              <a:ahLst/>
+              <a:cxnLst>
+                <a:cxn ang="0">
+                  <a:pos x="T0" y="T1"/>
+                </a:cxn>
+                <a:cxn ang="0">
+                  <a:pos x="T2" y="T3"/>
+                </a:cxn>
+                <a:cxn ang="0">
+                  <a:pos x="T4" y="T5"/>
+                </a:cxn>
+                <a:cxn ang="0">
+                  <a:pos x="T6" y="T7"/>
+                </a:cxn>
+                <a:cxn ang="0">
+                  <a:pos x="T8" y="T9"/>
+                </a:cxn>
+              </a:cxnLst>
+              <a:rect l="0" t="0" r="r" b="b"/>
+              <a:pathLst>
+                <a:path w="97" h="148">
+                  <a:moveTo>
+                    <a:pt x="93" y="70"/>
+                  </a:moveTo>
+                  <a:cubicBezTo>
+                    <a:pt x="97" y="110"/>
+                    <a:pt x="80" y="144"/>
+                    <a:pt x="55" y="146"/>
+                  </a:cubicBezTo>
+                  <a:cubicBezTo>
+                    <a:pt x="30" y="148"/>
+                    <a:pt x="7" y="118"/>
+                    <a:pt x="4" y="78"/>
+                  </a:cubicBezTo>
+                  <a:cubicBezTo>
+                    <a:pt x="0" y="39"/>
+                    <a:pt x="18" y="5"/>
+                    <a:pt x="42" y="3"/>
+                  </a:cubicBezTo>
+                  <a:cubicBezTo>
+                    <a:pt x="67" y="0"/>
+                    <a:pt x="90" y="31"/>
+                    <a:pt x="93" y="70"/>
+                  </a:cubicBezTo>
+                  <a:close/>
+                </a:path>
+              </a:pathLst>
+            </a:custGeom>
+            <a:solidFill>
+              <a:srgbClr val="858585"/>
+            </a:solidFill>
+            <a:ln>
+              <a:noFill/>
+            </a:ln>
+            <a:extLst>
+              <a:ext uri="{91240B29-F687-4F45-9708-019B960494DF}">
+                <a14:hiddenLine xmlns:a14="http://schemas.microsoft.com/office/drawing/2010/main" w="9525">
+                  <a:solidFill>
+                    <a:srgbClr val="000000"/>
+                  </a:solidFill>
+                  <a:round/>
+                  <a:headEnd/>
+                  <a:tailEnd/>
+                </a14:hiddenLine>
+              </a:ext>
+            </a:extLst>
+          </p:spPr>
+          <p:txBody>
+            <a:bodyPr vert="horz" wrap="square" lIns="91440" tIns="45720" rIns="91440" bIns="45720" numCol="1" anchor="t" anchorCtr="0" compatLnSpc="1">
+              <a:prstTxWarp prst="textNoShape">
+                <a:avLst/>
+              </a:prstTxWarp>
+            </a:bodyPr>
+            <a:lstStyle/>
+            <a:p>
+              <a:endParaRPr lang="en-US"/>
+            </a:p>
+          </p:txBody>
+        </p:sp>
+        <p:sp>
+          <p:nvSpPr>
+            <p:cNvPr id="46" name="Freeform 404">
+              <a:extLst>
+                <a:ext uri="{FF2B5EF4-FFF2-40B4-BE49-F238E27FC236}">
+                  <a16:creationId xmlns:a16="http://schemas.microsoft.com/office/drawing/2014/main" id="{929EAA38-D0FF-A1D6-B819-0C9A4E13537E}"/>
+                </a:ext>
+              </a:extLst>
+            </p:cNvPr>
+            <p:cNvSpPr>
+              <a:spLocks/>
+            </p:cNvSpPr>
+            <p:nvPr/>
+          </p:nvSpPr>
+          <p:spPr bwMode="auto">
+            <a:xfrm>
+              <a:off x="9918701" y="2731293"/>
+              <a:ext cx="106363" cy="331788"/>
+            </a:xfrm>
+            <a:custGeom>
+              <a:avLst/>
+              <a:gdLst>
+                <a:gd name="T0" fmla="*/ 63 w 64"/>
+                <a:gd name="T1" fmla="*/ 170 h 198"/>
+                <a:gd name="T2" fmla="*/ 41 w 64"/>
+                <a:gd name="T3" fmla="*/ 197 h 198"/>
+                <a:gd name="T4" fmla="*/ 14 w 64"/>
+                <a:gd name="T5" fmla="*/ 174 h 198"/>
+                <a:gd name="T6" fmla="*/ 1 w 64"/>
+                <a:gd name="T7" fmla="*/ 28 h 198"/>
+                <a:gd name="T8" fmla="*/ 23 w 64"/>
+                <a:gd name="T9" fmla="*/ 1 h 198"/>
+                <a:gd name="T10" fmla="*/ 50 w 64"/>
+                <a:gd name="T11" fmla="*/ 24 h 198"/>
+                <a:gd name="T12" fmla="*/ 63 w 64"/>
+                <a:gd name="T13" fmla="*/ 170 h 198"/>
+              </a:gdLst>
+              <a:ahLst/>
+              <a:cxnLst>
+                <a:cxn ang="0">
+                  <a:pos x="T0" y="T1"/>
+                </a:cxn>
+                <a:cxn ang="0">
+                  <a:pos x="T2" y="T3"/>
+                </a:cxn>
+                <a:cxn ang="0">
+                  <a:pos x="T4" y="T5"/>
+                </a:cxn>
+                <a:cxn ang="0">
+                  <a:pos x="T6" y="T7"/>
+                </a:cxn>
+                <a:cxn ang="0">
+                  <a:pos x="T8" y="T9"/>
+                </a:cxn>
+                <a:cxn ang="0">
+                  <a:pos x="T10" y="T11"/>
+                </a:cxn>
+                <a:cxn ang="0">
+                  <a:pos x="T12" y="T13"/>
+                </a:cxn>
+              </a:cxnLst>
+              <a:rect l="0" t="0" r="r" b="b"/>
+              <a:pathLst>
+                <a:path w="64" h="198">
+                  <a:moveTo>
+                    <a:pt x="63" y="170"/>
+                  </a:moveTo>
+                  <a:cubicBezTo>
+                    <a:pt x="64" y="184"/>
+                    <a:pt x="54" y="196"/>
+                    <a:pt x="41" y="197"/>
+                  </a:cubicBezTo>
+                  <a:cubicBezTo>
+                    <a:pt x="27" y="198"/>
+                    <a:pt x="15" y="188"/>
+                    <a:pt x="14" y="174"/>
+                  </a:cubicBezTo>
+                  <a:cubicBezTo>
+                    <a:pt x="1" y="28"/>
+                    <a:pt x="1" y="28"/>
+                    <a:pt x="1" y="28"/>
+                  </a:cubicBezTo>
+                  <a:cubicBezTo>
+                    <a:pt x="0" y="15"/>
+                    <a:pt x="10" y="3"/>
+                    <a:pt x="23" y="1"/>
+                  </a:cubicBezTo>
+                  <a:cubicBezTo>
+                    <a:pt x="37" y="0"/>
+                    <a:pt x="49" y="10"/>
+                    <a:pt x="50" y="24"/>
+                  </a:cubicBezTo>
+                  <a:lnTo>
+                    <a:pt x="63" y="170"/>
+                  </a:lnTo>
+                  <a:close/>
+                </a:path>
+              </a:pathLst>
+            </a:custGeom>
+            <a:solidFill>
+              <a:srgbClr val="C9C9C9"/>
+            </a:solidFill>
+            <a:ln>
+              <a:noFill/>
+            </a:ln>
+            <a:extLst>
+              <a:ext uri="{91240B29-F687-4F45-9708-019B960494DF}">
+                <a14:hiddenLine xmlns:a14="http://schemas.microsoft.com/office/drawing/2010/main" w="9525">
+                  <a:solidFill>
+                    <a:srgbClr val="000000"/>
+                  </a:solidFill>
+                  <a:round/>
+                  <a:headEnd/>
+                  <a:tailEnd/>
+                </a14:hiddenLine>
+              </a:ext>
+            </a:extLst>
+          </p:spPr>
+          <p:txBody>
+            <a:bodyPr vert="horz" wrap="square" lIns="91440" tIns="45720" rIns="91440" bIns="45720" numCol="1" anchor="t" anchorCtr="0" compatLnSpc="1">
+              <a:prstTxWarp prst="textNoShape">
+                <a:avLst/>
+              </a:prstTxWarp>
+            </a:bodyPr>
+            <a:lstStyle/>
+            <a:p>
+              <a:endParaRPr lang="en-US"/>
+            </a:p>
+          </p:txBody>
+        </p:sp>
+        <p:sp>
+          <p:nvSpPr>
+            <p:cNvPr id="47" name="Freeform 405">
+              <a:extLst>
+                <a:ext uri="{FF2B5EF4-FFF2-40B4-BE49-F238E27FC236}">
+                  <a16:creationId xmlns:a16="http://schemas.microsoft.com/office/drawing/2014/main" id="{25FFED20-46F4-31EF-A28D-AF4AA57299BA}"/>
+                </a:ext>
+              </a:extLst>
+            </p:cNvPr>
+            <p:cNvSpPr>
+              <a:spLocks/>
+            </p:cNvSpPr>
+            <p:nvPr/>
+          </p:nvSpPr>
+          <p:spPr bwMode="auto">
+            <a:xfrm>
+              <a:off x="9961563" y="2680493"/>
+              <a:ext cx="146050" cy="436563"/>
+            </a:xfrm>
+            <a:custGeom>
+              <a:avLst/>
+              <a:gdLst>
+                <a:gd name="T0" fmla="*/ 85 w 87"/>
+                <a:gd name="T1" fmla="*/ 224 h 261"/>
+                <a:gd name="T2" fmla="*/ 55 w 87"/>
+                <a:gd name="T3" fmla="*/ 260 h 261"/>
+                <a:gd name="T4" fmla="*/ 19 w 87"/>
+                <a:gd name="T5" fmla="*/ 229 h 261"/>
+                <a:gd name="T6" fmla="*/ 2 w 87"/>
+                <a:gd name="T7" fmla="*/ 37 h 261"/>
+                <a:gd name="T8" fmla="*/ 32 w 87"/>
+                <a:gd name="T9" fmla="*/ 1 h 261"/>
+                <a:gd name="T10" fmla="*/ 68 w 87"/>
+                <a:gd name="T11" fmla="*/ 31 h 261"/>
+                <a:gd name="T12" fmla="*/ 85 w 87"/>
+                <a:gd name="T13" fmla="*/ 224 h 261"/>
+              </a:gdLst>
+              <a:ahLst/>
+              <a:cxnLst>
+                <a:cxn ang="0">
+                  <a:pos x="T0" y="T1"/>
+                </a:cxn>
+                <a:cxn ang="0">
+                  <a:pos x="T2" y="T3"/>
+                </a:cxn>
+                <a:cxn ang="0">
+                  <a:pos x="T4" y="T5"/>
+                </a:cxn>
+                <a:cxn ang="0">
+                  <a:pos x="T6" y="T7"/>
+                </a:cxn>
+                <a:cxn ang="0">
+                  <a:pos x="T8" y="T9"/>
+                </a:cxn>
+                <a:cxn ang="0">
+                  <a:pos x="T10" y="T11"/>
+                </a:cxn>
+                <a:cxn ang="0">
+                  <a:pos x="T12" y="T13"/>
+                </a:cxn>
+              </a:cxnLst>
+              <a:rect l="0" t="0" r="r" b="b"/>
+              <a:pathLst>
+                <a:path w="87" h="261">
+                  <a:moveTo>
+                    <a:pt x="85" y="224"/>
+                  </a:moveTo>
+                  <a:cubicBezTo>
+                    <a:pt x="87" y="242"/>
+                    <a:pt x="73" y="258"/>
+                    <a:pt x="55" y="260"/>
+                  </a:cubicBezTo>
+                  <a:cubicBezTo>
+                    <a:pt x="37" y="261"/>
+                    <a:pt x="21" y="248"/>
+                    <a:pt x="19" y="229"/>
+                  </a:cubicBezTo>
+                  <a:cubicBezTo>
+                    <a:pt x="2" y="37"/>
+                    <a:pt x="2" y="37"/>
+                    <a:pt x="2" y="37"/>
+                  </a:cubicBezTo>
+                  <a:cubicBezTo>
+                    <a:pt x="0" y="19"/>
+                    <a:pt x="14" y="3"/>
+                    <a:pt x="32" y="1"/>
+                  </a:cubicBezTo>
+                  <a:cubicBezTo>
+                    <a:pt x="51" y="0"/>
+                    <a:pt x="67" y="13"/>
+                    <a:pt x="68" y="31"/>
+                  </a:cubicBezTo>
+                  <a:lnTo>
+                    <a:pt x="85" y="224"/>
+                  </a:lnTo>
+                  <a:close/>
+                </a:path>
+              </a:pathLst>
+            </a:custGeom>
+            <a:solidFill>
+              <a:srgbClr val="232323"/>
+            </a:solidFill>
+            <a:ln>
+              <a:noFill/>
+            </a:ln>
+            <a:extLst>
+              <a:ext uri="{91240B29-F687-4F45-9708-019B960494DF}">
+                <a14:hiddenLine xmlns:a14="http://schemas.microsoft.com/office/drawing/2010/main" w="9525">
+                  <a:solidFill>
+                    <a:srgbClr val="000000"/>
+                  </a:solidFill>
+                  <a:round/>
+                  <a:headEnd/>
+                  <a:tailEnd/>
+                </a14:hiddenLine>
+              </a:ext>
+            </a:extLst>
+          </p:spPr>
+          <p:txBody>
+            <a:bodyPr vert="horz" wrap="square" lIns="91440" tIns="45720" rIns="91440" bIns="45720" numCol="1" anchor="t" anchorCtr="0" compatLnSpc="1">
+              <a:prstTxWarp prst="textNoShape">
+                <a:avLst/>
+              </a:prstTxWarp>
+            </a:bodyPr>
+            <a:lstStyle/>
+            <a:p>
+              <a:endParaRPr lang="en-US"/>
+            </a:p>
+          </p:txBody>
+        </p:sp>
+        <p:sp>
+          <p:nvSpPr>
+            <p:cNvPr id="48" name="Freeform 407">
+              <a:extLst>
+                <a:ext uri="{FF2B5EF4-FFF2-40B4-BE49-F238E27FC236}">
+                  <a16:creationId xmlns:a16="http://schemas.microsoft.com/office/drawing/2014/main" id="{3B080F6B-D1C8-E5D2-1236-0D7CFCF5CC50}"/>
+                </a:ext>
+              </a:extLst>
+            </p:cNvPr>
+            <p:cNvSpPr>
+              <a:spLocks/>
+            </p:cNvSpPr>
+            <p:nvPr/>
+          </p:nvSpPr>
+          <p:spPr bwMode="auto">
+            <a:xfrm>
+              <a:off x="10723563" y="2777330"/>
+              <a:ext cx="161925" cy="247650"/>
+            </a:xfrm>
+            <a:custGeom>
+              <a:avLst/>
+              <a:gdLst>
+                <a:gd name="T0" fmla="*/ 4 w 97"/>
+                <a:gd name="T1" fmla="*/ 70 h 148"/>
+                <a:gd name="T2" fmla="*/ 42 w 97"/>
+                <a:gd name="T3" fmla="*/ 146 h 148"/>
+                <a:gd name="T4" fmla="*/ 93 w 97"/>
+                <a:gd name="T5" fmla="*/ 78 h 148"/>
+                <a:gd name="T6" fmla="*/ 55 w 97"/>
+                <a:gd name="T7" fmla="*/ 3 h 148"/>
+                <a:gd name="T8" fmla="*/ 4 w 97"/>
+                <a:gd name="T9" fmla="*/ 70 h 148"/>
+              </a:gdLst>
+              <a:ahLst/>
+              <a:cxnLst>
+                <a:cxn ang="0">
+                  <a:pos x="T0" y="T1"/>
+                </a:cxn>
+                <a:cxn ang="0">
+                  <a:pos x="T2" y="T3"/>
+                </a:cxn>
+                <a:cxn ang="0">
+                  <a:pos x="T4" y="T5"/>
+                </a:cxn>
+                <a:cxn ang="0">
+                  <a:pos x="T6" y="T7"/>
+                </a:cxn>
+                <a:cxn ang="0">
+                  <a:pos x="T8" y="T9"/>
+                </a:cxn>
+              </a:cxnLst>
+              <a:rect l="0" t="0" r="r" b="b"/>
+              <a:pathLst>
+                <a:path w="97" h="148">
+                  <a:moveTo>
+                    <a:pt x="4" y="70"/>
+                  </a:moveTo>
+                  <a:cubicBezTo>
+                    <a:pt x="0" y="110"/>
+                    <a:pt x="18" y="144"/>
+                    <a:pt x="42" y="146"/>
+                  </a:cubicBezTo>
+                  <a:cubicBezTo>
+                    <a:pt x="67" y="148"/>
+                    <a:pt x="90" y="118"/>
+                    <a:pt x="93" y="78"/>
+                  </a:cubicBezTo>
+                  <a:cubicBezTo>
+                    <a:pt x="97" y="39"/>
+                    <a:pt x="80" y="5"/>
+                    <a:pt x="55" y="3"/>
+                  </a:cubicBezTo>
+                  <a:cubicBezTo>
+                    <a:pt x="30" y="0"/>
+                    <a:pt x="7" y="31"/>
+                    <a:pt x="4" y="70"/>
+                  </a:cubicBezTo>
+                  <a:close/>
+                </a:path>
+              </a:pathLst>
+            </a:custGeom>
+            <a:solidFill>
+              <a:srgbClr val="656565"/>
+            </a:solidFill>
+            <a:ln>
+              <a:noFill/>
+            </a:ln>
+            <a:extLst>
+              <a:ext uri="{91240B29-F687-4F45-9708-019B960494DF}">
+                <a14:hiddenLine xmlns:a14="http://schemas.microsoft.com/office/drawing/2010/main" w="9525">
+                  <a:solidFill>
+                    <a:srgbClr val="000000"/>
+                  </a:solidFill>
+                  <a:round/>
+                  <a:headEnd/>
+                  <a:tailEnd/>
+                </a14:hiddenLine>
+              </a:ext>
+            </a:extLst>
+          </p:spPr>
+          <p:txBody>
+            <a:bodyPr vert="horz" wrap="square" lIns="91440" tIns="45720" rIns="91440" bIns="45720" numCol="1" anchor="t" anchorCtr="0" compatLnSpc="1">
+              <a:prstTxWarp prst="textNoShape">
+                <a:avLst/>
+              </a:prstTxWarp>
+            </a:bodyPr>
+            <a:lstStyle/>
+            <a:p>
+              <a:endParaRPr lang="en-US"/>
+            </a:p>
+          </p:txBody>
+        </p:sp>
+        <p:sp>
+          <p:nvSpPr>
+            <p:cNvPr id="49" name="Freeform 408">
+              <a:extLst>
+                <a:ext uri="{FF2B5EF4-FFF2-40B4-BE49-F238E27FC236}">
+                  <a16:creationId xmlns:a16="http://schemas.microsoft.com/office/drawing/2014/main" id="{12D9B886-3DF7-C320-722A-7CB0FEA0B831}"/>
+                </a:ext>
+              </a:extLst>
+            </p:cNvPr>
+            <p:cNvSpPr>
+              <a:spLocks/>
+            </p:cNvSpPr>
+            <p:nvPr/>
+          </p:nvSpPr>
+          <p:spPr bwMode="auto">
+            <a:xfrm>
+              <a:off x="10729913" y="2731293"/>
+              <a:ext cx="107950" cy="331788"/>
+            </a:xfrm>
+            <a:custGeom>
+              <a:avLst/>
+              <a:gdLst>
+                <a:gd name="T0" fmla="*/ 1 w 64"/>
+                <a:gd name="T1" fmla="*/ 170 h 198"/>
+                <a:gd name="T2" fmla="*/ 24 w 64"/>
+                <a:gd name="T3" fmla="*/ 197 h 198"/>
+                <a:gd name="T4" fmla="*/ 50 w 64"/>
+                <a:gd name="T5" fmla="*/ 174 h 198"/>
+                <a:gd name="T6" fmla="*/ 63 w 64"/>
+                <a:gd name="T7" fmla="*/ 28 h 198"/>
+                <a:gd name="T8" fmla="*/ 41 w 64"/>
+                <a:gd name="T9" fmla="*/ 1 h 198"/>
+                <a:gd name="T10" fmla="*/ 14 w 64"/>
+                <a:gd name="T11" fmla="*/ 24 h 198"/>
+                <a:gd name="T12" fmla="*/ 1 w 64"/>
+                <a:gd name="T13" fmla="*/ 170 h 198"/>
+              </a:gdLst>
+              <a:ahLst/>
+              <a:cxnLst>
+                <a:cxn ang="0">
+                  <a:pos x="T0" y="T1"/>
+                </a:cxn>
+                <a:cxn ang="0">
+                  <a:pos x="T2" y="T3"/>
+                </a:cxn>
+                <a:cxn ang="0">
+                  <a:pos x="T4" y="T5"/>
+                </a:cxn>
+                <a:cxn ang="0">
+                  <a:pos x="T6" y="T7"/>
+                </a:cxn>
+                <a:cxn ang="0">
+                  <a:pos x="T8" y="T9"/>
+                </a:cxn>
+                <a:cxn ang="0">
+                  <a:pos x="T10" y="T11"/>
+                </a:cxn>
+                <a:cxn ang="0">
+                  <a:pos x="T12" y="T13"/>
+                </a:cxn>
+              </a:cxnLst>
+              <a:rect l="0" t="0" r="r" b="b"/>
+              <a:pathLst>
+                <a:path w="64" h="198">
+                  <a:moveTo>
+                    <a:pt x="1" y="170"/>
+                  </a:moveTo>
+                  <a:cubicBezTo>
+                    <a:pt x="0" y="184"/>
+                    <a:pt x="10" y="196"/>
+                    <a:pt x="24" y="197"/>
+                  </a:cubicBezTo>
+                  <a:cubicBezTo>
+                    <a:pt x="37" y="198"/>
+                    <a:pt x="49" y="188"/>
+                    <a:pt x="50" y="174"/>
+                  </a:cubicBezTo>
+                  <a:cubicBezTo>
+                    <a:pt x="63" y="28"/>
+                    <a:pt x="63" y="28"/>
+                    <a:pt x="63" y="28"/>
+                  </a:cubicBezTo>
+                  <a:cubicBezTo>
+                    <a:pt x="64" y="15"/>
+                    <a:pt x="54" y="3"/>
+                    <a:pt x="41" y="1"/>
+                  </a:cubicBezTo>
+                  <a:cubicBezTo>
+                    <a:pt x="27" y="0"/>
+                    <a:pt x="16" y="10"/>
+                    <a:pt x="14" y="24"/>
+                  </a:cubicBezTo>
+                  <a:lnTo>
+                    <a:pt x="1" y="170"/>
+                  </a:lnTo>
+                  <a:close/>
+                </a:path>
+              </a:pathLst>
+            </a:custGeom>
+            <a:solidFill>
+              <a:srgbClr val="C9C9C9"/>
+            </a:solidFill>
+            <a:ln>
+              <a:noFill/>
+            </a:ln>
+            <a:extLst>
+              <a:ext uri="{91240B29-F687-4F45-9708-019B960494DF}">
+                <a14:hiddenLine xmlns:a14="http://schemas.microsoft.com/office/drawing/2010/main" w="9525">
+                  <a:solidFill>
+                    <a:srgbClr val="000000"/>
+                  </a:solidFill>
+                  <a:round/>
+                  <a:headEnd/>
+                  <a:tailEnd/>
+                </a14:hiddenLine>
+              </a:ext>
+            </a:extLst>
+          </p:spPr>
+          <p:txBody>
+            <a:bodyPr vert="horz" wrap="square" lIns="91440" tIns="45720" rIns="91440" bIns="45720" numCol="1" anchor="t" anchorCtr="0" compatLnSpc="1">
+              <a:prstTxWarp prst="textNoShape">
+                <a:avLst/>
+              </a:prstTxWarp>
+            </a:bodyPr>
+            <a:lstStyle/>
+            <a:p>
+              <a:endParaRPr lang="en-US"/>
+            </a:p>
+          </p:txBody>
+        </p:sp>
+        <p:sp>
+          <p:nvSpPr>
+            <p:cNvPr id="50" name="Freeform 409">
+              <a:extLst>
+                <a:ext uri="{FF2B5EF4-FFF2-40B4-BE49-F238E27FC236}">
+                  <a16:creationId xmlns:a16="http://schemas.microsoft.com/office/drawing/2014/main" id="{1FF2B2A0-5098-C3CF-0C06-C245D61FF895}"/>
+                </a:ext>
+              </a:extLst>
+            </p:cNvPr>
+            <p:cNvSpPr>
+              <a:spLocks/>
+            </p:cNvSpPr>
+            <p:nvPr/>
+          </p:nvSpPr>
+          <p:spPr bwMode="auto">
+            <a:xfrm>
+              <a:off x="10648951" y="2680493"/>
+              <a:ext cx="144463" cy="436563"/>
+            </a:xfrm>
+            <a:custGeom>
+              <a:avLst/>
+              <a:gdLst>
+                <a:gd name="T0" fmla="*/ 2 w 87"/>
+                <a:gd name="T1" fmla="*/ 224 h 261"/>
+                <a:gd name="T2" fmla="*/ 32 w 87"/>
+                <a:gd name="T3" fmla="*/ 260 h 261"/>
+                <a:gd name="T4" fmla="*/ 68 w 87"/>
+                <a:gd name="T5" fmla="*/ 229 h 261"/>
+                <a:gd name="T6" fmla="*/ 85 w 87"/>
+                <a:gd name="T7" fmla="*/ 37 h 261"/>
+                <a:gd name="T8" fmla="*/ 55 w 87"/>
+                <a:gd name="T9" fmla="*/ 1 h 261"/>
+                <a:gd name="T10" fmla="*/ 19 w 87"/>
+                <a:gd name="T11" fmla="*/ 31 h 261"/>
+                <a:gd name="T12" fmla="*/ 2 w 87"/>
+                <a:gd name="T13" fmla="*/ 224 h 261"/>
+              </a:gdLst>
+              <a:ahLst/>
+              <a:cxnLst>
+                <a:cxn ang="0">
+                  <a:pos x="T0" y="T1"/>
+                </a:cxn>
+                <a:cxn ang="0">
+                  <a:pos x="T2" y="T3"/>
+                </a:cxn>
+                <a:cxn ang="0">
+                  <a:pos x="T4" y="T5"/>
+                </a:cxn>
+                <a:cxn ang="0">
+                  <a:pos x="T6" y="T7"/>
+                </a:cxn>
+                <a:cxn ang="0">
+                  <a:pos x="T8" y="T9"/>
+                </a:cxn>
+                <a:cxn ang="0">
+                  <a:pos x="T10" y="T11"/>
+                </a:cxn>
+                <a:cxn ang="0">
+                  <a:pos x="T12" y="T13"/>
+                </a:cxn>
+              </a:cxnLst>
+              <a:rect l="0" t="0" r="r" b="b"/>
+              <a:pathLst>
+                <a:path w="87" h="261">
+                  <a:moveTo>
+                    <a:pt x="2" y="224"/>
+                  </a:moveTo>
+                  <a:cubicBezTo>
+                    <a:pt x="0" y="242"/>
+                    <a:pt x="14" y="258"/>
+                    <a:pt x="32" y="260"/>
+                  </a:cubicBezTo>
+                  <a:cubicBezTo>
+                    <a:pt x="50" y="261"/>
+                    <a:pt x="67" y="248"/>
+                    <a:pt x="68" y="229"/>
+                  </a:cubicBezTo>
+                  <a:cubicBezTo>
+                    <a:pt x="85" y="37"/>
+                    <a:pt x="85" y="37"/>
+                    <a:pt x="85" y="37"/>
+                  </a:cubicBezTo>
+                  <a:cubicBezTo>
+                    <a:pt x="87" y="19"/>
+                    <a:pt x="73" y="3"/>
+                    <a:pt x="55" y="1"/>
+                  </a:cubicBezTo>
+                  <a:cubicBezTo>
+                    <a:pt x="37" y="0"/>
+                    <a:pt x="20" y="13"/>
+                    <a:pt x="19" y="31"/>
+                  </a:cubicBezTo>
+                  <a:lnTo>
+                    <a:pt x="2" y="224"/>
+                  </a:lnTo>
+                  <a:close/>
+                </a:path>
+              </a:pathLst>
+            </a:custGeom>
+            <a:solidFill>
+              <a:srgbClr val="232323"/>
+            </a:solidFill>
+            <a:ln>
+              <a:noFill/>
+            </a:ln>
+            <a:extLst>
+              <a:ext uri="{91240B29-F687-4F45-9708-019B960494DF}">
+                <a14:hiddenLine xmlns:a14="http://schemas.microsoft.com/office/drawing/2010/main" w="9525">
+                  <a:solidFill>
+                    <a:srgbClr val="000000"/>
+                  </a:solidFill>
+                  <a:round/>
+                  <a:headEnd/>
+                  <a:tailEnd/>
+                </a14:hiddenLine>
+              </a:ext>
+            </a:extLst>
+          </p:spPr>
+          <p:txBody>
+            <a:bodyPr vert="horz" wrap="square" lIns="91440" tIns="45720" rIns="91440" bIns="45720" numCol="1" anchor="t" anchorCtr="0" compatLnSpc="1">
+              <a:prstTxWarp prst="textNoShape">
+                <a:avLst/>
+              </a:prstTxWarp>
+            </a:bodyPr>
+            <a:lstStyle/>
+            <a:p>
+              <a:endParaRPr lang="en-US"/>
+            </a:p>
+          </p:txBody>
+        </p:sp>
+      </p:grpSp>
+      <p:grpSp>
+        <p:nvGrpSpPr>
+          <p:cNvPr id="60" name="组合 354">
+            <a:extLst>
+              <a:ext uri="{FF2B5EF4-FFF2-40B4-BE49-F238E27FC236}">
+                <a16:creationId xmlns:a16="http://schemas.microsoft.com/office/drawing/2014/main" id="{75915139-7E86-E0AB-1597-F09BD5503B5D}"/>
+              </a:ext>
+            </a:extLst>
+          </p:cNvPr>
+          <p:cNvGrpSpPr/>
+          <p:nvPr/>
+        </p:nvGrpSpPr>
+        <p:grpSpPr>
+          <a:xfrm>
+            <a:off x="5637213" y="4046602"/>
+            <a:ext cx="962026" cy="750888"/>
+            <a:chOff x="4935538" y="1011238"/>
+            <a:chExt cx="962026" cy="750888"/>
+          </a:xfrm>
+        </p:grpSpPr>
+        <p:sp>
+          <p:nvSpPr>
+            <p:cNvPr id="61" name="Rectangle 54">
+              <a:extLst>
+                <a:ext uri="{FF2B5EF4-FFF2-40B4-BE49-F238E27FC236}">
+                  <a16:creationId xmlns:a16="http://schemas.microsoft.com/office/drawing/2014/main" id="{8250F1D5-7D64-88B3-A87B-58026C035F23}"/>
+                </a:ext>
+              </a:extLst>
+            </p:cNvPr>
+            <p:cNvSpPr>
+              <a:spLocks noChangeArrowheads="1"/>
+            </p:cNvSpPr>
+            <p:nvPr/>
+          </p:nvSpPr>
+          <p:spPr bwMode="auto">
+            <a:xfrm>
+              <a:off x="5761038" y="1447800"/>
+              <a:ext cx="76200" cy="300038"/>
+            </a:xfrm>
+            <a:prstGeom prst="rect">
+              <a:avLst/>
+            </a:prstGeom>
+            <a:solidFill>
+              <a:srgbClr val="41C19D"/>
+            </a:solidFill>
+            <a:ln>
+              <a:noFill/>
+            </a:ln>
+            <a:extLst>
+              <a:ext uri="{91240B29-F687-4F45-9708-019B960494DF}">
+                <a14:hiddenLine xmlns:a14="http://schemas.microsoft.com/office/drawing/2010/main" w="9525">
+                  <a:solidFill>
+                    <a:srgbClr val="000000"/>
+                  </a:solidFill>
+                  <a:miter lim="800000"/>
+                  <a:headEnd/>
+                  <a:tailEnd/>
+                </a14:hiddenLine>
+              </a:ext>
+            </a:extLst>
+          </p:spPr>
+          <p:txBody>
+            <a:bodyPr vert="horz" wrap="square" lIns="91440" tIns="45720" rIns="91440" bIns="45720" numCol="1" anchor="t" anchorCtr="0" compatLnSpc="1">
+              <a:prstTxWarp prst="textNoShape">
+                <a:avLst/>
+              </a:prstTxWarp>
+            </a:bodyPr>
+            <a:lstStyle/>
+            <a:p>
+              <a:endParaRPr lang="zh-CN" altLang="en-US"/>
+            </a:p>
+          </p:txBody>
+        </p:sp>
+        <p:sp>
+          <p:nvSpPr>
+            <p:cNvPr id="62" name="Freeform 55">
+              <a:extLst>
+                <a:ext uri="{FF2B5EF4-FFF2-40B4-BE49-F238E27FC236}">
+                  <a16:creationId xmlns:a16="http://schemas.microsoft.com/office/drawing/2014/main" id="{10E5B11A-40A2-ED72-FE00-3BF71E55C8D7}"/>
+                </a:ext>
+              </a:extLst>
+            </p:cNvPr>
+            <p:cNvSpPr>
+              <a:spLocks/>
+            </p:cNvSpPr>
+            <p:nvPr/>
+          </p:nvSpPr>
+          <p:spPr bwMode="auto">
+            <a:xfrm>
+              <a:off x="5837238" y="1447800"/>
+              <a:ext cx="30163" cy="28575"/>
+            </a:xfrm>
+            <a:custGeom>
+              <a:avLst/>
+              <a:gdLst>
+                <a:gd name="T0" fmla="*/ 8 w 8"/>
+                <a:gd name="T1" fmla="*/ 8 h 8"/>
+                <a:gd name="T2" fmla="*/ 0 w 8"/>
+                <a:gd name="T3" fmla="*/ 0 h 8"/>
+                <a:gd name="T4" fmla="*/ 0 w 8"/>
+                <a:gd name="T5" fmla="*/ 8 h 8"/>
+                <a:gd name="T6" fmla="*/ 8 w 8"/>
+                <a:gd name="T7" fmla="*/ 8 h 8"/>
+              </a:gdLst>
+              <a:ahLst/>
+              <a:cxnLst>
+                <a:cxn ang="0">
+                  <a:pos x="T0" y="T1"/>
+                </a:cxn>
+                <a:cxn ang="0">
+                  <a:pos x="T2" y="T3"/>
+                </a:cxn>
+                <a:cxn ang="0">
+                  <a:pos x="T4" y="T5"/>
+                </a:cxn>
+                <a:cxn ang="0">
+                  <a:pos x="T6" y="T7"/>
+                </a:cxn>
+              </a:cxnLst>
+              <a:rect l="0" t="0" r="r" b="b"/>
+              <a:pathLst>
+                <a:path w="8" h="8">
+                  <a:moveTo>
+                    <a:pt x="8" y="8"/>
+                  </a:moveTo>
+                  <a:cubicBezTo>
+                    <a:pt x="8" y="4"/>
+                    <a:pt x="4" y="0"/>
+                    <a:pt x="0" y="0"/>
+                  </a:cubicBezTo>
+                  <a:cubicBezTo>
+                    <a:pt x="0" y="8"/>
+                    <a:pt x="0" y="8"/>
+                    <a:pt x="0" y="8"/>
+                  </a:cubicBezTo>
+                  <a:lnTo>
+                    <a:pt x="8" y="8"/>
+                  </a:lnTo>
+                  <a:close/>
+                </a:path>
+              </a:pathLst>
+            </a:custGeom>
+            <a:solidFill>
+              <a:srgbClr val="41C19D"/>
+            </a:solidFill>
+            <a:ln>
+              <a:noFill/>
+            </a:ln>
+            <a:extLst>
+              <a:ext uri="{91240B29-F687-4F45-9708-019B960494DF}">
+                <a14:hiddenLine xmlns:a14="http://schemas.microsoft.com/office/drawing/2010/main" w="9525">
+                  <a:solidFill>
+                    <a:srgbClr val="000000"/>
+                  </a:solidFill>
+                  <a:round/>
+                  <a:headEnd/>
+                  <a:tailEnd/>
+                </a14:hiddenLine>
+              </a:ext>
+            </a:extLst>
+          </p:spPr>
+          <p:txBody>
+            <a:bodyPr vert="horz" wrap="square" lIns="91440" tIns="45720" rIns="91440" bIns="45720" numCol="1" anchor="t" anchorCtr="0" compatLnSpc="1">
+              <a:prstTxWarp prst="textNoShape">
+                <a:avLst/>
+              </a:prstTxWarp>
+            </a:bodyPr>
+            <a:lstStyle/>
+            <a:p>
+              <a:endParaRPr lang="zh-CN" altLang="en-US"/>
+            </a:p>
+          </p:txBody>
+        </p:sp>
+        <p:sp>
+          <p:nvSpPr>
+            <p:cNvPr id="63" name="Freeform 56">
+              <a:extLst>
+                <a:ext uri="{FF2B5EF4-FFF2-40B4-BE49-F238E27FC236}">
+                  <a16:creationId xmlns:a16="http://schemas.microsoft.com/office/drawing/2014/main" id="{95429944-EAC6-BAED-CDBE-A90CCFB72648}"/>
+                </a:ext>
+              </a:extLst>
+            </p:cNvPr>
+            <p:cNvSpPr>
+              <a:spLocks/>
+            </p:cNvSpPr>
+            <p:nvPr/>
+          </p:nvSpPr>
+          <p:spPr bwMode="auto">
+            <a:xfrm>
+              <a:off x="5837238" y="1717675"/>
+              <a:ext cx="30163" cy="30163"/>
+            </a:xfrm>
+            <a:custGeom>
+              <a:avLst/>
+              <a:gdLst>
+                <a:gd name="T0" fmla="*/ 0 w 8"/>
+                <a:gd name="T1" fmla="*/ 8 h 8"/>
+                <a:gd name="T2" fmla="*/ 8 w 8"/>
+                <a:gd name="T3" fmla="*/ 0 h 8"/>
+                <a:gd name="T4" fmla="*/ 0 w 8"/>
+                <a:gd name="T5" fmla="*/ 0 h 8"/>
+                <a:gd name="T6" fmla="*/ 0 w 8"/>
+                <a:gd name="T7" fmla="*/ 8 h 8"/>
+              </a:gdLst>
+              <a:ahLst/>
+              <a:cxnLst>
+                <a:cxn ang="0">
+                  <a:pos x="T0" y="T1"/>
+                </a:cxn>
+                <a:cxn ang="0">
+                  <a:pos x="T2" y="T3"/>
+                </a:cxn>
+                <a:cxn ang="0">
+                  <a:pos x="T4" y="T5"/>
+                </a:cxn>
+                <a:cxn ang="0">
+                  <a:pos x="T6" y="T7"/>
+                </a:cxn>
+              </a:cxnLst>
+              <a:rect l="0" t="0" r="r" b="b"/>
+              <a:pathLst>
+                <a:path w="8" h="8">
+                  <a:moveTo>
+                    <a:pt x="0" y="8"/>
+                  </a:moveTo>
+                  <a:cubicBezTo>
+                    <a:pt x="4" y="8"/>
+                    <a:pt x="8" y="4"/>
+                    <a:pt x="8" y="0"/>
+                  </a:cubicBezTo>
+                  <a:cubicBezTo>
+                    <a:pt x="0" y="0"/>
+                    <a:pt x="0" y="0"/>
+                    <a:pt x="0" y="0"/>
+                  </a:cubicBezTo>
+                  <a:lnTo>
+                    <a:pt x="0" y="8"/>
+                  </a:lnTo>
+                  <a:close/>
+                </a:path>
+              </a:pathLst>
+            </a:custGeom>
+            <a:solidFill>
+              <a:srgbClr val="41C19D"/>
+            </a:solidFill>
+            <a:ln>
+              <a:noFill/>
+            </a:ln>
+            <a:extLst>
+              <a:ext uri="{91240B29-F687-4F45-9708-019B960494DF}">
+                <a14:hiddenLine xmlns:a14="http://schemas.microsoft.com/office/drawing/2010/main" w="9525">
+                  <a:solidFill>
+                    <a:srgbClr val="000000"/>
+                  </a:solidFill>
+                  <a:round/>
+                  <a:headEnd/>
+                  <a:tailEnd/>
+                </a14:hiddenLine>
+              </a:ext>
+            </a:extLst>
+          </p:spPr>
+          <p:txBody>
+            <a:bodyPr vert="horz" wrap="square" lIns="91440" tIns="45720" rIns="91440" bIns="45720" numCol="1" anchor="t" anchorCtr="0" compatLnSpc="1">
+              <a:prstTxWarp prst="textNoShape">
+                <a:avLst/>
+              </a:prstTxWarp>
+            </a:bodyPr>
+            <a:lstStyle/>
+            <a:p>
+              <a:endParaRPr lang="zh-CN" altLang="en-US"/>
+            </a:p>
+          </p:txBody>
+        </p:sp>
+        <p:sp>
+          <p:nvSpPr>
+            <p:cNvPr id="64" name="Rectangle 57">
+              <a:extLst>
+                <a:ext uri="{FF2B5EF4-FFF2-40B4-BE49-F238E27FC236}">
+                  <a16:creationId xmlns:a16="http://schemas.microsoft.com/office/drawing/2014/main" id="{C0EAE7E3-2F57-37CC-344B-1E8E25B123D1}"/>
+                </a:ext>
+              </a:extLst>
+            </p:cNvPr>
+            <p:cNvSpPr>
+              <a:spLocks noChangeArrowheads="1"/>
+            </p:cNvSpPr>
+            <p:nvPr/>
+          </p:nvSpPr>
+          <p:spPr bwMode="auto">
+            <a:xfrm>
+              <a:off x="5837238" y="1476375"/>
+              <a:ext cx="30163" cy="241300"/>
+            </a:xfrm>
+            <a:prstGeom prst="rect">
+              <a:avLst/>
+            </a:prstGeom>
+            <a:solidFill>
+              <a:srgbClr val="41C19D"/>
+            </a:solidFill>
+            <a:ln>
+              <a:noFill/>
+            </a:ln>
+            <a:extLst>
+              <a:ext uri="{91240B29-F687-4F45-9708-019B960494DF}">
+                <a14:hiddenLine xmlns:a14="http://schemas.microsoft.com/office/drawing/2010/main" w="9525">
+                  <a:solidFill>
+                    <a:srgbClr val="000000"/>
+                  </a:solidFill>
+                  <a:miter lim="800000"/>
+                  <a:headEnd/>
+                  <a:tailEnd/>
+                </a14:hiddenLine>
+              </a:ext>
+            </a:extLst>
+          </p:spPr>
+          <p:txBody>
+            <a:bodyPr vert="horz" wrap="square" lIns="91440" tIns="45720" rIns="91440" bIns="45720" numCol="1" anchor="t" anchorCtr="0" compatLnSpc="1">
+              <a:prstTxWarp prst="textNoShape">
+                <a:avLst/>
+              </a:prstTxWarp>
+            </a:bodyPr>
+            <a:lstStyle/>
+            <a:p>
+              <a:endParaRPr lang="zh-CN" altLang="en-US"/>
+            </a:p>
+          </p:txBody>
+        </p:sp>
+        <p:sp>
+          <p:nvSpPr>
+            <p:cNvPr id="65" name="Rectangle 58">
+              <a:extLst>
+                <a:ext uri="{FF2B5EF4-FFF2-40B4-BE49-F238E27FC236}">
+                  <a16:creationId xmlns:a16="http://schemas.microsoft.com/office/drawing/2014/main" id="{20E3AE4E-756C-C8C1-1F3C-04F89670A020}"/>
+                </a:ext>
+              </a:extLst>
+            </p:cNvPr>
+            <p:cNvSpPr>
+              <a:spLocks noChangeArrowheads="1"/>
+            </p:cNvSpPr>
+            <p:nvPr/>
+          </p:nvSpPr>
+          <p:spPr bwMode="auto">
+            <a:xfrm>
+              <a:off x="5730876" y="1447800"/>
+              <a:ext cx="30163" cy="300038"/>
+            </a:xfrm>
+            <a:prstGeom prst="rect">
+              <a:avLst/>
+            </a:prstGeom>
+            <a:solidFill>
+              <a:srgbClr val="3FA49A"/>
+            </a:solidFill>
+            <a:ln>
+              <a:noFill/>
+            </a:ln>
+            <a:extLst>
+              <a:ext uri="{91240B29-F687-4F45-9708-019B960494DF}">
+                <a14:hiddenLine xmlns:a14="http://schemas.microsoft.com/office/drawing/2010/main" w="9525">
+                  <a:solidFill>
+                    <a:srgbClr val="000000"/>
+                  </a:solidFill>
+                  <a:miter lim="800000"/>
+                  <a:headEnd/>
+                  <a:tailEnd/>
+                </a14:hiddenLine>
+              </a:ext>
+            </a:extLst>
+          </p:spPr>
+          <p:txBody>
+            <a:bodyPr vert="horz" wrap="square" lIns="91440" tIns="45720" rIns="91440" bIns="45720" numCol="1" anchor="t" anchorCtr="0" compatLnSpc="1">
+              <a:prstTxWarp prst="textNoShape">
+                <a:avLst/>
+              </a:prstTxWarp>
+            </a:bodyPr>
+            <a:lstStyle/>
+            <a:p>
+              <a:endParaRPr lang="zh-CN" altLang="en-US"/>
+            </a:p>
+          </p:txBody>
+        </p:sp>
+        <p:sp>
+          <p:nvSpPr>
+            <p:cNvPr id="66" name="Rectangle 59">
+              <a:extLst>
+                <a:ext uri="{FF2B5EF4-FFF2-40B4-BE49-F238E27FC236}">
+                  <a16:creationId xmlns:a16="http://schemas.microsoft.com/office/drawing/2014/main" id="{22E0C566-CC00-BA4A-7AF9-CA9219E9D32A}"/>
+                </a:ext>
+              </a:extLst>
+            </p:cNvPr>
+            <p:cNvSpPr>
+              <a:spLocks noChangeArrowheads="1"/>
+            </p:cNvSpPr>
+            <p:nvPr/>
+          </p:nvSpPr>
+          <p:spPr bwMode="auto">
+            <a:xfrm>
+              <a:off x="5867401" y="1506538"/>
+              <a:ext cx="30163" cy="180975"/>
+            </a:xfrm>
+            <a:prstGeom prst="rect">
+              <a:avLst/>
+            </a:prstGeom>
+            <a:solidFill>
+              <a:srgbClr val="33495B"/>
+            </a:solidFill>
+            <a:ln>
+              <a:noFill/>
+            </a:ln>
+            <a:extLst>
+              <a:ext uri="{91240B29-F687-4F45-9708-019B960494DF}">
+                <a14:hiddenLine xmlns:a14="http://schemas.microsoft.com/office/drawing/2010/main" w="9525">
+                  <a:solidFill>
+                    <a:srgbClr val="000000"/>
+                  </a:solidFill>
+                  <a:miter lim="800000"/>
+                  <a:headEnd/>
+                  <a:tailEnd/>
+                </a14:hiddenLine>
+              </a:ext>
+            </a:extLst>
+          </p:spPr>
+          <p:txBody>
+            <a:bodyPr vert="horz" wrap="square" lIns="91440" tIns="45720" rIns="91440" bIns="45720" numCol="1" anchor="t" anchorCtr="0" compatLnSpc="1">
+              <a:prstTxWarp prst="textNoShape">
+                <a:avLst/>
+              </a:prstTxWarp>
+            </a:bodyPr>
+            <a:lstStyle/>
+            <a:p>
+              <a:endParaRPr lang="zh-CN" altLang="en-US"/>
+            </a:p>
+          </p:txBody>
+        </p:sp>
+        <p:sp>
+          <p:nvSpPr>
+            <p:cNvPr id="67" name="Rectangle 60">
+              <a:extLst>
+                <a:ext uri="{FF2B5EF4-FFF2-40B4-BE49-F238E27FC236}">
+                  <a16:creationId xmlns:a16="http://schemas.microsoft.com/office/drawing/2014/main" id="{C9416DE5-6203-C01A-71FF-332EDA8B1A44}"/>
+                </a:ext>
+              </a:extLst>
+            </p:cNvPr>
+            <p:cNvSpPr>
+              <a:spLocks noChangeArrowheads="1"/>
+            </p:cNvSpPr>
+            <p:nvPr/>
+          </p:nvSpPr>
+          <p:spPr bwMode="auto">
+            <a:xfrm>
+              <a:off x="5700713" y="1447800"/>
+              <a:ext cx="30163" cy="300038"/>
+            </a:xfrm>
+            <a:prstGeom prst="rect">
+              <a:avLst/>
+            </a:prstGeom>
+            <a:solidFill>
+              <a:srgbClr val="33495B"/>
+            </a:solidFill>
+            <a:ln>
+              <a:noFill/>
+            </a:ln>
+            <a:extLst>
+              <a:ext uri="{91240B29-F687-4F45-9708-019B960494DF}">
+                <a14:hiddenLine xmlns:a14="http://schemas.microsoft.com/office/drawing/2010/main" w="9525">
+                  <a:solidFill>
+                    <a:srgbClr val="000000"/>
+                  </a:solidFill>
+                  <a:miter lim="800000"/>
+                  <a:headEnd/>
+                  <a:tailEnd/>
+                </a14:hiddenLine>
+              </a:ext>
+            </a:extLst>
+          </p:spPr>
+          <p:txBody>
+            <a:bodyPr vert="horz" wrap="square" lIns="91440" tIns="45720" rIns="91440" bIns="45720" numCol="1" anchor="t" anchorCtr="0" compatLnSpc="1">
+              <a:prstTxWarp prst="textNoShape">
+                <a:avLst/>
+              </a:prstTxWarp>
+            </a:bodyPr>
+            <a:lstStyle/>
+            <a:p>
+              <a:endParaRPr lang="zh-CN" altLang="en-US"/>
+            </a:p>
+          </p:txBody>
+        </p:sp>
+        <p:sp>
+          <p:nvSpPr>
+            <p:cNvPr id="68" name="Freeform 61">
+              <a:extLst>
+                <a:ext uri="{FF2B5EF4-FFF2-40B4-BE49-F238E27FC236}">
+                  <a16:creationId xmlns:a16="http://schemas.microsoft.com/office/drawing/2014/main" id="{1AE0C315-5E65-CD50-9ABD-9074EA2470B3}"/>
+                </a:ext>
+              </a:extLst>
+            </p:cNvPr>
+            <p:cNvSpPr>
+              <a:spLocks/>
+            </p:cNvSpPr>
+            <p:nvPr/>
+          </p:nvSpPr>
+          <p:spPr bwMode="auto">
+            <a:xfrm>
+              <a:off x="5700713" y="1431925"/>
+              <a:ext cx="30163" cy="15875"/>
+            </a:xfrm>
+            <a:custGeom>
+              <a:avLst/>
+              <a:gdLst>
+                <a:gd name="T0" fmla="*/ 8 w 8"/>
+                <a:gd name="T1" fmla="*/ 4 h 4"/>
+                <a:gd name="T2" fmla="*/ 4 w 8"/>
+                <a:gd name="T3" fmla="*/ 0 h 4"/>
+                <a:gd name="T4" fmla="*/ 0 w 8"/>
+                <a:gd name="T5" fmla="*/ 4 h 4"/>
+                <a:gd name="T6" fmla="*/ 8 w 8"/>
+                <a:gd name="T7" fmla="*/ 4 h 4"/>
+              </a:gdLst>
+              <a:ahLst/>
+              <a:cxnLst>
+                <a:cxn ang="0">
+                  <a:pos x="T0" y="T1"/>
+                </a:cxn>
+                <a:cxn ang="0">
+                  <a:pos x="T2" y="T3"/>
+                </a:cxn>
+                <a:cxn ang="0">
+                  <a:pos x="T4" y="T5"/>
+                </a:cxn>
+                <a:cxn ang="0">
+                  <a:pos x="T6" y="T7"/>
+                </a:cxn>
+              </a:cxnLst>
+              <a:rect l="0" t="0" r="r" b="b"/>
+              <a:pathLst>
+                <a:path w="8" h="4">
+                  <a:moveTo>
+                    <a:pt x="8" y="4"/>
+                  </a:moveTo>
+                  <a:cubicBezTo>
+                    <a:pt x="8" y="2"/>
+                    <a:pt x="6" y="0"/>
+                    <a:pt x="4" y="0"/>
+                  </a:cubicBezTo>
+                  <a:cubicBezTo>
+                    <a:pt x="2" y="0"/>
+                    <a:pt x="0" y="2"/>
+                    <a:pt x="0" y="4"/>
+                  </a:cubicBezTo>
+                  <a:lnTo>
+                    <a:pt x="8" y="4"/>
+                  </a:lnTo>
+                  <a:close/>
+                </a:path>
+              </a:pathLst>
+            </a:custGeom>
+            <a:solidFill>
+              <a:srgbClr val="33495B"/>
+            </a:solidFill>
+            <a:ln>
+              <a:noFill/>
+            </a:ln>
+            <a:extLst>
+              <a:ext uri="{91240B29-F687-4F45-9708-019B960494DF}">
+                <a14:hiddenLine xmlns:a14="http://schemas.microsoft.com/office/drawing/2010/main" w="9525">
+                  <a:solidFill>
+                    <a:srgbClr val="000000"/>
+                  </a:solidFill>
+                  <a:round/>
+                  <a:headEnd/>
+                  <a:tailEnd/>
+                </a14:hiddenLine>
+              </a:ext>
+            </a:extLst>
+          </p:spPr>
+          <p:txBody>
+            <a:bodyPr vert="horz" wrap="square" lIns="91440" tIns="45720" rIns="91440" bIns="45720" numCol="1" anchor="t" anchorCtr="0" compatLnSpc="1">
+              <a:prstTxWarp prst="textNoShape">
+                <a:avLst/>
+              </a:prstTxWarp>
+            </a:bodyPr>
+            <a:lstStyle/>
+            <a:p>
+              <a:endParaRPr lang="zh-CN" altLang="en-US"/>
+            </a:p>
+          </p:txBody>
+        </p:sp>
+        <p:sp>
+          <p:nvSpPr>
+            <p:cNvPr id="69" name="Freeform 62">
+              <a:extLst>
+                <a:ext uri="{FF2B5EF4-FFF2-40B4-BE49-F238E27FC236}">
+                  <a16:creationId xmlns:a16="http://schemas.microsoft.com/office/drawing/2014/main" id="{9D2EA2FF-25E9-5746-5381-B44C0A572A5A}"/>
+                </a:ext>
+              </a:extLst>
+            </p:cNvPr>
+            <p:cNvSpPr>
+              <a:spLocks/>
+            </p:cNvSpPr>
+            <p:nvPr/>
+          </p:nvSpPr>
+          <p:spPr bwMode="auto">
+            <a:xfrm>
+              <a:off x="5700713" y="1747838"/>
+              <a:ext cx="30163" cy="14288"/>
+            </a:xfrm>
+            <a:custGeom>
+              <a:avLst/>
+              <a:gdLst>
+                <a:gd name="T0" fmla="*/ 8 w 8"/>
+                <a:gd name="T1" fmla="*/ 0 h 4"/>
+                <a:gd name="T2" fmla="*/ 4 w 8"/>
+                <a:gd name="T3" fmla="*/ 4 h 4"/>
+                <a:gd name="T4" fmla="*/ 0 w 8"/>
+                <a:gd name="T5" fmla="*/ 0 h 4"/>
+                <a:gd name="T6" fmla="*/ 8 w 8"/>
+                <a:gd name="T7" fmla="*/ 0 h 4"/>
+              </a:gdLst>
+              <a:ahLst/>
+              <a:cxnLst>
+                <a:cxn ang="0">
+                  <a:pos x="T0" y="T1"/>
+                </a:cxn>
+                <a:cxn ang="0">
+                  <a:pos x="T2" y="T3"/>
+                </a:cxn>
+                <a:cxn ang="0">
+                  <a:pos x="T4" y="T5"/>
+                </a:cxn>
+                <a:cxn ang="0">
+                  <a:pos x="T6" y="T7"/>
+                </a:cxn>
+              </a:cxnLst>
+              <a:rect l="0" t="0" r="r" b="b"/>
+              <a:pathLst>
+                <a:path w="8" h="4">
+                  <a:moveTo>
+                    <a:pt x="8" y="0"/>
+                  </a:moveTo>
+                  <a:cubicBezTo>
+                    <a:pt x="8" y="2"/>
+                    <a:pt x="6" y="4"/>
+                    <a:pt x="4" y="4"/>
+                  </a:cubicBezTo>
+                  <a:cubicBezTo>
+                    <a:pt x="2" y="4"/>
+                    <a:pt x="0" y="2"/>
+                    <a:pt x="0" y="0"/>
+                  </a:cubicBezTo>
+                  <a:lnTo>
+                    <a:pt x="8" y="0"/>
+                  </a:lnTo>
+                  <a:close/>
+                </a:path>
+              </a:pathLst>
+            </a:custGeom>
+            <a:solidFill>
+              <a:srgbClr val="33495B"/>
+            </a:solidFill>
+            <a:ln>
+              <a:noFill/>
+            </a:ln>
+            <a:extLst>
+              <a:ext uri="{91240B29-F687-4F45-9708-019B960494DF}">
+                <a14:hiddenLine xmlns:a14="http://schemas.microsoft.com/office/drawing/2010/main" w="9525">
+                  <a:solidFill>
+                    <a:srgbClr val="000000"/>
+                  </a:solidFill>
+                  <a:round/>
+                  <a:headEnd/>
+                  <a:tailEnd/>
+                </a14:hiddenLine>
+              </a:ext>
+            </a:extLst>
+          </p:spPr>
+          <p:txBody>
+            <a:bodyPr vert="horz" wrap="square" lIns="91440" tIns="45720" rIns="91440" bIns="45720" numCol="1" anchor="t" anchorCtr="0" compatLnSpc="1">
+              <a:prstTxWarp prst="textNoShape">
+                <a:avLst/>
+              </a:prstTxWarp>
+            </a:bodyPr>
+            <a:lstStyle/>
+            <a:p>
+              <a:endParaRPr lang="zh-CN" altLang="en-US"/>
+            </a:p>
+          </p:txBody>
+        </p:sp>
+        <p:sp>
+          <p:nvSpPr>
+            <p:cNvPr id="70" name="Rectangle 63">
+              <a:extLst>
+                <a:ext uri="{FF2B5EF4-FFF2-40B4-BE49-F238E27FC236}">
+                  <a16:creationId xmlns:a16="http://schemas.microsoft.com/office/drawing/2014/main" id="{8859DA57-179F-079A-31BC-994156E21EFA}"/>
+                </a:ext>
+              </a:extLst>
+            </p:cNvPr>
+            <p:cNvSpPr>
+              <a:spLocks noChangeArrowheads="1"/>
+            </p:cNvSpPr>
+            <p:nvPr/>
+          </p:nvSpPr>
+          <p:spPr bwMode="auto">
+            <a:xfrm>
+              <a:off x="4994276" y="1447800"/>
+              <a:ext cx="76200" cy="300038"/>
+            </a:xfrm>
+            <a:prstGeom prst="rect">
+              <a:avLst/>
+            </a:prstGeom>
+            <a:solidFill>
+              <a:srgbClr val="41C19D"/>
+            </a:solidFill>
+            <a:ln>
+              <a:noFill/>
+            </a:ln>
+            <a:extLst>
+              <a:ext uri="{91240B29-F687-4F45-9708-019B960494DF}">
+                <a14:hiddenLine xmlns:a14="http://schemas.microsoft.com/office/drawing/2010/main" w="9525">
+                  <a:solidFill>
+                    <a:srgbClr val="000000"/>
+                  </a:solidFill>
+                  <a:miter lim="800000"/>
+                  <a:headEnd/>
+                  <a:tailEnd/>
+                </a14:hiddenLine>
+              </a:ext>
+            </a:extLst>
+          </p:spPr>
+          <p:txBody>
+            <a:bodyPr vert="horz" wrap="square" lIns="91440" tIns="45720" rIns="91440" bIns="45720" numCol="1" anchor="t" anchorCtr="0" compatLnSpc="1">
+              <a:prstTxWarp prst="textNoShape">
+                <a:avLst/>
+              </a:prstTxWarp>
+            </a:bodyPr>
+            <a:lstStyle/>
+            <a:p>
+              <a:endParaRPr lang="zh-CN" altLang="en-US"/>
+            </a:p>
+          </p:txBody>
+        </p:sp>
+        <p:sp>
+          <p:nvSpPr>
+            <p:cNvPr id="71" name="Freeform 64">
+              <a:extLst>
+                <a:ext uri="{FF2B5EF4-FFF2-40B4-BE49-F238E27FC236}">
+                  <a16:creationId xmlns:a16="http://schemas.microsoft.com/office/drawing/2014/main" id="{AE3FCFAF-7A1B-B233-EF03-2F083E2231B3}"/>
+                </a:ext>
+              </a:extLst>
+            </p:cNvPr>
+            <p:cNvSpPr>
+              <a:spLocks/>
+            </p:cNvSpPr>
+            <p:nvPr/>
+          </p:nvSpPr>
+          <p:spPr bwMode="auto">
+            <a:xfrm>
+              <a:off x="4964113" y="1447800"/>
+              <a:ext cx="30163" cy="28575"/>
+            </a:xfrm>
+            <a:custGeom>
+              <a:avLst/>
+              <a:gdLst>
+                <a:gd name="T0" fmla="*/ 0 w 8"/>
+                <a:gd name="T1" fmla="*/ 8 h 8"/>
+                <a:gd name="T2" fmla="*/ 8 w 8"/>
+                <a:gd name="T3" fmla="*/ 0 h 8"/>
+                <a:gd name="T4" fmla="*/ 8 w 8"/>
+                <a:gd name="T5" fmla="*/ 8 h 8"/>
+                <a:gd name="T6" fmla="*/ 0 w 8"/>
+                <a:gd name="T7" fmla="*/ 8 h 8"/>
+              </a:gdLst>
+              <a:ahLst/>
+              <a:cxnLst>
+                <a:cxn ang="0">
+                  <a:pos x="T0" y="T1"/>
+                </a:cxn>
+                <a:cxn ang="0">
+                  <a:pos x="T2" y="T3"/>
+                </a:cxn>
+                <a:cxn ang="0">
+                  <a:pos x="T4" y="T5"/>
+                </a:cxn>
+                <a:cxn ang="0">
+                  <a:pos x="T6" y="T7"/>
+                </a:cxn>
+              </a:cxnLst>
+              <a:rect l="0" t="0" r="r" b="b"/>
+              <a:pathLst>
+                <a:path w="8" h="8">
+                  <a:moveTo>
+                    <a:pt x="0" y="8"/>
+                  </a:moveTo>
+                  <a:cubicBezTo>
+                    <a:pt x="0" y="4"/>
+                    <a:pt x="4" y="0"/>
+                    <a:pt x="8" y="0"/>
+                  </a:cubicBezTo>
+                  <a:cubicBezTo>
+                    <a:pt x="8" y="8"/>
+                    <a:pt x="8" y="8"/>
+                    <a:pt x="8" y="8"/>
+                  </a:cubicBezTo>
+                  <a:lnTo>
+                    <a:pt x="0" y="8"/>
+                  </a:lnTo>
+                  <a:close/>
+                </a:path>
+              </a:pathLst>
+            </a:custGeom>
+            <a:solidFill>
+              <a:srgbClr val="41C19D"/>
+            </a:solidFill>
+            <a:ln>
+              <a:noFill/>
+            </a:ln>
+            <a:extLst>
+              <a:ext uri="{91240B29-F687-4F45-9708-019B960494DF}">
+                <a14:hiddenLine xmlns:a14="http://schemas.microsoft.com/office/drawing/2010/main" w="9525">
+                  <a:solidFill>
+                    <a:srgbClr val="000000"/>
+                  </a:solidFill>
+                  <a:round/>
+                  <a:headEnd/>
+                  <a:tailEnd/>
+                </a14:hiddenLine>
+              </a:ext>
+            </a:extLst>
+          </p:spPr>
+          <p:txBody>
+            <a:bodyPr vert="horz" wrap="square" lIns="91440" tIns="45720" rIns="91440" bIns="45720" numCol="1" anchor="t" anchorCtr="0" compatLnSpc="1">
+              <a:prstTxWarp prst="textNoShape">
+                <a:avLst/>
+              </a:prstTxWarp>
+            </a:bodyPr>
+            <a:lstStyle/>
+            <a:p>
+              <a:endParaRPr lang="zh-CN" altLang="en-US"/>
+            </a:p>
+          </p:txBody>
+        </p:sp>
+        <p:sp>
+          <p:nvSpPr>
+            <p:cNvPr id="72" name="Freeform 65">
+              <a:extLst>
+                <a:ext uri="{FF2B5EF4-FFF2-40B4-BE49-F238E27FC236}">
+                  <a16:creationId xmlns:a16="http://schemas.microsoft.com/office/drawing/2014/main" id="{F014F0B0-95AE-CF93-515F-03CE9C69990E}"/>
+                </a:ext>
+              </a:extLst>
+            </p:cNvPr>
+            <p:cNvSpPr>
+              <a:spLocks/>
+            </p:cNvSpPr>
+            <p:nvPr/>
+          </p:nvSpPr>
+          <p:spPr bwMode="auto">
+            <a:xfrm>
+              <a:off x="4964113" y="1717675"/>
+              <a:ext cx="30163" cy="30163"/>
+            </a:xfrm>
+            <a:custGeom>
+              <a:avLst/>
+              <a:gdLst>
+                <a:gd name="T0" fmla="*/ 8 w 8"/>
+                <a:gd name="T1" fmla="*/ 8 h 8"/>
+                <a:gd name="T2" fmla="*/ 0 w 8"/>
+                <a:gd name="T3" fmla="*/ 0 h 8"/>
+                <a:gd name="T4" fmla="*/ 8 w 8"/>
+                <a:gd name="T5" fmla="*/ 0 h 8"/>
+                <a:gd name="T6" fmla="*/ 8 w 8"/>
+                <a:gd name="T7" fmla="*/ 8 h 8"/>
+              </a:gdLst>
+              <a:ahLst/>
+              <a:cxnLst>
+                <a:cxn ang="0">
+                  <a:pos x="T0" y="T1"/>
+                </a:cxn>
+                <a:cxn ang="0">
+                  <a:pos x="T2" y="T3"/>
+                </a:cxn>
+                <a:cxn ang="0">
+                  <a:pos x="T4" y="T5"/>
+                </a:cxn>
+                <a:cxn ang="0">
+                  <a:pos x="T6" y="T7"/>
+                </a:cxn>
+              </a:cxnLst>
+              <a:rect l="0" t="0" r="r" b="b"/>
+              <a:pathLst>
+                <a:path w="8" h="8">
+                  <a:moveTo>
+                    <a:pt x="8" y="8"/>
+                  </a:moveTo>
+                  <a:cubicBezTo>
+                    <a:pt x="4" y="8"/>
+                    <a:pt x="0" y="4"/>
+                    <a:pt x="0" y="0"/>
+                  </a:cubicBezTo>
+                  <a:cubicBezTo>
+                    <a:pt x="8" y="0"/>
+                    <a:pt x="8" y="0"/>
+                    <a:pt x="8" y="0"/>
+                  </a:cubicBezTo>
+                  <a:lnTo>
+                    <a:pt x="8" y="8"/>
+                  </a:lnTo>
+                  <a:close/>
+                </a:path>
+              </a:pathLst>
+            </a:custGeom>
+            <a:solidFill>
+              <a:srgbClr val="41C19D"/>
+            </a:solidFill>
+            <a:ln>
+              <a:noFill/>
+            </a:ln>
+            <a:extLst>
+              <a:ext uri="{91240B29-F687-4F45-9708-019B960494DF}">
+                <a14:hiddenLine xmlns:a14="http://schemas.microsoft.com/office/drawing/2010/main" w="9525">
+                  <a:solidFill>
+                    <a:srgbClr val="000000"/>
+                  </a:solidFill>
+                  <a:round/>
+                  <a:headEnd/>
+                  <a:tailEnd/>
+                </a14:hiddenLine>
+              </a:ext>
+            </a:extLst>
+          </p:spPr>
+          <p:txBody>
+            <a:bodyPr vert="horz" wrap="square" lIns="91440" tIns="45720" rIns="91440" bIns="45720" numCol="1" anchor="t" anchorCtr="0" compatLnSpc="1">
+              <a:prstTxWarp prst="textNoShape">
+                <a:avLst/>
+              </a:prstTxWarp>
+            </a:bodyPr>
+            <a:lstStyle/>
+            <a:p>
+              <a:endParaRPr lang="zh-CN" altLang="en-US"/>
+            </a:p>
+          </p:txBody>
+        </p:sp>
+        <p:sp>
+          <p:nvSpPr>
+            <p:cNvPr id="73" name="Rectangle 66">
+              <a:extLst>
+                <a:ext uri="{FF2B5EF4-FFF2-40B4-BE49-F238E27FC236}">
+                  <a16:creationId xmlns:a16="http://schemas.microsoft.com/office/drawing/2014/main" id="{3A643EEB-77C0-7ADF-0D06-0303FDE83A01}"/>
+                </a:ext>
+              </a:extLst>
+            </p:cNvPr>
+            <p:cNvSpPr>
+              <a:spLocks noChangeArrowheads="1"/>
+            </p:cNvSpPr>
+            <p:nvPr/>
+          </p:nvSpPr>
+          <p:spPr bwMode="auto">
+            <a:xfrm>
+              <a:off x="4964113" y="1476375"/>
+              <a:ext cx="30163" cy="241300"/>
+            </a:xfrm>
+            <a:prstGeom prst="rect">
+              <a:avLst/>
+            </a:prstGeom>
+            <a:solidFill>
+              <a:srgbClr val="41C19D"/>
+            </a:solidFill>
+            <a:ln>
+              <a:noFill/>
+            </a:ln>
+            <a:extLst>
+              <a:ext uri="{91240B29-F687-4F45-9708-019B960494DF}">
+                <a14:hiddenLine xmlns:a14="http://schemas.microsoft.com/office/drawing/2010/main" w="9525">
+                  <a:solidFill>
+                    <a:srgbClr val="000000"/>
+                  </a:solidFill>
+                  <a:miter lim="800000"/>
+                  <a:headEnd/>
+                  <a:tailEnd/>
+                </a14:hiddenLine>
+              </a:ext>
+            </a:extLst>
+          </p:spPr>
+          <p:txBody>
+            <a:bodyPr vert="horz" wrap="square" lIns="91440" tIns="45720" rIns="91440" bIns="45720" numCol="1" anchor="t" anchorCtr="0" compatLnSpc="1">
+              <a:prstTxWarp prst="textNoShape">
+                <a:avLst/>
+              </a:prstTxWarp>
+            </a:bodyPr>
+            <a:lstStyle/>
+            <a:p>
+              <a:endParaRPr lang="zh-CN" altLang="en-US"/>
+            </a:p>
+          </p:txBody>
+        </p:sp>
+        <p:sp>
+          <p:nvSpPr>
+            <p:cNvPr id="74" name="Rectangle 67">
+              <a:extLst>
+                <a:ext uri="{FF2B5EF4-FFF2-40B4-BE49-F238E27FC236}">
+                  <a16:creationId xmlns:a16="http://schemas.microsoft.com/office/drawing/2014/main" id="{26ED6C59-6216-C009-FC52-C48E398F92C4}"/>
+                </a:ext>
+              </a:extLst>
+            </p:cNvPr>
+            <p:cNvSpPr>
+              <a:spLocks noChangeArrowheads="1"/>
+            </p:cNvSpPr>
+            <p:nvPr/>
+          </p:nvSpPr>
+          <p:spPr bwMode="auto">
+            <a:xfrm>
+              <a:off x="5070476" y="1447800"/>
+              <a:ext cx="30163" cy="300038"/>
+            </a:xfrm>
+            <a:prstGeom prst="rect">
+              <a:avLst/>
+            </a:prstGeom>
+            <a:solidFill>
+              <a:srgbClr val="3FA49A"/>
+            </a:solidFill>
+            <a:ln>
+              <a:noFill/>
+            </a:ln>
+            <a:extLst>
+              <a:ext uri="{91240B29-F687-4F45-9708-019B960494DF}">
+                <a14:hiddenLine xmlns:a14="http://schemas.microsoft.com/office/drawing/2010/main" w="9525">
+                  <a:solidFill>
+                    <a:srgbClr val="000000"/>
+                  </a:solidFill>
+                  <a:miter lim="800000"/>
+                  <a:headEnd/>
+                  <a:tailEnd/>
+                </a14:hiddenLine>
+              </a:ext>
+            </a:extLst>
+          </p:spPr>
+          <p:txBody>
+            <a:bodyPr vert="horz" wrap="square" lIns="91440" tIns="45720" rIns="91440" bIns="45720" numCol="1" anchor="t" anchorCtr="0" compatLnSpc="1">
+              <a:prstTxWarp prst="textNoShape">
+                <a:avLst/>
+              </a:prstTxWarp>
+            </a:bodyPr>
+            <a:lstStyle/>
+            <a:p>
+              <a:endParaRPr lang="zh-CN" altLang="en-US"/>
+            </a:p>
+          </p:txBody>
+        </p:sp>
+        <p:sp>
+          <p:nvSpPr>
+            <p:cNvPr id="75" name="Rectangle 68">
+              <a:extLst>
+                <a:ext uri="{FF2B5EF4-FFF2-40B4-BE49-F238E27FC236}">
+                  <a16:creationId xmlns:a16="http://schemas.microsoft.com/office/drawing/2014/main" id="{5369E4BF-346D-C6AD-CA86-44BC35FC256B}"/>
+                </a:ext>
+              </a:extLst>
+            </p:cNvPr>
+            <p:cNvSpPr>
+              <a:spLocks noChangeArrowheads="1"/>
+            </p:cNvSpPr>
+            <p:nvPr/>
+          </p:nvSpPr>
+          <p:spPr bwMode="auto">
+            <a:xfrm>
+              <a:off x="4935538" y="1506538"/>
+              <a:ext cx="28575" cy="180975"/>
+            </a:xfrm>
+            <a:prstGeom prst="rect">
+              <a:avLst/>
+            </a:prstGeom>
+            <a:solidFill>
+              <a:srgbClr val="33495B"/>
+            </a:solidFill>
+            <a:ln>
+              <a:noFill/>
+            </a:ln>
+            <a:extLst>
+              <a:ext uri="{91240B29-F687-4F45-9708-019B960494DF}">
+                <a14:hiddenLine xmlns:a14="http://schemas.microsoft.com/office/drawing/2010/main" w="9525">
+                  <a:solidFill>
+                    <a:srgbClr val="000000"/>
+                  </a:solidFill>
+                  <a:miter lim="800000"/>
+                  <a:headEnd/>
+                  <a:tailEnd/>
+                </a14:hiddenLine>
+              </a:ext>
+            </a:extLst>
+          </p:spPr>
+          <p:txBody>
+            <a:bodyPr vert="horz" wrap="square" lIns="91440" tIns="45720" rIns="91440" bIns="45720" numCol="1" anchor="t" anchorCtr="0" compatLnSpc="1">
+              <a:prstTxWarp prst="textNoShape">
+                <a:avLst/>
+              </a:prstTxWarp>
+            </a:bodyPr>
+            <a:lstStyle/>
+            <a:p>
+              <a:endParaRPr lang="zh-CN" altLang="en-US"/>
+            </a:p>
+          </p:txBody>
+        </p:sp>
+        <p:sp>
+          <p:nvSpPr>
+            <p:cNvPr id="76" name="Rectangle 69">
+              <a:extLst>
+                <a:ext uri="{FF2B5EF4-FFF2-40B4-BE49-F238E27FC236}">
+                  <a16:creationId xmlns:a16="http://schemas.microsoft.com/office/drawing/2014/main" id="{7E4FDC37-3A88-0F27-D20E-4B216E52E124}"/>
+                </a:ext>
+              </a:extLst>
+            </p:cNvPr>
+            <p:cNvSpPr>
+              <a:spLocks noChangeArrowheads="1"/>
+            </p:cNvSpPr>
+            <p:nvPr/>
+          </p:nvSpPr>
+          <p:spPr bwMode="auto">
+            <a:xfrm>
+              <a:off x="5100638" y="1447800"/>
+              <a:ext cx="30163" cy="300038"/>
+            </a:xfrm>
+            <a:prstGeom prst="rect">
+              <a:avLst/>
+            </a:prstGeom>
+            <a:solidFill>
+              <a:srgbClr val="33495B"/>
+            </a:solidFill>
+            <a:ln>
+              <a:noFill/>
+            </a:ln>
+            <a:extLst>
+              <a:ext uri="{91240B29-F687-4F45-9708-019B960494DF}">
+                <a14:hiddenLine xmlns:a14="http://schemas.microsoft.com/office/drawing/2010/main" w="9525">
+                  <a:solidFill>
+                    <a:srgbClr val="000000"/>
+                  </a:solidFill>
+                  <a:miter lim="800000"/>
+                  <a:headEnd/>
+                  <a:tailEnd/>
+                </a14:hiddenLine>
+              </a:ext>
+            </a:extLst>
+          </p:spPr>
+          <p:txBody>
+            <a:bodyPr vert="horz" wrap="square" lIns="91440" tIns="45720" rIns="91440" bIns="45720" numCol="1" anchor="t" anchorCtr="0" compatLnSpc="1">
+              <a:prstTxWarp prst="textNoShape">
+                <a:avLst/>
+              </a:prstTxWarp>
+            </a:bodyPr>
+            <a:lstStyle/>
+            <a:p>
+              <a:endParaRPr lang="zh-CN" altLang="en-US"/>
+            </a:p>
+          </p:txBody>
+        </p:sp>
+        <p:sp>
+          <p:nvSpPr>
+            <p:cNvPr id="77" name="Freeform 70">
+              <a:extLst>
+                <a:ext uri="{FF2B5EF4-FFF2-40B4-BE49-F238E27FC236}">
+                  <a16:creationId xmlns:a16="http://schemas.microsoft.com/office/drawing/2014/main" id="{8A6C3C3D-0288-218A-A315-59666C73F502}"/>
+                </a:ext>
+              </a:extLst>
+            </p:cNvPr>
+            <p:cNvSpPr>
+              <a:spLocks/>
+            </p:cNvSpPr>
+            <p:nvPr/>
+          </p:nvSpPr>
+          <p:spPr bwMode="auto">
+            <a:xfrm>
+              <a:off x="5100638" y="1431925"/>
+              <a:ext cx="30163" cy="15875"/>
+            </a:xfrm>
+            <a:custGeom>
+              <a:avLst/>
+              <a:gdLst>
+                <a:gd name="T0" fmla="*/ 0 w 8"/>
+                <a:gd name="T1" fmla="*/ 4 h 4"/>
+                <a:gd name="T2" fmla="*/ 4 w 8"/>
+                <a:gd name="T3" fmla="*/ 0 h 4"/>
+                <a:gd name="T4" fmla="*/ 8 w 8"/>
+                <a:gd name="T5" fmla="*/ 4 h 4"/>
+                <a:gd name="T6" fmla="*/ 0 w 8"/>
+                <a:gd name="T7" fmla="*/ 4 h 4"/>
+              </a:gdLst>
+              <a:ahLst/>
+              <a:cxnLst>
+                <a:cxn ang="0">
+                  <a:pos x="T0" y="T1"/>
+                </a:cxn>
+                <a:cxn ang="0">
+                  <a:pos x="T2" y="T3"/>
+                </a:cxn>
+                <a:cxn ang="0">
+                  <a:pos x="T4" y="T5"/>
+                </a:cxn>
+                <a:cxn ang="0">
+                  <a:pos x="T6" y="T7"/>
+                </a:cxn>
+              </a:cxnLst>
+              <a:rect l="0" t="0" r="r" b="b"/>
+              <a:pathLst>
+                <a:path w="8" h="4">
+                  <a:moveTo>
+                    <a:pt x="0" y="4"/>
+                  </a:moveTo>
+                  <a:cubicBezTo>
+                    <a:pt x="0" y="2"/>
+                    <a:pt x="2" y="0"/>
+                    <a:pt x="4" y="0"/>
+                  </a:cubicBezTo>
+                  <a:cubicBezTo>
+                    <a:pt x="6" y="0"/>
+                    <a:pt x="8" y="2"/>
+                    <a:pt x="8" y="4"/>
+                  </a:cubicBezTo>
+                  <a:lnTo>
+                    <a:pt x="0" y="4"/>
+                  </a:lnTo>
+                  <a:close/>
+                </a:path>
+              </a:pathLst>
+            </a:custGeom>
+            <a:solidFill>
+              <a:srgbClr val="33495B"/>
+            </a:solidFill>
+            <a:ln>
+              <a:noFill/>
+            </a:ln>
+            <a:extLst>
+              <a:ext uri="{91240B29-F687-4F45-9708-019B960494DF}">
+                <a14:hiddenLine xmlns:a14="http://schemas.microsoft.com/office/drawing/2010/main" w="9525">
+                  <a:solidFill>
+                    <a:srgbClr val="000000"/>
+                  </a:solidFill>
+                  <a:round/>
+                  <a:headEnd/>
+                  <a:tailEnd/>
+                </a14:hiddenLine>
+              </a:ext>
+            </a:extLst>
+          </p:spPr>
+          <p:txBody>
+            <a:bodyPr vert="horz" wrap="square" lIns="91440" tIns="45720" rIns="91440" bIns="45720" numCol="1" anchor="t" anchorCtr="0" compatLnSpc="1">
+              <a:prstTxWarp prst="textNoShape">
+                <a:avLst/>
+              </a:prstTxWarp>
+            </a:bodyPr>
+            <a:lstStyle/>
+            <a:p>
+              <a:endParaRPr lang="zh-CN" altLang="en-US"/>
+            </a:p>
+          </p:txBody>
+        </p:sp>
+        <p:sp>
+          <p:nvSpPr>
+            <p:cNvPr id="78" name="Freeform 71">
+              <a:extLst>
+                <a:ext uri="{FF2B5EF4-FFF2-40B4-BE49-F238E27FC236}">
+                  <a16:creationId xmlns:a16="http://schemas.microsoft.com/office/drawing/2014/main" id="{25F55D6F-E63C-6CD9-87D7-69A85698DFC5}"/>
+                </a:ext>
+              </a:extLst>
+            </p:cNvPr>
+            <p:cNvSpPr>
+              <a:spLocks/>
+            </p:cNvSpPr>
+            <p:nvPr/>
+          </p:nvSpPr>
+          <p:spPr bwMode="auto">
+            <a:xfrm>
+              <a:off x="5100638" y="1747838"/>
+              <a:ext cx="30163" cy="14288"/>
+            </a:xfrm>
+            <a:custGeom>
+              <a:avLst/>
+              <a:gdLst>
+                <a:gd name="T0" fmla="*/ 0 w 8"/>
+                <a:gd name="T1" fmla="*/ 0 h 4"/>
+                <a:gd name="T2" fmla="*/ 4 w 8"/>
+                <a:gd name="T3" fmla="*/ 4 h 4"/>
+                <a:gd name="T4" fmla="*/ 8 w 8"/>
+                <a:gd name="T5" fmla="*/ 0 h 4"/>
+                <a:gd name="T6" fmla="*/ 0 w 8"/>
+                <a:gd name="T7" fmla="*/ 0 h 4"/>
+              </a:gdLst>
+              <a:ahLst/>
+              <a:cxnLst>
+                <a:cxn ang="0">
+                  <a:pos x="T0" y="T1"/>
+                </a:cxn>
+                <a:cxn ang="0">
+                  <a:pos x="T2" y="T3"/>
+                </a:cxn>
+                <a:cxn ang="0">
+                  <a:pos x="T4" y="T5"/>
+                </a:cxn>
+                <a:cxn ang="0">
+                  <a:pos x="T6" y="T7"/>
+                </a:cxn>
+              </a:cxnLst>
+              <a:rect l="0" t="0" r="r" b="b"/>
+              <a:pathLst>
+                <a:path w="8" h="4">
+                  <a:moveTo>
+                    <a:pt x="0" y="0"/>
+                  </a:moveTo>
+                  <a:cubicBezTo>
+                    <a:pt x="0" y="2"/>
+                    <a:pt x="2" y="4"/>
+                    <a:pt x="4" y="4"/>
+                  </a:cubicBezTo>
+                  <a:cubicBezTo>
+                    <a:pt x="6" y="4"/>
+                    <a:pt x="8" y="2"/>
+                    <a:pt x="8" y="0"/>
+                  </a:cubicBezTo>
+                  <a:lnTo>
+                    <a:pt x="0" y="0"/>
+                  </a:lnTo>
+                  <a:close/>
+                </a:path>
+              </a:pathLst>
+            </a:custGeom>
+            <a:solidFill>
+              <a:srgbClr val="33495B"/>
+            </a:solidFill>
+            <a:ln>
+              <a:noFill/>
+            </a:ln>
+            <a:extLst>
+              <a:ext uri="{91240B29-F687-4F45-9708-019B960494DF}">
+                <a14:hiddenLine xmlns:a14="http://schemas.microsoft.com/office/drawing/2010/main" w="9525">
+                  <a:solidFill>
+                    <a:srgbClr val="000000"/>
+                  </a:solidFill>
+                  <a:round/>
+                  <a:headEnd/>
+                  <a:tailEnd/>
+                </a14:hiddenLine>
+              </a:ext>
+            </a:extLst>
+          </p:spPr>
+          <p:txBody>
+            <a:bodyPr vert="horz" wrap="square" lIns="91440" tIns="45720" rIns="91440" bIns="45720" numCol="1" anchor="t" anchorCtr="0" compatLnSpc="1">
+              <a:prstTxWarp prst="textNoShape">
+                <a:avLst/>
+              </a:prstTxWarp>
+            </a:bodyPr>
+            <a:lstStyle/>
+            <a:p>
+              <a:endParaRPr lang="zh-CN" altLang="en-US"/>
+            </a:p>
+          </p:txBody>
+        </p:sp>
+        <p:sp>
+          <p:nvSpPr>
+            <p:cNvPr id="79" name="Freeform 72">
+              <a:extLst>
+                <a:ext uri="{FF2B5EF4-FFF2-40B4-BE49-F238E27FC236}">
+                  <a16:creationId xmlns:a16="http://schemas.microsoft.com/office/drawing/2014/main" id="{23D7313D-0E7D-D2F3-33F4-824E862BFC78}"/>
+                </a:ext>
+              </a:extLst>
+            </p:cNvPr>
+            <p:cNvSpPr>
+              <a:spLocks/>
+            </p:cNvSpPr>
+            <p:nvPr/>
+          </p:nvSpPr>
+          <p:spPr bwMode="auto">
+            <a:xfrm>
+              <a:off x="5010151" y="1041400"/>
+              <a:ext cx="811213" cy="406400"/>
+            </a:xfrm>
+            <a:custGeom>
+              <a:avLst/>
+              <a:gdLst>
+                <a:gd name="T0" fmla="*/ 216 w 216"/>
+                <a:gd name="T1" fmla="*/ 108 h 108"/>
+                <a:gd name="T2" fmla="*/ 200 w 216"/>
+                <a:gd name="T3" fmla="*/ 108 h 108"/>
+                <a:gd name="T4" fmla="*/ 108 w 216"/>
+                <a:gd name="T5" fmla="*/ 16 h 108"/>
+                <a:gd name="T6" fmla="*/ 16 w 216"/>
+                <a:gd name="T7" fmla="*/ 108 h 108"/>
+                <a:gd name="T8" fmla="*/ 0 w 216"/>
+                <a:gd name="T9" fmla="*/ 108 h 108"/>
+                <a:gd name="T10" fmla="*/ 108 w 216"/>
+                <a:gd name="T11" fmla="*/ 0 h 108"/>
+                <a:gd name="T12" fmla="*/ 216 w 216"/>
+                <a:gd name="T13" fmla="*/ 108 h 108"/>
+              </a:gdLst>
+              <a:ahLst/>
+              <a:cxnLst>
+                <a:cxn ang="0">
+                  <a:pos x="T0" y="T1"/>
+                </a:cxn>
+                <a:cxn ang="0">
+                  <a:pos x="T2" y="T3"/>
+                </a:cxn>
+                <a:cxn ang="0">
+                  <a:pos x="T4" y="T5"/>
+                </a:cxn>
+                <a:cxn ang="0">
+                  <a:pos x="T6" y="T7"/>
+                </a:cxn>
+                <a:cxn ang="0">
+                  <a:pos x="T8" y="T9"/>
+                </a:cxn>
+                <a:cxn ang="0">
+                  <a:pos x="T10" y="T11"/>
+                </a:cxn>
+                <a:cxn ang="0">
+                  <a:pos x="T12" y="T13"/>
+                </a:cxn>
+              </a:cxnLst>
+              <a:rect l="0" t="0" r="r" b="b"/>
+              <a:pathLst>
+                <a:path w="216" h="108">
+                  <a:moveTo>
+                    <a:pt x="216" y="108"/>
+                  </a:moveTo>
+                  <a:cubicBezTo>
+                    <a:pt x="200" y="108"/>
+                    <a:pt x="200" y="108"/>
+                    <a:pt x="200" y="108"/>
+                  </a:cubicBezTo>
+                  <a:cubicBezTo>
+                    <a:pt x="200" y="57"/>
+                    <a:pt x="159" y="16"/>
+                    <a:pt x="108" y="16"/>
+                  </a:cubicBezTo>
+                  <a:cubicBezTo>
+                    <a:pt x="57" y="16"/>
+                    <a:pt x="16" y="57"/>
+                    <a:pt x="16" y="108"/>
+                  </a:cubicBezTo>
+                  <a:cubicBezTo>
+                    <a:pt x="0" y="108"/>
+                    <a:pt x="0" y="108"/>
+                    <a:pt x="0" y="108"/>
+                  </a:cubicBezTo>
+                  <a:cubicBezTo>
+                    <a:pt x="0" y="48"/>
+                    <a:pt x="48" y="0"/>
+                    <a:pt x="108" y="0"/>
+                  </a:cubicBezTo>
+                  <a:cubicBezTo>
+                    <a:pt x="168" y="0"/>
+                    <a:pt x="216" y="48"/>
+                    <a:pt x="216" y="108"/>
+                  </a:cubicBezTo>
+                  <a:close/>
+                </a:path>
+              </a:pathLst>
+            </a:custGeom>
+            <a:solidFill>
+              <a:srgbClr val="EBF0F2"/>
+            </a:solidFill>
+            <a:ln>
+              <a:noFill/>
+            </a:ln>
+            <a:extLst>
+              <a:ext uri="{91240B29-F687-4F45-9708-019B960494DF}">
+                <a14:hiddenLine xmlns:a14="http://schemas.microsoft.com/office/drawing/2010/main" w="9525">
+                  <a:solidFill>
+                    <a:srgbClr val="000000"/>
+                  </a:solidFill>
+                  <a:round/>
+                  <a:headEnd/>
+                  <a:tailEnd/>
+                </a14:hiddenLine>
+              </a:ext>
+            </a:extLst>
+          </p:spPr>
+          <p:txBody>
+            <a:bodyPr vert="horz" wrap="square" lIns="91440" tIns="45720" rIns="91440" bIns="45720" numCol="1" anchor="t" anchorCtr="0" compatLnSpc="1">
+              <a:prstTxWarp prst="textNoShape">
+                <a:avLst/>
+              </a:prstTxWarp>
+            </a:bodyPr>
+            <a:lstStyle/>
+            <a:p>
+              <a:endParaRPr lang="zh-CN" altLang="en-US"/>
+            </a:p>
+          </p:txBody>
+        </p:sp>
+        <p:sp>
+          <p:nvSpPr>
+            <p:cNvPr id="80" name="Freeform 73">
+              <a:extLst>
+                <a:ext uri="{FF2B5EF4-FFF2-40B4-BE49-F238E27FC236}">
+                  <a16:creationId xmlns:a16="http://schemas.microsoft.com/office/drawing/2014/main" id="{2AC9B9E6-C40B-43AC-994B-E8B967D6D650}"/>
+                </a:ext>
+              </a:extLst>
+            </p:cNvPr>
+            <p:cNvSpPr>
+              <a:spLocks/>
+            </p:cNvSpPr>
+            <p:nvPr/>
+          </p:nvSpPr>
+          <p:spPr bwMode="auto">
+            <a:xfrm>
+              <a:off x="5070476" y="1011238"/>
+              <a:ext cx="690563" cy="239713"/>
+            </a:xfrm>
+            <a:custGeom>
+              <a:avLst/>
+              <a:gdLst>
+                <a:gd name="T0" fmla="*/ 160 w 184"/>
+                <a:gd name="T1" fmla="*/ 64 h 64"/>
+                <a:gd name="T2" fmla="*/ 92 w 184"/>
+                <a:gd name="T3" fmla="*/ 32 h 64"/>
+                <a:gd name="T4" fmla="*/ 24 w 184"/>
+                <a:gd name="T5" fmla="*/ 64 h 64"/>
+                <a:gd name="T6" fmla="*/ 0 w 184"/>
+                <a:gd name="T7" fmla="*/ 44 h 64"/>
+                <a:gd name="T8" fmla="*/ 92 w 184"/>
+                <a:gd name="T9" fmla="*/ 0 h 64"/>
+                <a:gd name="T10" fmla="*/ 184 w 184"/>
+                <a:gd name="T11" fmla="*/ 44 h 64"/>
+                <a:gd name="T12" fmla="*/ 160 w 184"/>
+                <a:gd name="T13" fmla="*/ 64 h 64"/>
+              </a:gdLst>
+              <a:ahLst/>
+              <a:cxnLst>
+                <a:cxn ang="0">
+                  <a:pos x="T0" y="T1"/>
+                </a:cxn>
+                <a:cxn ang="0">
+                  <a:pos x="T2" y="T3"/>
+                </a:cxn>
+                <a:cxn ang="0">
+                  <a:pos x="T4" y="T5"/>
+                </a:cxn>
+                <a:cxn ang="0">
+                  <a:pos x="T6" y="T7"/>
+                </a:cxn>
+                <a:cxn ang="0">
+                  <a:pos x="T8" y="T9"/>
+                </a:cxn>
+                <a:cxn ang="0">
+                  <a:pos x="T10" y="T11"/>
+                </a:cxn>
+                <a:cxn ang="0">
+                  <a:pos x="T12" y="T13"/>
+                </a:cxn>
+              </a:cxnLst>
+              <a:rect l="0" t="0" r="r" b="b"/>
+              <a:pathLst>
+                <a:path w="184" h="64">
+                  <a:moveTo>
+                    <a:pt x="160" y="64"/>
+                  </a:moveTo>
+                  <a:cubicBezTo>
+                    <a:pt x="144" y="43"/>
+                    <a:pt x="119" y="32"/>
+                    <a:pt x="92" y="32"/>
+                  </a:cubicBezTo>
+                  <a:cubicBezTo>
+                    <a:pt x="65" y="32"/>
+                    <a:pt x="40" y="43"/>
+                    <a:pt x="24" y="64"/>
+                  </a:cubicBezTo>
+                  <a:cubicBezTo>
+                    <a:pt x="0" y="44"/>
+                    <a:pt x="0" y="44"/>
+                    <a:pt x="0" y="44"/>
+                  </a:cubicBezTo>
+                  <a:cubicBezTo>
+                    <a:pt x="22" y="15"/>
+                    <a:pt x="55" y="0"/>
+                    <a:pt x="92" y="0"/>
+                  </a:cubicBezTo>
+                  <a:cubicBezTo>
+                    <a:pt x="129" y="0"/>
+                    <a:pt x="162" y="15"/>
+                    <a:pt x="184" y="44"/>
+                  </a:cubicBezTo>
+                  <a:lnTo>
+                    <a:pt x="160" y="64"/>
+                  </a:lnTo>
+                  <a:close/>
+                </a:path>
+              </a:pathLst>
+            </a:custGeom>
+            <a:solidFill>
+              <a:srgbClr val="647A8A"/>
+            </a:solidFill>
+            <a:ln>
+              <a:noFill/>
+            </a:ln>
+            <a:extLst>
+              <a:ext uri="{91240B29-F687-4F45-9708-019B960494DF}">
+                <a14:hiddenLine xmlns:a14="http://schemas.microsoft.com/office/drawing/2010/main" w="9525">
+                  <a:solidFill>
+                    <a:srgbClr val="000000"/>
+                  </a:solidFill>
+                  <a:round/>
+                  <a:headEnd/>
+                  <a:tailEnd/>
+                </a14:hiddenLine>
+              </a:ext>
+            </a:extLst>
+          </p:spPr>
+          <p:txBody>
+            <a:bodyPr vert="horz" wrap="square" lIns="91440" tIns="45720" rIns="91440" bIns="45720" numCol="1" anchor="t" anchorCtr="0" compatLnSpc="1">
+              <a:prstTxWarp prst="textNoShape">
+                <a:avLst/>
+              </a:prstTxWarp>
+            </a:bodyPr>
+            <a:lstStyle/>
+            <a:p>
+              <a:endParaRPr lang="zh-CN" altLang="en-US"/>
+            </a:p>
+          </p:txBody>
+        </p:sp>
+      </p:grpSp>
+      <p:grpSp>
+        <p:nvGrpSpPr>
+          <p:cNvPr id="84" name="Group 83">
+            <a:extLst>
+              <a:ext uri="{FF2B5EF4-FFF2-40B4-BE49-F238E27FC236}">
+                <a16:creationId xmlns:a16="http://schemas.microsoft.com/office/drawing/2014/main" id="{5C76F170-E12D-57D8-889B-CA5A3111043C}"/>
+              </a:ext>
+            </a:extLst>
+          </p:cNvPr>
+          <p:cNvGrpSpPr/>
+          <p:nvPr/>
+        </p:nvGrpSpPr>
+        <p:grpSpPr>
+          <a:xfrm>
+            <a:off x="8466560" y="1661902"/>
+            <a:ext cx="2880000" cy="2880000"/>
+            <a:chOff x="1638045" y="1466592"/>
+            <a:chExt cx="1832067" cy="1718187"/>
+          </a:xfrm>
+        </p:grpSpPr>
+        <p:grpSp>
+          <p:nvGrpSpPr>
+            <p:cNvPr id="52" name="组合 1056">
+              <a:extLst>
+                <a:ext uri="{FF2B5EF4-FFF2-40B4-BE49-F238E27FC236}">
+                  <a16:creationId xmlns:a16="http://schemas.microsoft.com/office/drawing/2014/main" id="{C7821782-F373-4EC0-B800-FAF439448A65}"/>
+                </a:ext>
+              </a:extLst>
+            </p:cNvPr>
+            <p:cNvGrpSpPr/>
+            <p:nvPr/>
+          </p:nvGrpSpPr>
+          <p:grpSpPr>
+            <a:xfrm>
+              <a:off x="1638045" y="1466592"/>
+              <a:ext cx="1832067" cy="1614825"/>
+              <a:chOff x="4938713" y="2617788"/>
+              <a:chExt cx="401637" cy="354012"/>
+            </a:xfrm>
+          </p:grpSpPr>
+          <p:sp>
+            <p:nvSpPr>
+              <p:cNvPr id="54" name="Freeform 713">
+                <a:extLst>
+                  <a:ext uri="{FF2B5EF4-FFF2-40B4-BE49-F238E27FC236}">
+                    <a16:creationId xmlns:a16="http://schemas.microsoft.com/office/drawing/2014/main" id="{C4FE3847-2601-BCB6-557E-5C871D333B8A}"/>
+                  </a:ext>
+                </a:extLst>
+              </p:cNvPr>
+              <p:cNvSpPr>
+                <a:spLocks/>
+              </p:cNvSpPr>
+              <p:nvPr/>
+            </p:nvSpPr>
+            <p:spPr bwMode="auto">
+              <a:xfrm>
+                <a:off x="5227638" y="2806700"/>
+                <a:ext cx="60325" cy="165100"/>
+              </a:xfrm>
+              <a:custGeom>
+                <a:avLst/>
+                <a:gdLst>
+                  <a:gd name="T0" fmla="*/ 90 w 90"/>
+                  <a:gd name="T1" fmla="*/ 204 h 249"/>
+                  <a:gd name="T2" fmla="*/ 45 w 90"/>
+                  <a:gd name="T3" fmla="*/ 249 h 249"/>
+                  <a:gd name="T4" fmla="*/ 45 w 90"/>
+                  <a:gd name="T5" fmla="*/ 249 h 249"/>
+                  <a:gd name="T6" fmla="*/ 0 w 90"/>
+                  <a:gd name="T7" fmla="*/ 204 h 249"/>
+                  <a:gd name="T8" fmla="*/ 0 w 90"/>
+                  <a:gd name="T9" fmla="*/ 46 h 249"/>
+                  <a:gd name="T10" fmla="*/ 45 w 90"/>
+                  <a:gd name="T11" fmla="*/ 0 h 249"/>
+                  <a:gd name="T12" fmla="*/ 45 w 90"/>
+                  <a:gd name="T13" fmla="*/ 0 h 249"/>
+                  <a:gd name="T14" fmla="*/ 90 w 90"/>
+                  <a:gd name="T15" fmla="*/ 46 h 249"/>
+                  <a:gd name="T16" fmla="*/ 90 w 90"/>
+                  <a:gd name="T17" fmla="*/ 204 h 249"/>
+                </a:gdLst>
+                <a:ahLst/>
+                <a:cxnLst>
+                  <a:cxn ang="0">
+                    <a:pos x="T0" y="T1"/>
+                  </a:cxn>
+                  <a:cxn ang="0">
+                    <a:pos x="T2" y="T3"/>
+                  </a:cxn>
+                  <a:cxn ang="0">
+                    <a:pos x="T4" y="T5"/>
+                  </a:cxn>
+                  <a:cxn ang="0">
+                    <a:pos x="T6" y="T7"/>
+                  </a:cxn>
+                  <a:cxn ang="0">
+                    <a:pos x="T8" y="T9"/>
+                  </a:cxn>
+                  <a:cxn ang="0">
+                    <a:pos x="T10" y="T11"/>
+                  </a:cxn>
+                  <a:cxn ang="0">
+                    <a:pos x="T12" y="T13"/>
+                  </a:cxn>
+                  <a:cxn ang="0">
+                    <a:pos x="T14" y="T15"/>
+                  </a:cxn>
+                  <a:cxn ang="0">
+                    <a:pos x="T16" y="T17"/>
+                  </a:cxn>
+                </a:cxnLst>
+                <a:rect l="0" t="0" r="r" b="b"/>
+                <a:pathLst>
+                  <a:path w="90" h="249">
+                    <a:moveTo>
+                      <a:pt x="90" y="204"/>
+                    </a:moveTo>
+                    <a:cubicBezTo>
+                      <a:pt x="90" y="229"/>
+                      <a:pt x="70" y="249"/>
+                      <a:pt x="45" y="249"/>
+                    </a:cubicBezTo>
+                    <a:cubicBezTo>
+                      <a:pt x="45" y="249"/>
+                      <a:pt x="45" y="249"/>
+                      <a:pt x="45" y="249"/>
+                    </a:cubicBezTo>
+                    <a:cubicBezTo>
+                      <a:pt x="20" y="249"/>
+                      <a:pt x="0" y="229"/>
+                      <a:pt x="0" y="204"/>
+                    </a:cubicBezTo>
+                    <a:cubicBezTo>
+                      <a:pt x="0" y="46"/>
+                      <a:pt x="0" y="46"/>
+                      <a:pt x="0" y="46"/>
+                    </a:cubicBezTo>
+                    <a:cubicBezTo>
+                      <a:pt x="0" y="21"/>
+                      <a:pt x="20" y="0"/>
+                      <a:pt x="45" y="0"/>
+                    </a:cubicBezTo>
+                    <a:cubicBezTo>
+                      <a:pt x="45" y="0"/>
+                      <a:pt x="45" y="0"/>
+                      <a:pt x="45" y="0"/>
+                    </a:cubicBezTo>
+                    <a:cubicBezTo>
+                      <a:pt x="70" y="0"/>
+                      <a:pt x="90" y="21"/>
+                      <a:pt x="90" y="46"/>
+                    </a:cubicBezTo>
+                    <a:lnTo>
+                      <a:pt x="90" y="204"/>
+                    </a:lnTo>
+                    <a:close/>
+                  </a:path>
+                </a:pathLst>
+              </a:custGeom>
+              <a:solidFill>
+                <a:srgbClr val="023A43"/>
+              </a:solidFill>
+              <a:ln>
+                <a:noFill/>
+              </a:ln>
+              <a:extLst>
+                <a:ext uri="{91240B29-F687-4F45-9708-019B960494DF}">
+                  <a14:hiddenLine xmlns:a14="http://schemas.microsoft.com/office/drawing/2010/main" w="9525">
+                    <a:solidFill>
+                      <a:srgbClr val="000000"/>
+                    </a:solidFill>
+                    <a:round/>
+                    <a:headEnd/>
+                    <a:tailEnd/>
+                  </a14:hiddenLine>
+                </a:ext>
+              </a:extLst>
+            </p:spPr>
+            <p:txBody>
+              <a:bodyPr vert="horz" wrap="square" lIns="91440" tIns="45720" rIns="91440" bIns="45720" numCol="1" anchor="t" anchorCtr="0" compatLnSpc="1">
+                <a:prstTxWarp prst="textNoShape">
+                  <a:avLst/>
+                </a:prstTxWarp>
+              </a:bodyPr>
+              <a:lstStyle/>
+              <a:p>
+                <a:endParaRPr lang="zh-CN" altLang="en-US"/>
+              </a:p>
+            </p:txBody>
+          </p:sp>
+          <p:sp>
+            <p:nvSpPr>
+              <p:cNvPr id="55" name="Freeform 714">
+                <a:extLst>
+                  <a:ext uri="{FF2B5EF4-FFF2-40B4-BE49-F238E27FC236}">
+                    <a16:creationId xmlns:a16="http://schemas.microsoft.com/office/drawing/2014/main" id="{5AD1788D-3316-C29C-1581-A0A7815949F5}"/>
+                  </a:ext>
+                </a:extLst>
+              </p:cNvPr>
+              <p:cNvSpPr>
+                <a:spLocks/>
+              </p:cNvSpPr>
+              <p:nvPr/>
+            </p:nvSpPr>
+            <p:spPr bwMode="auto">
+              <a:xfrm>
+                <a:off x="4986338" y="2806700"/>
+                <a:ext cx="60325" cy="165100"/>
+              </a:xfrm>
+              <a:custGeom>
+                <a:avLst/>
+                <a:gdLst>
+                  <a:gd name="T0" fmla="*/ 0 w 90"/>
+                  <a:gd name="T1" fmla="*/ 46 h 249"/>
+                  <a:gd name="T2" fmla="*/ 45 w 90"/>
+                  <a:gd name="T3" fmla="*/ 0 h 249"/>
+                  <a:gd name="T4" fmla="*/ 45 w 90"/>
+                  <a:gd name="T5" fmla="*/ 0 h 249"/>
+                  <a:gd name="T6" fmla="*/ 90 w 90"/>
+                  <a:gd name="T7" fmla="*/ 46 h 249"/>
+                  <a:gd name="T8" fmla="*/ 90 w 90"/>
+                  <a:gd name="T9" fmla="*/ 204 h 249"/>
+                  <a:gd name="T10" fmla="*/ 45 w 90"/>
+                  <a:gd name="T11" fmla="*/ 249 h 249"/>
+                  <a:gd name="T12" fmla="*/ 45 w 90"/>
+                  <a:gd name="T13" fmla="*/ 249 h 249"/>
+                  <a:gd name="T14" fmla="*/ 0 w 90"/>
+                  <a:gd name="T15" fmla="*/ 204 h 249"/>
+                  <a:gd name="T16" fmla="*/ 0 w 90"/>
+                  <a:gd name="T17" fmla="*/ 46 h 249"/>
+                </a:gdLst>
+                <a:ahLst/>
+                <a:cxnLst>
+                  <a:cxn ang="0">
+                    <a:pos x="T0" y="T1"/>
+                  </a:cxn>
+                  <a:cxn ang="0">
+                    <a:pos x="T2" y="T3"/>
+                  </a:cxn>
+                  <a:cxn ang="0">
+                    <a:pos x="T4" y="T5"/>
+                  </a:cxn>
+                  <a:cxn ang="0">
+                    <a:pos x="T6" y="T7"/>
+                  </a:cxn>
+                  <a:cxn ang="0">
+                    <a:pos x="T8" y="T9"/>
+                  </a:cxn>
+                  <a:cxn ang="0">
+                    <a:pos x="T10" y="T11"/>
+                  </a:cxn>
+                  <a:cxn ang="0">
+                    <a:pos x="T12" y="T13"/>
+                  </a:cxn>
+                  <a:cxn ang="0">
+                    <a:pos x="T14" y="T15"/>
+                  </a:cxn>
+                  <a:cxn ang="0">
+                    <a:pos x="T16" y="T17"/>
+                  </a:cxn>
+                </a:cxnLst>
+                <a:rect l="0" t="0" r="r" b="b"/>
+                <a:pathLst>
+                  <a:path w="90" h="249">
+                    <a:moveTo>
+                      <a:pt x="0" y="46"/>
+                    </a:moveTo>
+                    <a:cubicBezTo>
+                      <a:pt x="0" y="21"/>
+                      <a:pt x="20" y="0"/>
+                      <a:pt x="45" y="0"/>
+                    </a:cubicBezTo>
+                    <a:cubicBezTo>
+                      <a:pt x="45" y="0"/>
+                      <a:pt x="45" y="0"/>
+                      <a:pt x="45" y="0"/>
+                    </a:cubicBezTo>
+                    <a:cubicBezTo>
+                      <a:pt x="70" y="0"/>
+                      <a:pt x="90" y="21"/>
+                      <a:pt x="90" y="46"/>
+                    </a:cubicBezTo>
+                    <a:cubicBezTo>
+                      <a:pt x="90" y="204"/>
+                      <a:pt x="90" y="204"/>
+                      <a:pt x="90" y="204"/>
+                    </a:cubicBezTo>
+                    <a:cubicBezTo>
+                      <a:pt x="90" y="229"/>
+                      <a:pt x="70" y="249"/>
+                      <a:pt x="45" y="249"/>
+                    </a:cubicBezTo>
+                    <a:cubicBezTo>
+                      <a:pt x="45" y="249"/>
+                      <a:pt x="45" y="249"/>
+                      <a:pt x="45" y="249"/>
+                    </a:cubicBezTo>
+                    <a:cubicBezTo>
+                      <a:pt x="20" y="249"/>
+                      <a:pt x="0" y="229"/>
+                      <a:pt x="0" y="204"/>
+                    </a:cubicBezTo>
+                    <a:lnTo>
+                      <a:pt x="0" y="46"/>
+                    </a:lnTo>
+                    <a:close/>
+                  </a:path>
+                </a:pathLst>
+              </a:custGeom>
+              <a:solidFill>
+                <a:srgbClr val="023A43"/>
+              </a:solidFill>
+              <a:ln>
+                <a:noFill/>
+              </a:ln>
+              <a:extLst>
+                <a:ext uri="{91240B29-F687-4F45-9708-019B960494DF}">
+                  <a14:hiddenLine xmlns:a14="http://schemas.microsoft.com/office/drawing/2010/main" w="9525">
+                    <a:solidFill>
+                      <a:srgbClr val="000000"/>
+                    </a:solidFill>
+                    <a:round/>
+                    <a:headEnd/>
+                    <a:tailEnd/>
+                  </a14:hiddenLine>
+                </a:ext>
+              </a:extLst>
+            </p:spPr>
+            <p:txBody>
+              <a:bodyPr vert="horz" wrap="square" lIns="91440" tIns="45720" rIns="91440" bIns="45720" numCol="1" anchor="t" anchorCtr="0" compatLnSpc="1">
+                <a:prstTxWarp prst="textNoShape">
+                  <a:avLst/>
+                </a:prstTxWarp>
+              </a:bodyPr>
+              <a:lstStyle/>
+              <a:p>
+                <a:endParaRPr lang="zh-CN" altLang="en-US"/>
+              </a:p>
+            </p:txBody>
+          </p:sp>
+          <p:sp>
+            <p:nvSpPr>
+              <p:cNvPr id="56" name="Freeform 715">
+                <a:extLst>
+                  <a:ext uri="{FF2B5EF4-FFF2-40B4-BE49-F238E27FC236}">
+                    <a16:creationId xmlns:a16="http://schemas.microsoft.com/office/drawing/2014/main" id="{5620F11E-E68E-352B-ACFE-E2D483B48AAA}"/>
+                  </a:ext>
+                </a:extLst>
+              </p:cNvPr>
+              <p:cNvSpPr>
+                <a:spLocks/>
+              </p:cNvSpPr>
+              <p:nvPr/>
+            </p:nvSpPr>
+            <p:spPr bwMode="auto">
+              <a:xfrm>
+                <a:off x="4938713" y="2632075"/>
+                <a:ext cx="401637" cy="234950"/>
+              </a:xfrm>
+              <a:custGeom>
+                <a:avLst/>
+                <a:gdLst>
+                  <a:gd name="T0" fmla="*/ 574 w 603"/>
+                  <a:gd name="T1" fmla="*/ 354 h 354"/>
+                  <a:gd name="T2" fmla="*/ 558 w 603"/>
+                  <a:gd name="T3" fmla="*/ 351 h 354"/>
+                  <a:gd name="T4" fmla="*/ 504 w 603"/>
+                  <a:gd name="T5" fmla="*/ 94 h 354"/>
+                  <a:gd name="T6" fmla="*/ 307 w 603"/>
+                  <a:gd name="T7" fmla="*/ 16 h 354"/>
+                  <a:gd name="T8" fmla="*/ 104 w 603"/>
+                  <a:gd name="T9" fmla="*/ 95 h 354"/>
+                  <a:gd name="T10" fmla="*/ 36 w 603"/>
+                  <a:gd name="T11" fmla="*/ 351 h 354"/>
+                  <a:gd name="T12" fmla="*/ 20 w 603"/>
+                  <a:gd name="T13" fmla="*/ 353 h 354"/>
+                  <a:gd name="T14" fmla="*/ 92 w 603"/>
+                  <a:gd name="T15" fmla="*/ 84 h 354"/>
+                  <a:gd name="T16" fmla="*/ 307 w 603"/>
+                  <a:gd name="T17" fmla="*/ 0 h 354"/>
+                  <a:gd name="T18" fmla="*/ 517 w 603"/>
+                  <a:gd name="T19" fmla="*/ 83 h 354"/>
+                  <a:gd name="T20" fmla="*/ 574 w 603"/>
+                  <a:gd name="T21" fmla="*/ 354 h 354"/>
+                </a:gdLst>
+                <a:ahLst/>
+                <a:cxnLst>
+                  <a:cxn ang="0">
+                    <a:pos x="T0" y="T1"/>
+                  </a:cxn>
+                  <a:cxn ang="0">
+                    <a:pos x="T2" y="T3"/>
+                  </a:cxn>
+                  <a:cxn ang="0">
+                    <a:pos x="T4" y="T5"/>
+                  </a:cxn>
+                  <a:cxn ang="0">
+                    <a:pos x="T6" y="T7"/>
+                  </a:cxn>
+                  <a:cxn ang="0">
+                    <a:pos x="T8" y="T9"/>
+                  </a:cxn>
+                  <a:cxn ang="0">
+                    <a:pos x="T10" y="T11"/>
+                  </a:cxn>
+                  <a:cxn ang="0">
+                    <a:pos x="T12" y="T13"/>
+                  </a:cxn>
+                  <a:cxn ang="0">
+                    <a:pos x="T14" y="T15"/>
+                  </a:cxn>
+                  <a:cxn ang="0">
+                    <a:pos x="T16" y="T17"/>
+                  </a:cxn>
+                  <a:cxn ang="0">
+                    <a:pos x="T18" y="T19"/>
+                  </a:cxn>
+                  <a:cxn ang="0">
+                    <a:pos x="T20" y="T21"/>
+                  </a:cxn>
+                </a:cxnLst>
+                <a:rect l="0" t="0" r="r" b="b"/>
+                <a:pathLst>
+                  <a:path w="603" h="354">
+                    <a:moveTo>
+                      <a:pt x="574" y="354"/>
+                    </a:moveTo>
+                    <a:cubicBezTo>
+                      <a:pt x="558" y="351"/>
+                      <a:pt x="558" y="351"/>
+                      <a:pt x="558" y="351"/>
+                    </a:cubicBezTo>
+                    <a:cubicBezTo>
+                      <a:pt x="558" y="349"/>
+                      <a:pt x="585" y="192"/>
+                      <a:pt x="504" y="94"/>
+                    </a:cubicBezTo>
+                    <a:cubicBezTo>
+                      <a:pt x="461" y="42"/>
+                      <a:pt x="395" y="16"/>
+                      <a:pt x="307" y="16"/>
+                    </a:cubicBezTo>
+                    <a:cubicBezTo>
+                      <a:pt x="219" y="16"/>
+                      <a:pt x="151" y="43"/>
+                      <a:pt x="104" y="95"/>
+                    </a:cubicBezTo>
+                    <a:cubicBezTo>
+                      <a:pt x="18" y="193"/>
+                      <a:pt x="36" y="349"/>
+                      <a:pt x="36" y="351"/>
+                    </a:cubicBezTo>
+                    <a:cubicBezTo>
+                      <a:pt x="20" y="353"/>
+                      <a:pt x="20" y="353"/>
+                      <a:pt x="20" y="353"/>
+                    </a:cubicBezTo>
+                    <a:cubicBezTo>
+                      <a:pt x="19" y="346"/>
+                      <a:pt x="0" y="187"/>
+                      <a:pt x="92" y="84"/>
+                    </a:cubicBezTo>
+                    <a:cubicBezTo>
+                      <a:pt x="141" y="28"/>
+                      <a:pt x="214" y="0"/>
+                      <a:pt x="307" y="0"/>
+                    </a:cubicBezTo>
+                    <a:cubicBezTo>
+                      <a:pt x="400" y="0"/>
+                      <a:pt x="470" y="28"/>
+                      <a:pt x="517" y="83"/>
+                    </a:cubicBezTo>
+                    <a:cubicBezTo>
+                      <a:pt x="603" y="187"/>
+                      <a:pt x="575" y="347"/>
+                      <a:pt x="574" y="354"/>
+                    </a:cubicBezTo>
+                    <a:close/>
+                  </a:path>
+                </a:pathLst>
+              </a:custGeom>
+              <a:solidFill>
+                <a:schemeClr val="tx1">
+                  <a:lumMod val="85000"/>
+                  <a:lumOff val="15000"/>
+                </a:schemeClr>
+              </a:solidFill>
+              <a:ln>
+                <a:noFill/>
+              </a:ln>
+              <a:extLst>
+                <a:ext uri="{91240B29-F687-4F45-9708-019B960494DF}">
+                  <a14:hiddenLine xmlns:a14="http://schemas.microsoft.com/office/drawing/2010/main" w="9525">
+                    <a:solidFill>
+                      <a:srgbClr val="000000"/>
+                    </a:solidFill>
+                    <a:round/>
+                    <a:headEnd/>
+                    <a:tailEnd/>
+                  </a14:hiddenLine>
+                </a:ext>
+              </a:extLst>
+            </p:spPr>
+            <p:txBody>
+              <a:bodyPr vert="horz" wrap="square" lIns="91440" tIns="45720" rIns="91440" bIns="45720" numCol="1" anchor="t" anchorCtr="0" compatLnSpc="1">
+                <a:prstTxWarp prst="textNoShape">
+                  <a:avLst/>
+                </a:prstTxWarp>
+              </a:bodyPr>
+              <a:lstStyle/>
+              <a:p>
+                <a:endParaRPr lang="zh-CN" altLang="en-US" dirty="0"/>
+              </a:p>
+            </p:txBody>
+          </p:sp>
+          <p:sp>
+            <p:nvSpPr>
+              <p:cNvPr id="57" name="Freeform 716">
+                <a:extLst>
+                  <a:ext uri="{FF2B5EF4-FFF2-40B4-BE49-F238E27FC236}">
+                    <a16:creationId xmlns:a16="http://schemas.microsoft.com/office/drawing/2014/main" id="{CD64F4A3-42F1-0549-94CA-8D2E1914004C}"/>
+                  </a:ext>
+                </a:extLst>
+              </p:cNvPr>
+              <p:cNvSpPr>
+                <a:spLocks/>
+              </p:cNvSpPr>
+              <p:nvPr/>
+            </p:nvSpPr>
+            <p:spPr bwMode="auto">
+              <a:xfrm>
+                <a:off x="4962525" y="2617788"/>
+                <a:ext cx="347662" cy="119063"/>
+              </a:xfrm>
+              <a:custGeom>
+                <a:avLst/>
+                <a:gdLst>
+                  <a:gd name="T0" fmla="*/ 28 w 523"/>
+                  <a:gd name="T1" fmla="*/ 178 h 178"/>
+                  <a:gd name="T2" fmla="*/ 20 w 523"/>
+                  <a:gd name="T3" fmla="*/ 177 h 178"/>
+                  <a:gd name="T4" fmla="*/ 5 w 523"/>
+                  <a:gd name="T5" fmla="*/ 146 h 178"/>
+                  <a:gd name="T6" fmla="*/ 272 w 523"/>
+                  <a:gd name="T7" fmla="*/ 0 h 178"/>
+                  <a:gd name="T8" fmla="*/ 520 w 523"/>
+                  <a:gd name="T9" fmla="*/ 139 h 178"/>
+                  <a:gd name="T10" fmla="*/ 500 w 523"/>
+                  <a:gd name="T11" fmla="*/ 168 h 178"/>
+                  <a:gd name="T12" fmla="*/ 471 w 523"/>
+                  <a:gd name="T13" fmla="*/ 148 h 178"/>
+                  <a:gd name="T14" fmla="*/ 272 w 523"/>
+                  <a:gd name="T15" fmla="*/ 50 h 178"/>
+                  <a:gd name="T16" fmla="*/ 52 w 523"/>
+                  <a:gd name="T17" fmla="*/ 162 h 178"/>
+                  <a:gd name="T18" fmla="*/ 28 w 523"/>
+                  <a:gd name="T19" fmla="*/ 178 h 178"/>
+                </a:gdLst>
+                <a:ahLst/>
+                <a:cxnLst>
+                  <a:cxn ang="0">
+                    <a:pos x="T0" y="T1"/>
+                  </a:cxn>
+                  <a:cxn ang="0">
+                    <a:pos x="T2" y="T3"/>
+                  </a:cxn>
+                  <a:cxn ang="0">
+                    <a:pos x="T4" y="T5"/>
+                  </a:cxn>
+                  <a:cxn ang="0">
+                    <a:pos x="T6" y="T7"/>
+                  </a:cxn>
+                  <a:cxn ang="0">
+                    <a:pos x="T8" y="T9"/>
+                  </a:cxn>
+                  <a:cxn ang="0">
+                    <a:pos x="T10" y="T11"/>
+                  </a:cxn>
+                  <a:cxn ang="0">
+                    <a:pos x="T12" y="T13"/>
+                  </a:cxn>
+                  <a:cxn ang="0">
+                    <a:pos x="T14" y="T15"/>
+                  </a:cxn>
+                  <a:cxn ang="0">
+                    <a:pos x="T16" y="T17"/>
+                  </a:cxn>
+                  <a:cxn ang="0">
+                    <a:pos x="T18" y="T19"/>
+                  </a:cxn>
+                </a:cxnLst>
+                <a:rect l="0" t="0" r="r" b="b"/>
+                <a:pathLst>
+                  <a:path w="523" h="178">
+                    <a:moveTo>
+                      <a:pt x="28" y="178"/>
+                    </a:moveTo>
+                    <a:cubicBezTo>
+                      <a:pt x="26" y="178"/>
+                      <a:pt x="23" y="178"/>
+                      <a:pt x="20" y="177"/>
+                    </a:cubicBezTo>
+                    <a:cubicBezTo>
+                      <a:pt x="7" y="173"/>
+                      <a:pt x="0" y="159"/>
+                      <a:pt x="5" y="146"/>
+                    </a:cubicBezTo>
+                    <a:cubicBezTo>
+                      <a:pt x="6" y="140"/>
+                      <a:pt x="55" y="0"/>
+                      <a:pt x="272" y="0"/>
+                    </a:cubicBezTo>
+                    <a:cubicBezTo>
+                      <a:pt x="491" y="0"/>
+                      <a:pt x="519" y="133"/>
+                      <a:pt x="520" y="139"/>
+                    </a:cubicBezTo>
+                    <a:cubicBezTo>
+                      <a:pt x="523" y="152"/>
+                      <a:pt x="514" y="165"/>
+                      <a:pt x="500" y="168"/>
+                    </a:cubicBezTo>
+                    <a:cubicBezTo>
+                      <a:pt x="487" y="171"/>
+                      <a:pt x="474" y="162"/>
+                      <a:pt x="471" y="148"/>
+                    </a:cubicBezTo>
+                    <a:cubicBezTo>
+                      <a:pt x="470" y="144"/>
+                      <a:pt x="448" y="50"/>
+                      <a:pt x="272" y="50"/>
+                    </a:cubicBezTo>
+                    <a:cubicBezTo>
+                      <a:pt x="93" y="50"/>
+                      <a:pt x="54" y="157"/>
+                      <a:pt x="52" y="162"/>
+                    </a:cubicBezTo>
+                    <a:cubicBezTo>
+                      <a:pt x="48" y="172"/>
+                      <a:pt x="39" y="178"/>
+                      <a:pt x="28" y="178"/>
+                    </a:cubicBezTo>
+                    <a:close/>
+                  </a:path>
+                </a:pathLst>
+              </a:custGeom>
+              <a:solidFill>
+                <a:srgbClr val="647A8A"/>
+              </a:solidFill>
+              <a:ln>
+                <a:noFill/>
+              </a:ln>
+              <a:extLst>
+                <a:ext uri="{91240B29-F687-4F45-9708-019B960494DF}">
+                  <a14:hiddenLine xmlns:a14="http://schemas.microsoft.com/office/drawing/2010/main" w="9525">
+                    <a:solidFill>
+                      <a:srgbClr val="000000"/>
+                    </a:solidFill>
+                    <a:round/>
+                    <a:headEnd/>
+                    <a:tailEnd/>
+                  </a14:hiddenLine>
+                </a:ext>
+              </a:extLst>
+            </p:spPr>
+            <p:txBody>
+              <a:bodyPr vert="horz" wrap="square" lIns="91440" tIns="45720" rIns="91440" bIns="45720" numCol="1" anchor="t" anchorCtr="0" compatLnSpc="1">
+                <a:prstTxWarp prst="textNoShape">
+                  <a:avLst/>
+                </a:prstTxWarp>
+              </a:bodyPr>
+              <a:lstStyle/>
+              <a:p>
+                <a:endParaRPr lang="zh-CN" altLang="en-US"/>
+              </a:p>
+            </p:txBody>
+          </p:sp>
+          <p:sp>
+            <p:nvSpPr>
+              <p:cNvPr id="58" name="Freeform 717">
+                <a:extLst>
+                  <a:ext uri="{FF2B5EF4-FFF2-40B4-BE49-F238E27FC236}">
+                    <a16:creationId xmlns:a16="http://schemas.microsoft.com/office/drawing/2014/main" id="{6B9F7239-2229-1CB7-5307-75F310CC10D4}"/>
+                  </a:ext>
+                </a:extLst>
+              </p:cNvPr>
+              <p:cNvSpPr>
+                <a:spLocks/>
+              </p:cNvSpPr>
+              <p:nvPr/>
+            </p:nvSpPr>
+            <p:spPr bwMode="auto">
+              <a:xfrm>
+                <a:off x="5292725" y="2843213"/>
+                <a:ext cx="33337" cy="92075"/>
+              </a:xfrm>
+              <a:custGeom>
+                <a:avLst/>
+                <a:gdLst>
+                  <a:gd name="T0" fmla="*/ 0 w 51"/>
+                  <a:gd name="T1" fmla="*/ 0 h 139"/>
+                  <a:gd name="T2" fmla="*/ 0 w 51"/>
+                  <a:gd name="T3" fmla="*/ 139 h 139"/>
+                  <a:gd name="T4" fmla="*/ 51 w 51"/>
+                  <a:gd name="T5" fmla="*/ 70 h 139"/>
+                  <a:gd name="T6" fmla="*/ 0 w 51"/>
+                  <a:gd name="T7" fmla="*/ 0 h 139"/>
+                </a:gdLst>
+                <a:ahLst/>
+                <a:cxnLst>
+                  <a:cxn ang="0">
+                    <a:pos x="T0" y="T1"/>
+                  </a:cxn>
+                  <a:cxn ang="0">
+                    <a:pos x="T2" y="T3"/>
+                  </a:cxn>
+                  <a:cxn ang="0">
+                    <a:pos x="T4" y="T5"/>
+                  </a:cxn>
+                  <a:cxn ang="0">
+                    <a:pos x="T6" y="T7"/>
+                  </a:cxn>
+                </a:cxnLst>
+                <a:rect l="0" t="0" r="r" b="b"/>
+                <a:pathLst>
+                  <a:path w="51" h="139">
+                    <a:moveTo>
+                      <a:pt x="0" y="0"/>
+                    </a:moveTo>
+                    <a:cubicBezTo>
+                      <a:pt x="0" y="139"/>
+                      <a:pt x="0" y="139"/>
+                      <a:pt x="0" y="139"/>
+                    </a:cubicBezTo>
+                    <a:cubicBezTo>
+                      <a:pt x="29" y="139"/>
+                      <a:pt x="51" y="108"/>
+                      <a:pt x="51" y="70"/>
+                    </a:cubicBezTo>
+                    <a:cubicBezTo>
+                      <a:pt x="51" y="31"/>
+                      <a:pt x="29" y="0"/>
+                      <a:pt x="0" y="0"/>
+                    </a:cubicBezTo>
+                    <a:close/>
+                  </a:path>
+                </a:pathLst>
+              </a:custGeom>
+              <a:solidFill>
+                <a:srgbClr val="41C19D"/>
+              </a:solidFill>
+              <a:ln>
+                <a:noFill/>
+              </a:ln>
+              <a:extLst>
+                <a:ext uri="{91240B29-F687-4F45-9708-019B960494DF}">
+                  <a14:hiddenLine xmlns:a14="http://schemas.microsoft.com/office/drawing/2010/main" w="9525">
+                    <a:solidFill>
+                      <a:srgbClr val="000000"/>
+                    </a:solidFill>
+                    <a:round/>
+                    <a:headEnd/>
+                    <a:tailEnd/>
+                  </a14:hiddenLine>
+                </a:ext>
+              </a:extLst>
+            </p:spPr>
+            <p:txBody>
+              <a:bodyPr vert="horz" wrap="square" lIns="91440" tIns="45720" rIns="91440" bIns="45720" numCol="1" anchor="t" anchorCtr="0" compatLnSpc="1">
+                <a:prstTxWarp prst="textNoShape">
+                  <a:avLst/>
+                </a:prstTxWarp>
+              </a:bodyPr>
+              <a:lstStyle/>
+              <a:p>
+                <a:endParaRPr lang="zh-CN" altLang="en-US"/>
+              </a:p>
+            </p:txBody>
+          </p:sp>
+          <p:sp>
+            <p:nvSpPr>
+              <p:cNvPr id="59" name="Freeform 718">
+                <a:extLst>
+                  <a:ext uri="{FF2B5EF4-FFF2-40B4-BE49-F238E27FC236}">
+                    <a16:creationId xmlns:a16="http://schemas.microsoft.com/office/drawing/2014/main" id="{4D11B817-7EEF-5EA7-F81B-DD047055ECE7}"/>
+                  </a:ext>
+                </a:extLst>
+              </p:cNvPr>
+              <p:cNvSpPr>
+                <a:spLocks/>
+              </p:cNvSpPr>
+              <p:nvPr/>
+            </p:nvSpPr>
+            <p:spPr bwMode="auto">
+              <a:xfrm>
+                <a:off x="4946650" y="2843213"/>
+                <a:ext cx="34925" cy="92075"/>
+              </a:xfrm>
+              <a:custGeom>
+                <a:avLst/>
+                <a:gdLst>
+                  <a:gd name="T0" fmla="*/ 51 w 51"/>
+                  <a:gd name="T1" fmla="*/ 139 h 139"/>
+                  <a:gd name="T2" fmla="*/ 51 w 51"/>
+                  <a:gd name="T3" fmla="*/ 0 h 139"/>
+                  <a:gd name="T4" fmla="*/ 0 w 51"/>
+                  <a:gd name="T5" fmla="*/ 70 h 139"/>
+                  <a:gd name="T6" fmla="*/ 51 w 51"/>
+                  <a:gd name="T7" fmla="*/ 139 h 139"/>
+                </a:gdLst>
+                <a:ahLst/>
+                <a:cxnLst>
+                  <a:cxn ang="0">
+                    <a:pos x="T0" y="T1"/>
+                  </a:cxn>
+                  <a:cxn ang="0">
+                    <a:pos x="T2" y="T3"/>
+                  </a:cxn>
+                  <a:cxn ang="0">
+                    <a:pos x="T4" y="T5"/>
+                  </a:cxn>
+                  <a:cxn ang="0">
+                    <a:pos x="T6" y="T7"/>
+                  </a:cxn>
+                </a:cxnLst>
+                <a:rect l="0" t="0" r="r" b="b"/>
+                <a:pathLst>
+                  <a:path w="51" h="139">
+                    <a:moveTo>
+                      <a:pt x="51" y="139"/>
+                    </a:moveTo>
+                    <a:cubicBezTo>
+                      <a:pt x="51" y="0"/>
+                      <a:pt x="51" y="0"/>
+                      <a:pt x="51" y="0"/>
+                    </a:cubicBezTo>
+                    <a:cubicBezTo>
+                      <a:pt x="23" y="0"/>
+                      <a:pt x="0" y="31"/>
+                      <a:pt x="0" y="70"/>
+                    </a:cubicBezTo>
+                    <a:cubicBezTo>
+                      <a:pt x="0" y="108"/>
+                      <a:pt x="23" y="139"/>
+                      <a:pt x="51" y="139"/>
+                    </a:cubicBezTo>
+                    <a:close/>
+                  </a:path>
+                </a:pathLst>
+              </a:custGeom>
+              <a:solidFill>
+                <a:srgbClr val="41C19D"/>
+              </a:solidFill>
+              <a:ln>
+                <a:noFill/>
+              </a:ln>
+              <a:extLst>
+                <a:ext uri="{91240B29-F687-4F45-9708-019B960494DF}">
+                  <a14:hiddenLine xmlns:a14="http://schemas.microsoft.com/office/drawing/2010/main" w="9525">
+                    <a:solidFill>
+                      <a:srgbClr val="000000"/>
+                    </a:solidFill>
+                    <a:round/>
+                    <a:headEnd/>
+                    <a:tailEnd/>
+                  </a14:hiddenLine>
+                </a:ext>
+              </a:extLst>
+            </p:spPr>
+            <p:txBody>
+              <a:bodyPr vert="horz" wrap="square" lIns="91440" tIns="45720" rIns="91440" bIns="45720" numCol="1" anchor="t" anchorCtr="0" compatLnSpc="1">
+                <a:prstTxWarp prst="textNoShape">
+                  <a:avLst/>
+                </a:prstTxWarp>
+              </a:bodyPr>
+              <a:lstStyle/>
+              <a:p>
+                <a:endParaRPr lang="zh-CN" altLang="en-US"/>
+              </a:p>
+            </p:txBody>
+          </p:sp>
+        </p:grpSp>
+        <p:pic>
+          <p:nvPicPr>
+            <p:cNvPr id="83" name="Graphic 82" descr="Voice with solid fill">
+              <a:extLst>
+                <a:ext uri="{FF2B5EF4-FFF2-40B4-BE49-F238E27FC236}">
+                  <a16:creationId xmlns:a16="http://schemas.microsoft.com/office/drawing/2014/main" id="{4DC1ECC8-E439-C361-27D2-3DB9238B7F7D}"/>
+                </a:ext>
+              </a:extLst>
+            </p:cNvPr>
+            <p:cNvPicPr>
+              <a:picLocks noChangeAspect="1"/>
+            </p:cNvPicPr>
+            <p:nvPr/>
+          </p:nvPicPr>
+          <p:blipFill>
+            <a:blip r:embed="rId2">
+              <a:extLst>
+                <a:ext uri="{96DAC541-7B7A-43D3-8B79-37D633B846F1}">
+                  <asvg:svgBlip xmlns:asvg="http://schemas.microsoft.com/office/drawing/2016/SVG/main" r:embed="rId3"/>
+                </a:ext>
+              </a:extLst>
+            </a:blip>
+            <a:stretch>
+              <a:fillRect/>
+            </a:stretch>
+          </p:blipFill>
+          <p:spPr>
+            <a:xfrm>
+              <a:off x="2120734" y="2270379"/>
+              <a:ext cx="914400" cy="914400"/>
+            </a:xfrm>
+            <a:prstGeom prst="rect">
+              <a:avLst/>
+            </a:prstGeom>
+          </p:spPr>
+        </p:pic>
+      </p:grpSp>
+    </p:spTree>
+    <p:extLst>
+      <p:ext uri="{BB962C8B-B14F-4D97-AF65-F5344CB8AC3E}">
+        <p14:creationId xmlns:p14="http://schemas.microsoft.com/office/powerpoint/2010/main" val="775444804"/>
       </p:ext>
     </p:extLst>
   </p:cSld>
@@ -6419,6 +11584,687 @@
         <p:cNvPr id="1" name="">
           <a:extLst>
             <a:ext uri="{FF2B5EF4-FFF2-40B4-BE49-F238E27FC236}">
+              <a16:creationId xmlns:a16="http://schemas.microsoft.com/office/drawing/2014/main" id="{E2413F89-EA55-247F-3DA9-AE69952208E7}"/>
+            </a:ext>
+          </a:extLst>
+        </p:cNvPr>
+        <p:cNvGrpSpPr/>
+        <p:nvPr/>
+      </p:nvGrpSpPr>
+      <p:grpSpPr>
+        <a:xfrm>
+          <a:off x="0" y="0"/>
+          <a:ext cx="0" cy="0"/>
+          <a:chOff x="0" y="0"/>
+          <a:chExt cx="0" cy="0"/>
+        </a:xfrm>
+      </p:grpSpPr>
+      <p:sp>
+        <p:nvSpPr>
+          <p:cNvPr id="12" name="Rounded Rectangle 11">
+            <a:extLst>
+              <a:ext uri="{FF2B5EF4-FFF2-40B4-BE49-F238E27FC236}">
+                <a16:creationId xmlns:a16="http://schemas.microsoft.com/office/drawing/2014/main" id="{26829979-1A45-AF9E-A1AD-89E912C2B6B0}"/>
+              </a:ext>
+            </a:extLst>
+          </p:cNvPr>
+          <p:cNvSpPr/>
+          <p:nvPr/>
+        </p:nvSpPr>
+        <p:spPr>
+          <a:xfrm>
+            <a:off x="4183224" y="856732"/>
+            <a:ext cx="5400000" cy="5400000"/>
+          </a:xfrm>
+          <a:prstGeom prst="roundRect">
+            <a:avLst>
+              <a:gd name="adj" fmla="val 13588"/>
+            </a:avLst>
+          </a:prstGeom>
+          <a:solidFill>
+            <a:schemeClr val="bg1"/>
+          </a:solidFill>
+          <a:ln>
+            <a:noFill/>
+          </a:ln>
+        </p:spPr>
+        <p:style>
+          <a:lnRef idx="2">
+            <a:schemeClr val="accent1">
+              <a:shade val="15000"/>
+            </a:schemeClr>
+          </a:lnRef>
+          <a:fillRef idx="1">
+            <a:schemeClr val="accent1"/>
+          </a:fillRef>
+          <a:effectRef idx="0">
+            <a:schemeClr val="accent1"/>
+          </a:effectRef>
+          <a:fontRef idx="minor">
+            <a:schemeClr val="lt1"/>
+          </a:fontRef>
+        </p:style>
+        <p:txBody>
+          <a:bodyPr rtlCol="0" anchor="ctr"/>
+          <a:lstStyle/>
+          <a:p>
+            <a:pPr algn="ctr"/>
+            <a:endParaRPr lang="en-CN"/>
+          </a:p>
+        </p:txBody>
+      </p:sp>
+      <p:sp>
+        <p:nvSpPr>
+          <p:cNvPr id="4" name="Round Diagonal Corner Rectangle 3">
+            <a:extLst>
+              <a:ext uri="{FF2B5EF4-FFF2-40B4-BE49-F238E27FC236}">
+                <a16:creationId xmlns:a16="http://schemas.microsoft.com/office/drawing/2014/main" id="{0D6CB955-ECB0-5FA9-B6C1-DE35947D2203}"/>
+              </a:ext>
+            </a:extLst>
+          </p:cNvPr>
+          <p:cNvSpPr/>
+          <p:nvPr/>
+        </p:nvSpPr>
+        <p:spPr>
+          <a:xfrm>
+            <a:off x="5956634" y="1105268"/>
+            <a:ext cx="1223999" cy="1224000"/>
+          </a:xfrm>
+          <a:prstGeom prst="round2DiagRect">
+            <a:avLst>
+              <a:gd name="adj1" fmla="val 50000"/>
+              <a:gd name="adj2" fmla="val 0"/>
+            </a:avLst>
+          </a:prstGeom>
+          <a:solidFill>
+            <a:schemeClr val="accent6">
+              <a:lumMod val="60000"/>
+              <a:lumOff val="40000"/>
+            </a:schemeClr>
+          </a:solidFill>
+          <a:ln>
+            <a:noFill/>
+          </a:ln>
+        </p:spPr>
+        <p:style>
+          <a:lnRef idx="2">
+            <a:schemeClr val="accent1">
+              <a:shade val="15000"/>
+            </a:schemeClr>
+          </a:lnRef>
+          <a:fillRef idx="1">
+            <a:schemeClr val="accent1"/>
+          </a:fillRef>
+          <a:effectRef idx="0">
+            <a:schemeClr val="accent1"/>
+          </a:effectRef>
+          <a:fontRef idx="minor">
+            <a:schemeClr val="lt1"/>
+          </a:fontRef>
+        </p:style>
+        <p:txBody>
+          <a:bodyPr rtlCol="0" anchor="ctr"/>
+          <a:lstStyle/>
+          <a:p>
+            <a:pPr algn="ctr"/>
+            <a:endParaRPr lang="en-CN" dirty="0"/>
+          </a:p>
+        </p:txBody>
+      </p:sp>
+      <p:sp>
+        <p:nvSpPr>
+          <p:cNvPr id="11" name="Rectangle 10">
+            <a:extLst>
+              <a:ext uri="{FF2B5EF4-FFF2-40B4-BE49-F238E27FC236}">
+                <a16:creationId xmlns:a16="http://schemas.microsoft.com/office/drawing/2014/main" id="{F4AAF636-BF62-8237-6888-8E488C2844DD}"/>
+              </a:ext>
+            </a:extLst>
+          </p:cNvPr>
+          <p:cNvSpPr/>
+          <p:nvPr/>
+        </p:nvSpPr>
+        <p:spPr>
+          <a:xfrm>
+            <a:off x="-515944" y="5389265"/>
+            <a:ext cx="1224000" cy="1224000"/>
+          </a:xfrm>
+          <a:prstGeom prst="rect">
+            <a:avLst/>
+          </a:prstGeom>
+          <a:solidFill>
+            <a:srgbClr val="3A4BC0"/>
+          </a:solidFill>
+          <a:ln>
+            <a:noFill/>
+          </a:ln>
+        </p:spPr>
+        <p:style>
+          <a:lnRef idx="2">
+            <a:schemeClr val="accent1">
+              <a:shade val="15000"/>
+            </a:schemeClr>
+          </a:lnRef>
+          <a:fillRef idx="1">
+            <a:schemeClr val="accent1"/>
+          </a:fillRef>
+          <a:effectRef idx="0">
+            <a:schemeClr val="accent1"/>
+          </a:effectRef>
+          <a:fontRef idx="minor">
+            <a:schemeClr val="lt1"/>
+          </a:fontRef>
+        </p:style>
+        <p:txBody>
+          <a:bodyPr rtlCol="0" anchor="ctr"/>
+          <a:lstStyle/>
+          <a:p>
+            <a:pPr algn="ctr"/>
+            <a:endParaRPr lang="en-CN" dirty="0"/>
+          </a:p>
+        </p:txBody>
+      </p:sp>
+      <p:sp>
+        <p:nvSpPr>
+          <p:cNvPr id="22" name="Freeform 21">
+            <a:extLst>
+              <a:ext uri="{FF2B5EF4-FFF2-40B4-BE49-F238E27FC236}">
+                <a16:creationId xmlns:a16="http://schemas.microsoft.com/office/drawing/2014/main" id="{03455075-0173-5DC6-08CE-966B1ADAE8DE}"/>
+              </a:ext>
+            </a:extLst>
+          </p:cNvPr>
+          <p:cNvSpPr/>
+          <p:nvPr/>
+        </p:nvSpPr>
+        <p:spPr>
+          <a:xfrm rot="16200000" flipH="1">
+            <a:off x="3508636" y="3553270"/>
+            <a:ext cx="3671996" cy="1224000"/>
+          </a:xfrm>
+          <a:custGeom>
+            <a:avLst/>
+            <a:gdLst>
+              <a:gd name="connsiteX0" fmla="*/ 0 w 3671996"/>
+              <a:gd name="connsiteY0" fmla="*/ 1223999 h 1224000"/>
+              <a:gd name="connsiteX1" fmla="*/ 0 w 3671996"/>
+              <a:gd name="connsiteY1" fmla="*/ 1224000 h 1224000"/>
+              <a:gd name="connsiteX2" fmla="*/ 3059996 w 3671996"/>
+              <a:gd name="connsiteY2" fmla="*/ 1224000 h 1224000"/>
+              <a:gd name="connsiteX3" fmla="*/ 3671996 w 3671996"/>
+              <a:gd name="connsiteY3" fmla="*/ 612000 h 1224000"/>
+              <a:gd name="connsiteX4" fmla="*/ 3671996 w 3671996"/>
+              <a:gd name="connsiteY4" fmla="*/ 0 h 1224000"/>
+              <a:gd name="connsiteX5" fmla="*/ 2448000 w 3671996"/>
+              <a:gd name="connsiteY5" fmla="*/ 0 h 1224000"/>
+              <a:gd name="connsiteX6" fmla="*/ 2448000 w 3671996"/>
+              <a:gd name="connsiteY6" fmla="*/ 1223999 h 1224000"/>
+            </a:gdLst>
+            <a:ahLst/>
+            <a:cxnLst>
+              <a:cxn ang="0">
+                <a:pos x="connsiteX0" y="connsiteY0"/>
+              </a:cxn>
+              <a:cxn ang="0">
+                <a:pos x="connsiteX1" y="connsiteY1"/>
+              </a:cxn>
+              <a:cxn ang="0">
+                <a:pos x="connsiteX2" y="connsiteY2"/>
+              </a:cxn>
+              <a:cxn ang="0">
+                <a:pos x="connsiteX3" y="connsiteY3"/>
+              </a:cxn>
+              <a:cxn ang="0">
+                <a:pos x="connsiteX4" y="connsiteY4"/>
+              </a:cxn>
+              <a:cxn ang="0">
+                <a:pos x="connsiteX5" y="connsiteY5"/>
+              </a:cxn>
+              <a:cxn ang="0">
+                <a:pos x="connsiteX6" y="connsiteY6"/>
+              </a:cxn>
+            </a:cxnLst>
+            <a:rect l="l" t="t" r="r" b="b"/>
+            <a:pathLst>
+              <a:path w="3671996" h="1224000">
+                <a:moveTo>
+                  <a:pt x="0" y="1223999"/>
+                </a:moveTo>
+                <a:lnTo>
+                  <a:pt x="0" y="1224000"/>
+                </a:lnTo>
+                <a:lnTo>
+                  <a:pt x="3059996" y="1224000"/>
+                </a:lnTo>
+                <a:cubicBezTo>
+                  <a:pt x="3397994" y="1224000"/>
+                  <a:pt x="3671996" y="949998"/>
+                  <a:pt x="3671996" y="612000"/>
+                </a:cubicBezTo>
+                <a:lnTo>
+                  <a:pt x="3671996" y="0"/>
+                </a:lnTo>
+                <a:lnTo>
+                  <a:pt x="2448000" y="0"/>
+                </a:lnTo>
+                <a:lnTo>
+                  <a:pt x="2448000" y="1223999"/>
+                </a:lnTo>
+                <a:close/>
+              </a:path>
+            </a:pathLst>
+          </a:custGeom>
+          <a:solidFill>
+            <a:srgbClr val="9C57CB"/>
+          </a:solidFill>
+          <a:ln>
+            <a:noFill/>
+          </a:ln>
+        </p:spPr>
+        <p:style>
+          <a:lnRef idx="2">
+            <a:schemeClr val="accent1">
+              <a:shade val="15000"/>
+            </a:schemeClr>
+          </a:lnRef>
+          <a:fillRef idx="1">
+            <a:schemeClr val="accent1"/>
+          </a:fillRef>
+          <a:effectRef idx="0">
+            <a:schemeClr val="accent1"/>
+          </a:effectRef>
+          <a:fontRef idx="minor">
+            <a:schemeClr val="lt1"/>
+          </a:fontRef>
+        </p:style>
+        <p:txBody>
+          <a:bodyPr wrap="square" rtlCol="0" anchor="ctr">
+            <a:noAutofit/>
+          </a:bodyPr>
+          <a:lstStyle/>
+          <a:p>
+            <a:pPr algn="ctr"/>
+            <a:endParaRPr lang="en-CN" dirty="0"/>
+          </a:p>
+        </p:txBody>
+      </p:sp>
+      <p:sp>
+        <p:nvSpPr>
+          <p:cNvPr id="7" name="Freeform 6">
+            <a:extLst>
+              <a:ext uri="{FF2B5EF4-FFF2-40B4-BE49-F238E27FC236}">
+                <a16:creationId xmlns:a16="http://schemas.microsoft.com/office/drawing/2014/main" id="{2B8AA694-35E2-2F57-F277-A3DED3C687C5}"/>
+              </a:ext>
+            </a:extLst>
+          </p:cNvPr>
+          <p:cNvSpPr/>
+          <p:nvPr/>
+        </p:nvSpPr>
+        <p:spPr>
+          <a:xfrm rot="16200000" flipH="1">
+            <a:off x="3508634" y="3553267"/>
+            <a:ext cx="3671996" cy="1224000"/>
+          </a:xfrm>
+          <a:custGeom>
+            <a:avLst/>
+            <a:gdLst>
+              <a:gd name="connsiteX0" fmla="*/ 0 w 3671996"/>
+              <a:gd name="connsiteY0" fmla="*/ 612000 h 1224000"/>
+              <a:gd name="connsiteX1" fmla="*/ 0 w 3671996"/>
+              <a:gd name="connsiteY1" fmla="*/ 1224000 h 1224000"/>
+              <a:gd name="connsiteX2" fmla="*/ 1223996 w 3671996"/>
+              <a:gd name="connsiteY2" fmla="*/ 1224000 h 1224000"/>
+              <a:gd name="connsiteX3" fmla="*/ 1223996 w 3671996"/>
+              <a:gd name="connsiteY3" fmla="*/ 1 h 1224000"/>
+              <a:gd name="connsiteX4" fmla="*/ 3671996 w 3671996"/>
+              <a:gd name="connsiteY4" fmla="*/ 1 h 1224000"/>
+              <a:gd name="connsiteX5" fmla="*/ 3671996 w 3671996"/>
+              <a:gd name="connsiteY5" fmla="*/ 0 h 1224000"/>
+              <a:gd name="connsiteX6" fmla="*/ 612000 w 3671996"/>
+              <a:gd name="connsiteY6" fmla="*/ 0 h 1224000"/>
+              <a:gd name="connsiteX7" fmla="*/ 0 w 3671996"/>
+              <a:gd name="connsiteY7" fmla="*/ 612000 h 1224000"/>
+            </a:gdLst>
+            <a:ahLst/>
+            <a:cxnLst>
+              <a:cxn ang="0">
+                <a:pos x="connsiteX0" y="connsiteY0"/>
+              </a:cxn>
+              <a:cxn ang="0">
+                <a:pos x="connsiteX1" y="connsiteY1"/>
+              </a:cxn>
+              <a:cxn ang="0">
+                <a:pos x="connsiteX2" y="connsiteY2"/>
+              </a:cxn>
+              <a:cxn ang="0">
+                <a:pos x="connsiteX3" y="connsiteY3"/>
+              </a:cxn>
+              <a:cxn ang="0">
+                <a:pos x="connsiteX4" y="connsiteY4"/>
+              </a:cxn>
+              <a:cxn ang="0">
+                <a:pos x="connsiteX5" y="connsiteY5"/>
+              </a:cxn>
+              <a:cxn ang="0">
+                <a:pos x="connsiteX6" y="connsiteY6"/>
+              </a:cxn>
+              <a:cxn ang="0">
+                <a:pos x="connsiteX7" y="connsiteY7"/>
+              </a:cxn>
+            </a:cxnLst>
+            <a:rect l="l" t="t" r="r" b="b"/>
+            <a:pathLst>
+              <a:path w="3671996" h="1224000">
+                <a:moveTo>
+                  <a:pt x="0" y="612000"/>
+                </a:moveTo>
+                <a:lnTo>
+                  <a:pt x="0" y="1224000"/>
+                </a:lnTo>
+                <a:lnTo>
+                  <a:pt x="1223996" y="1224000"/>
+                </a:lnTo>
+                <a:lnTo>
+                  <a:pt x="1223996" y="1"/>
+                </a:lnTo>
+                <a:lnTo>
+                  <a:pt x="3671996" y="1"/>
+                </a:lnTo>
+                <a:lnTo>
+                  <a:pt x="3671996" y="0"/>
+                </a:lnTo>
+                <a:lnTo>
+                  <a:pt x="612000" y="0"/>
+                </a:lnTo>
+                <a:cubicBezTo>
+                  <a:pt x="274002" y="0"/>
+                  <a:pt x="0" y="274002"/>
+                  <a:pt x="0" y="612000"/>
+                </a:cubicBezTo>
+                <a:close/>
+              </a:path>
+            </a:pathLst>
+          </a:custGeom>
+          <a:solidFill>
+            <a:srgbClr val="5EC7FE"/>
+          </a:solidFill>
+          <a:ln>
+            <a:noFill/>
+          </a:ln>
+        </p:spPr>
+        <p:style>
+          <a:lnRef idx="2">
+            <a:schemeClr val="accent1">
+              <a:shade val="15000"/>
+            </a:schemeClr>
+          </a:lnRef>
+          <a:fillRef idx="1">
+            <a:schemeClr val="accent1"/>
+          </a:fillRef>
+          <a:effectRef idx="0">
+            <a:schemeClr val="accent1"/>
+          </a:effectRef>
+          <a:fontRef idx="minor">
+            <a:schemeClr val="lt1"/>
+          </a:fontRef>
+        </p:style>
+        <p:txBody>
+          <a:bodyPr wrap="square" rtlCol="0" anchor="ctr">
+            <a:noAutofit/>
+          </a:bodyPr>
+          <a:lstStyle/>
+          <a:p>
+            <a:pPr algn="ctr"/>
+            <a:endParaRPr lang="en-CN" dirty="0"/>
+          </a:p>
+        </p:txBody>
+      </p:sp>
+      <p:sp>
+        <p:nvSpPr>
+          <p:cNvPr id="8" name="Freeform 7">
+            <a:extLst>
+              <a:ext uri="{FF2B5EF4-FFF2-40B4-BE49-F238E27FC236}">
+                <a16:creationId xmlns:a16="http://schemas.microsoft.com/office/drawing/2014/main" id="{A68B2FC0-12A8-2BE5-4597-27E7264DE444}"/>
+              </a:ext>
+            </a:extLst>
+          </p:cNvPr>
+          <p:cNvSpPr/>
+          <p:nvPr/>
+        </p:nvSpPr>
+        <p:spPr>
+          <a:xfrm rot="16200000" flipV="1">
+            <a:off x="4732636" y="2329269"/>
+            <a:ext cx="3671996" cy="1224000"/>
+          </a:xfrm>
+          <a:custGeom>
+            <a:avLst/>
+            <a:gdLst>
+              <a:gd name="connsiteX0" fmla="*/ 0 w 3671996"/>
+              <a:gd name="connsiteY0" fmla="*/ 612000 h 1224000"/>
+              <a:gd name="connsiteX1" fmla="*/ 0 w 3671996"/>
+              <a:gd name="connsiteY1" fmla="*/ 1224000 h 1224000"/>
+              <a:gd name="connsiteX2" fmla="*/ 1223996 w 3671996"/>
+              <a:gd name="connsiteY2" fmla="*/ 1224000 h 1224000"/>
+              <a:gd name="connsiteX3" fmla="*/ 1223996 w 3671996"/>
+              <a:gd name="connsiteY3" fmla="*/ 1 h 1224000"/>
+              <a:gd name="connsiteX4" fmla="*/ 3671996 w 3671996"/>
+              <a:gd name="connsiteY4" fmla="*/ 1 h 1224000"/>
+              <a:gd name="connsiteX5" fmla="*/ 3671996 w 3671996"/>
+              <a:gd name="connsiteY5" fmla="*/ 0 h 1224000"/>
+              <a:gd name="connsiteX6" fmla="*/ 612000 w 3671996"/>
+              <a:gd name="connsiteY6" fmla="*/ 0 h 1224000"/>
+              <a:gd name="connsiteX7" fmla="*/ 0 w 3671996"/>
+              <a:gd name="connsiteY7" fmla="*/ 612000 h 1224000"/>
+            </a:gdLst>
+            <a:ahLst/>
+            <a:cxnLst>
+              <a:cxn ang="0">
+                <a:pos x="connsiteX0" y="connsiteY0"/>
+              </a:cxn>
+              <a:cxn ang="0">
+                <a:pos x="connsiteX1" y="connsiteY1"/>
+              </a:cxn>
+              <a:cxn ang="0">
+                <a:pos x="connsiteX2" y="connsiteY2"/>
+              </a:cxn>
+              <a:cxn ang="0">
+                <a:pos x="connsiteX3" y="connsiteY3"/>
+              </a:cxn>
+              <a:cxn ang="0">
+                <a:pos x="connsiteX4" y="connsiteY4"/>
+              </a:cxn>
+              <a:cxn ang="0">
+                <a:pos x="connsiteX5" y="connsiteY5"/>
+              </a:cxn>
+              <a:cxn ang="0">
+                <a:pos x="connsiteX6" y="connsiteY6"/>
+              </a:cxn>
+              <a:cxn ang="0">
+                <a:pos x="connsiteX7" y="connsiteY7"/>
+              </a:cxn>
+            </a:cxnLst>
+            <a:rect l="l" t="t" r="r" b="b"/>
+            <a:pathLst>
+              <a:path w="3671996" h="1224000">
+                <a:moveTo>
+                  <a:pt x="0" y="612000"/>
+                </a:moveTo>
+                <a:lnTo>
+                  <a:pt x="0" y="1224000"/>
+                </a:lnTo>
+                <a:lnTo>
+                  <a:pt x="1223996" y="1224000"/>
+                </a:lnTo>
+                <a:lnTo>
+                  <a:pt x="1223996" y="1"/>
+                </a:lnTo>
+                <a:lnTo>
+                  <a:pt x="3671996" y="1"/>
+                </a:lnTo>
+                <a:lnTo>
+                  <a:pt x="3671996" y="0"/>
+                </a:lnTo>
+                <a:lnTo>
+                  <a:pt x="612000" y="0"/>
+                </a:lnTo>
+                <a:cubicBezTo>
+                  <a:pt x="274002" y="0"/>
+                  <a:pt x="0" y="274002"/>
+                  <a:pt x="0" y="612000"/>
+                </a:cubicBezTo>
+                <a:close/>
+              </a:path>
+            </a:pathLst>
+          </a:custGeom>
+          <a:solidFill>
+            <a:srgbClr val="F8BF4A"/>
+          </a:solidFill>
+          <a:ln>
+            <a:noFill/>
+          </a:ln>
+        </p:spPr>
+        <p:style>
+          <a:lnRef idx="2">
+            <a:schemeClr val="accent1">
+              <a:shade val="15000"/>
+            </a:schemeClr>
+          </a:lnRef>
+          <a:fillRef idx="1">
+            <a:schemeClr val="accent1"/>
+          </a:fillRef>
+          <a:effectRef idx="0">
+            <a:schemeClr val="accent1"/>
+          </a:effectRef>
+          <a:fontRef idx="minor">
+            <a:schemeClr val="lt1"/>
+          </a:fontRef>
+        </p:style>
+        <p:txBody>
+          <a:bodyPr wrap="square" rtlCol="0" anchor="ctr">
+            <a:noAutofit/>
+          </a:bodyPr>
+          <a:lstStyle/>
+          <a:p>
+            <a:pPr algn="ctr"/>
+            <a:endParaRPr lang="en-CN" dirty="0"/>
+          </a:p>
+        </p:txBody>
+      </p:sp>
+      <p:sp>
+        <p:nvSpPr>
+          <p:cNvPr id="13" name="TextBox 12">
+            <a:extLst>
+              <a:ext uri="{FF2B5EF4-FFF2-40B4-BE49-F238E27FC236}">
+                <a16:creationId xmlns:a16="http://schemas.microsoft.com/office/drawing/2014/main" id="{C9E55928-C9CF-E2DF-CC1A-27DF125B7370}"/>
+              </a:ext>
+            </a:extLst>
+          </p:cNvPr>
+          <p:cNvSpPr txBox="1"/>
+          <p:nvPr/>
+        </p:nvSpPr>
+        <p:spPr>
+          <a:xfrm>
+            <a:off x="6096000" y="5067168"/>
+            <a:ext cx="3569599" cy="707886"/>
+          </a:xfrm>
+          <a:prstGeom prst="rect">
+            <a:avLst/>
+          </a:prstGeom>
+          <a:noFill/>
+        </p:spPr>
+        <p:txBody>
+          <a:bodyPr wrap="square" rtlCol="0">
+            <a:spAutoFit/>
+          </a:bodyPr>
+          <a:lstStyle/>
+          <a:p>
+            <a:r>
+              <a:rPr lang="en-CN" sz="4000" dirty="0">
+                <a:latin typeface="Baguet Script" panose="020F0502020204030204" pitchFamily="34" charset="0"/>
+                <a:ea typeface="Annai MN" pitchFamily="2" charset="77"/>
+                <a:cs typeface="Baguet Script" panose="020F0502020204030204" pitchFamily="34" charset="0"/>
+              </a:rPr>
+              <a:t>Family</a:t>
+            </a:r>
+            <a:r>
+              <a:rPr lang="zh-CN" altLang="en-US" sz="4000" dirty="0">
+                <a:latin typeface="Baguet Script" panose="020F0502020204030204" pitchFamily="34" charset="0"/>
+                <a:ea typeface="Annai MN" pitchFamily="2" charset="77"/>
+                <a:cs typeface="Baguet Script" panose="020F0502020204030204" pitchFamily="34" charset="0"/>
+              </a:rPr>
+              <a:t> </a:t>
+            </a:r>
+            <a:r>
+              <a:rPr lang="en-US" altLang="zh-CN" sz="4000" dirty="0">
+                <a:latin typeface="Baguet Script" panose="020F0502020204030204" pitchFamily="34" charset="0"/>
+                <a:ea typeface="Annai MN" pitchFamily="2" charset="77"/>
+                <a:cs typeface="Baguet Script" panose="020F0502020204030204" pitchFamily="34" charset="0"/>
+              </a:rPr>
+              <a:t>Invest</a:t>
+            </a:r>
+            <a:endParaRPr lang="en-CN" sz="4000" dirty="0">
+              <a:latin typeface="Baguet Script" panose="020F0502020204030204" pitchFamily="34" charset="0"/>
+              <a:ea typeface="Annai MN" pitchFamily="2" charset="77"/>
+              <a:cs typeface="Baguet Script" panose="020F0502020204030204" pitchFamily="34" charset="0"/>
+            </a:endParaRPr>
+          </a:p>
+        </p:txBody>
+      </p:sp>
+    </p:spTree>
+    <p:extLst>
+      <p:ext uri="{BB962C8B-B14F-4D97-AF65-F5344CB8AC3E}">
+        <p14:creationId xmlns:p14="http://schemas.microsoft.com/office/powerpoint/2010/main" val="3286054631"/>
+      </p:ext>
+    </p:extLst>
+  </p:cSld>
+  <p:clrMapOvr>
+    <a:masterClrMapping/>
+  </p:clrMapOvr>
+</p:sld>
+</file>
+
+<file path=ppt/slides/slide8.xml><?xml version="1.0" encoding="utf-8"?>
+<p:sld xmlns:a="http://schemas.openxmlformats.org/drawingml/2006/main" xmlns:r="http://schemas.openxmlformats.org/officeDocument/2006/relationships" xmlns:p="http://schemas.openxmlformats.org/presentationml/2006/main">
+  <p:cSld>
+    <p:bg>
+      <p:bgPr>
+        <a:gradFill>
+          <a:gsLst>
+            <a:gs pos="0">
+              <a:schemeClr val="accent1">
+                <a:lumMod val="5000"/>
+                <a:lumOff val="95000"/>
+              </a:schemeClr>
+            </a:gs>
+            <a:gs pos="74000">
+              <a:schemeClr val="accent1">
+                <a:lumMod val="45000"/>
+                <a:lumOff val="55000"/>
+              </a:schemeClr>
+            </a:gs>
+            <a:gs pos="83000">
+              <a:schemeClr val="accent1">
+                <a:lumMod val="45000"/>
+                <a:lumOff val="55000"/>
+              </a:schemeClr>
+            </a:gs>
+            <a:gs pos="100000">
+              <a:schemeClr val="accent1">
+                <a:lumMod val="30000"/>
+                <a:lumOff val="70000"/>
+              </a:schemeClr>
+            </a:gs>
+          </a:gsLst>
+          <a:path path="rect">
+            <a:fillToRect l="100000" t="100000"/>
+          </a:path>
+        </a:gradFill>
+        <a:effectLst/>
+      </p:bgPr>
+    </p:bg>
+    <p:spTree>
+      <p:nvGrpSpPr>
+        <p:cNvPr id="1" name="">
+          <a:extLst>
+            <a:ext uri="{FF2B5EF4-FFF2-40B4-BE49-F238E27FC236}">
               <a16:creationId xmlns:a16="http://schemas.microsoft.com/office/drawing/2014/main" id="{4F451E87-7432-F55A-E1CA-BBE5BFB1A9DA}"/>
             </a:ext>
           </a:extLst>
@@ -7149,7 +12995,7 @@
 </p:sld>
 </file>
 
-<file path=ppt/slides/slide8.xml><?xml version="1.0" encoding="utf-8"?>
+<file path=ppt/slides/slide9.xml><?xml version="1.0" encoding="utf-8"?>
 <p:sld xmlns:a="http://schemas.openxmlformats.org/drawingml/2006/main" xmlns:r="http://schemas.openxmlformats.org/officeDocument/2006/relationships" xmlns:p="http://schemas.openxmlformats.org/presentationml/2006/main">
   <p:cSld>
     <p:bg>
